--- a/Sleep_Presentation.pptx
+++ b/Sleep_Presentation.pptx
@@ -105,6 +105,11 @@
       </a:defRPr>
     </a:lvl9pPr>
   </p:defaultTextStyle>
+  <p:extLst>
+    <p:ext uri="{EFAFB233-063F-42B5-8137-9DF3F51BA10A}">
+      <p15:sldGuideLst xmlns:p15="http://schemas.microsoft.com/office/powerpoint/2012/main"/>
+    </p:ext>
+  </p:extLst>
 </p:presentation>
 </file>
 
@@ -8221,6 +8226,36 @@
           </a:prstGeom>
         </p:spPr>
       </p:pic>
+      <p:pic>
+        <p:nvPicPr>
+          <p:cNvPr id="2" name="Picture 1"/>
+          <p:cNvPicPr>
+            <a:picLocks noChangeAspect="1"/>
+          </p:cNvPicPr>
+          <p:nvPr/>
+        </p:nvPicPr>
+        <p:blipFill>
+          <a:blip r:embed="rId4">
+            <a:extLst>
+              <a:ext uri="{28A0092B-C50C-407E-A947-70E740481C1C}">
+                <a14:useLocalDpi xmlns:a14="http://schemas.microsoft.com/office/drawing/2010/main" val="0"/>
+              </a:ext>
+            </a:extLst>
+          </a:blip>
+          <a:stretch>
+            <a:fillRect/>
+          </a:stretch>
+        </p:blipFill>
+        <p:spPr>
+          <a:xfrm>
+            <a:off x="5031112" y="3626729"/>
+            <a:ext cx="2344146" cy="2057400"/>
+          </a:xfrm>
+          <a:prstGeom prst="rect">
+            <a:avLst/>
+          </a:prstGeom>
+        </p:spPr>
+      </p:pic>
     </p:spTree>
     <p:extLst>
       <p:ext uri="{BB962C8B-B14F-4D97-AF65-F5344CB8AC3E}">
@@ -8725,7 +8760,7 @@
         <p:spPr bwMode="auto">
           <a:xfrm>
             <a:off x="683419" y="4106818"/>
-            <a:ext cx="2668587" cy="2419350"/>
+            <a:ext cx="2668587" cy="1643527"/>
           </a:xfrm>
           <a:prstGeom prst="rect">
             <a:avLst/>
@@ -8910,357 +8945,18 @@
               <a:buNone/>
             </a:pPr>
             <a:r>
-              <a:rPr lang="en-US" altLang="en-US" sz="1400">
+              <a:rPr lang="en-US" altLang="en-US" sz="1400" dirty="0" smtClean="0">
                 <a:solidFill>
                   <a:srgbClr val="FFFFFF"/>
                 </a:solidFill>
               </a:rPr>
-              <a:t>Conclusion or summary of your infographic should live here. </a:t>
+              <a:t>We’ve all been told that drinking makes you have a worse nights sleep and it turns out that it’s true! Being an alcoholic is the very strongest predictor of a bad nights sleep.</a:t>
             </a:r>
-            <a:r>
-              <a:rPr lang="en-US" altLang="en-US" sz="1400" dirty="0">
-                <a:solidFill>
-                  <a:srgbClr val="FFFFFF"/>
-                </a:solidFill>
-              </a:rPr>
-              <a:t>Nunc </a:t>
-            </a:r>
-            <a:r>
-              <a:rPr lang="en-US" altLang="en-US" sz="1400" dirty="0" err="1">
-                <a:solidFill>
-                  <a:srgbClr val="FFFFFF"/>
-                </a:solidFill>
-              </a:rPr>
-              <a:t>vel</a:t>
-            </a:r>
-            <a:r>
-              <a:rPr lang="en-US" altLang="en-US" sz="1400" dirty="0">
-                <a:solidFill>
-                  <a:srgbClr val="FFFFFF"/>
-                </a:solidFill>
-              </a:rPr>
-              <a:t> </a:t>
-            </a:r>
-            <a:r>
-              <a:rPr lang="en-US" altLang="en-US" sz="1400" dirty="0" err="1">
-                <a:solidFill>
-                  <a:srgbClr val="FFFFFF"/>
-                </a:solidFill>
-              </a:rPr>
-              <a:t>justo</a:t>
-            </a:r>
-            <a:r>
-              <a:rPr lang="en-US" altLang="en-US" sz="1400" dirty="0">
-                <a:solidFill>
-                  <a:srgbClr val="FFFFFF"/>
-                </a:solidFill>
-              </a:rPr>
-              <a:t> cursus, </a:t>
-            </a:r>
-            <a:r>
-              <a:rPr lang="en-US" altLang="en-US" sz="1400" dirty="0" err="1">
-                <a:solidFill>
-                  <a:srgbClr val="FFFFFF"/>
-                </a:solidFill>
-              </a:rPr>
-              <a:t>porttitor</a:t>
-            </a:r>
-            <a:r>
-              <a:rPr lang="en-US" altLang="en-US" sz="1400" dirty="0">
-                <a:solidFill>
-                  <a:srgbClr val="FFFFFF"/>
-                </a:solidFill>
-              </a:rPr>
-              <a:t> </a:t>
-            </a:r>
-            <a:r>
-              <a:rPr lang="en-US" altLang="en-US" sz="1400" dirty="0" err="1">
-                <a:solidFill>
-                  <a:srgbClr val="FFFFFF"/>
-                </a:solidFill>
-              </a:rPr>
-              <a:t>nibh</a:t>
-            </a:r>
-            <a:r>
-              <a:rPr lang="en-US" altLang="en-US" sz="1400" dirty="0">
-                <a:solidFill>
-                  <a:srgbClr val="FFFFFF"/>
-                </a:solidFill>
-              </a:rPr>
-              <a:t> vitae, </a:t>
-            </a:r>
-            <a:r>
-              <a:rPr lang="en-US" altLang="en-US" sz="1400" dirty="0" err="1">
-                <a:solidFill>
-                  <a:srgbClr val="FFFFFF"/>
-                </a:solidFill>
-              </a:rPr>
-              <a:t>aliquam</a:t>
-            </a:r>
-            <a:r>
-              <a:rPr lang="en-US" altLang="en-US" sz="1400" dirty="0">
-                <a:solidFill>
-                  <a:srgbClr val="FFFFFF"/>
-                </a:solidFill>
-              </a:rPr>
-              <a:t> quam. </a:t>
-            </a:r>
-            <a:r>
-              <a:rPr lang="en-US" altLang="en-US" sz="1400" dirty="0" err="1">
-                <a:solidFill>
-                  <a:srgbClr val="FFFFFF"/>
-                </a:solidFill>
-              </a:rPr>
-              <a:t>Praesent</a:t>
-            </a:r>
-            <a:r>
-              <a:rPr lang="en-US" altLang="en-US" sz="1400" dirty="0">
-                <a:solidFill>
-                  <a:srgbClr val="FFFFFF"/>
-                </a:solidFill>
-              </a:rPr>
-              <a:t> </a:t>
-            </a:r>
-            <a:r>
-              <a:rPr lang="en-US" altLang="en-US" sz="1400" dirty="0" err="1">
-                <a:solidFill>
-                  <a:srgbClr val="FFFFFF"/>
-                </a:solidFill>
-              </a:rPr>
-              <a:t>finibus</a:t>
-            </a:r>
-            <a:r>
-              <a:rPr lang="en-US" altLang="en-US" sz="1400" dirty="0">
-                <a:solidFill>
-                  <a:srgbClr val="FFFFFF"/>
-                </a:solidFill>
-              </a:rPr>
-              <a:t> </a:t>
-            </a:r>
-            <a:r>
-              <a:rPr lang="en-US" altLang="en-US" sz="1400" dirty="0" err="1">
-                <a:solidFill>
-                  <a:srgbClr val="FFFFFF"/>
-                </a:solidFill>
-              </a:rPr>
-              <a:t>nibh</a:t>
-            </a:r>
-            <a:r>
-              <a:rPr lang="en-US" altLang="en-US" sz="1400" dirty="0">
-                <a:solidFill>
-                  <a:srgbClr val="FFFFFF"/>
-                </a:solidFill>
-              </a:rPr>
-              <a:t> </a:t>
-            </a:r>
-            <a:r>
-              <a:rPr lang="en-US" altLang="en-US" sz="1400" dirty="0" err="1">
-                <a:solidFill>
-                  <a:srgbClr val="FFFFFF"/>
-                </a:solidFill>
-              </a:rPr>
-              <a:t>eget</a:t>
-            </a:r>
-            <a:r>
-              <a:rPr lang="en-US" altLang="en-US" sz="1400" dirty="0">
-                <a:solidFill>
-                  <a:srgbClr val="FFFFFF"/>
-                </a:solidFill>
-              </a:rPr>
-              <a:t> </a:t>
-            </a:r>
-            <a:r>
-              <a:rPr lang="en-US" altLang="en-US" sz="1400" dirty="0" err="1">
-                <a:solidFill>
-                  <a:srgbClr val="FFFFFF"/>
-                </a:solidFill>
-              </a:rPr>
-              <a:t>viverra</a:t>
-            </a:r>
-            <a:r>
-              <a:rPr lang="en-US" altLang="en-US" sz="1400" dirty="0">
-                <a:solidFill>
-                  <a:srgbClr val="FFFFFF"/>
-                </a:solidFill>
-              </a:rPr>
-              <a:t> </a:t>
-            </a:r>
-            <a:r>
-              <a:rPr lang="en-US" altLang="en-US" sz="1400" dirty="0" err="1">
-                <a:solidFill>
-                  <a:srgbClr val="FFFFFF"/>
-                </a:solidFill>
-              </a:rPr>
-              <a:t>ultrices</a:t>
-            </a:r>
-            <a:r>
-              <a:rPr lang="en-US" altLang="en-US" sz="1400" dirty="0">
-                <a:solidFill>
-                  <a:srgbClr val="FFFFFF"/>
-                </a:solidFill>
-              </a:rPr>
-              <a:t>. Integer </a:t>
-            </a:r>
-            <a:r>
-              <a:rPr lang="en-US" altLang="en-US" sz="1400" dirty="0" err="1">
-                <a:solidFill>
-                  <a:srgbClr val="FFFFFF"/>
-                </a:solidFill>
-              </a:rPr>
-              <a:t>mattis</a:t>
-            </a:r>
-            <a:r>
-              <a:rPr lang="en-US" altLang="en-US" sz="1400" dirty="0">
-                <a:solidFill>
-                  <a:srgbClr val="FFFFFF"/>
-                </a:solidFill>
-              </a:rPr>
-              <a:t> </a:t>
-            </a:r>
-            <a:r>
-              <a:rPr lang="en-US" altLang="en-US" sz="1400" dirty="0" err="1">
-                <a:solidFill>
-                  <a:srgbClr val="FFFFFF"/>
-                </a:solidFill>
-              </a:rPr>
-              <a:t>finibus</a:t>
-            </a:r>
-            <a:r>
-              <a:rPr lang="en-US" altLang="en-US" sz="1400" dirty="0">
-                <a:solidFill>
-                  <a:srgbClr val="FFFFFF"/>
-                </a:solidFill>
-              </a:rPr>
-              <a:t> </a:t>
-            </a:r>
-            <a:r>
-              <a:rPr lang="en-US" altLang="en-US" sz="1400" dirty="0" err="1">
-                <a:solidFill>
-                  <a:srgbClr val="FFFFFF"/>
-                </a:solidFill>
-              </a:rPr>
-              <a:t>nibh</a:t>
-            </a:r>
-            <a:r>
-              <a:rPr lang="en-US" altLang="en-US" sz="1400" dirty="0">
-                <a:solidFill>
-                  <a:srgbClr val="FFFFFF"/>
-                </a:solidFill>
-              </a:rPr>
-              <a:t>, </a:t>
-            </a:r>
-            <a:r>
-              <a:rPr lang="en-US" altLang="en-US" sz="1400" dirty="0" err="1">
-                <a:solidFill>
-                  <a:srgbClr val="FFFFFF"/>
-                </a:solidFill>
-              </a:rPr>
-              <a:t>quis</a:t>
-            </a:r>
-            <a:r>
-              <a:rPr lang="en-US" altLang="en-US" sz="1400" dirty="0">
-                <a:solidFill>
-                  <a:srgbClr val="FFFFFF"/>
-                </a:solidFill>
-              </a:rPr>
-              <a:t> </a:t>
-            </a:r>
-            <a:r>
-              <a:rPr lang="en-US" altLang="en-US" sz="1400" dirty="0" err="1">
-                <a:solidFill>
-                  <a:srgbClr val="FFFFFF"/>
-                </a:solidFill>
-              </a:rPr>
-              <a:t>condimentum</a:t>
-            </a:r>
-            <a:r>
-              <a:rPr lang="en-US" altLang="en-US" sz="1400" dirty="0">
-                <a:solidFill>
-                  <a:srgbClr val="FFFFFF"/>
-                </a:solidFill>
-              </a:rPr>
-              <a:t> dolor porta </a:t>
-            </a:r>
-            <a:r>
-              <a:rPr lang="en-US" altLang="en-US" sz="1400" dirty="0" err="1">
-                <a:solidFill>
-                  <a:srgbClr val="FFFFFF"/>
-                </a:solidFill>
-              </a:rPr>
-              <a:t>malesuada</a:t>
-            </a:r>
-            <a:r>
-              <a:rPr lang="en-US" altLang="en-US" sz="1400" dirty="0">
-                <a:solidFill>
-                  <a:srgbClr val="FFFFFF"/>
-                </a:solidFill>
-              </a:rPr>
-              <a:t>. </a:t>
-            </a:r>
-            <a:r>
-              <a:rPr lang="en-US" altLang="en-US" sz="1400" dirty="0" err="1">
-                <a:solidFill>
-                  <a:srgbClr val="FFFFFF"/>
-                </a:solidFill>
-              </a:rPr>
-              <a:t>Vivamus</a:t>
-            </a:r>
-            <a:r>
-              <a:rPr lang="en-US" altLang="en-US" sz="1400" dirty="0">
-                <a:solidFill>
-                  <a:srgbClr val="FFFFFF"/>
-                </a:solidFill>
-              </a:rPr>
-              <a:t> </a:t>
-            </a:r>
-            <a:r>
-              <a:rPr lang="en-US" altLang="en-US" sz="1400" dirty="0" err="1">
-                <a:solidFill>
-                  <a:srgbClr val="FFFFFF"/>
-                </a:solidFill>
-              </a:rPr>
-              <a:t>sed</a:t>
-            </a:r>
-            <a:r>
-              <a:rPr lang="en-US" altLang="en-US" sz="1400" dirty="0">
-                <a:solidFill>
-                  <a:srgbClr val="FFFFFF"/>
-                </a:solidFill>
-              </a:rPr>
-              <a:t> lacus pharetra, </a:t>
-            </a:r>
-            <a:r>
-              <a:rPr lang="en-US" altLang="en-US" sz="1400" dirty="0" err="1">
-                <a:solidFill>
-                  <a:srgbClr val="FFFFFF"/>
-                </a:solidFill>
-              </a:rPr>
-              <a:t>auctor</a:t>
-            </a:r>
-            <a:r>
-              <a:rPr lang="en-US" altLang="en-US" sz="1400" dirty="0">
-                <a:solidFill>
-                  <a:srgbClr val="FFFFFF"/>
-                </a:solidFill>
-              </a:rPr>
-              <a:t> </a:t>
-            </a:r>
-            <a:r>
-              <a:rPr lang="en-US" altLang="en-US" sz="1400" dirty="0" err="1">
-                <a:solidFill>
-                  <a:srgbClr val="FFFFFF"/>
-                </a:solidFill>
-              </a:rPr>
-              <a:t>nulla</a:t>
-            </a:r>
-            <a:r>
-              <a:rPr lang="en-US" altLang="en-US" sz="1400" dirty="0">
-                <a:solidFill>
-                  <a:srgbClr val="FFFFFF"/>
-                </a:solidFill>
-              </a:rPr>
-              <a:t>.</a:t>
-            </a:r>
+            <a:endParaRPr lang="en-US" altLang="en-US" sz="1400" dirty="0">
+              <a:solidFill>
+                <a:srgbClr val="FFFFFF"/>
+              </a:solidFill>
+            </a:endParaRPr>
           </a:p>
         </p:txBody>
       </p:sp>
@@ -9922,7 +9618,7 @@
         <p:spPr bwMode="auto">
           <a:xfrm>
             <a:off x="427817" y="1936531"/>
-            <a:ext cx="3359256" cy="1902059"/>
+            <a:ext cx="3359256" cy="1384995"/>
           </a:xfrm>
           <a:prstGeom prst="rect">
             <a:avLst/>
@@ -10107,349 +9803,26 @@
               <a:buNone/>
             </a:pPr>
             <a:r>
-              <a:rPr lang="en-US" altLang="en-US" sz="1400" dirty="0">
+              <a:rPr lang="en-US" altLang="en-US" sz="1400" dirty="0" smtClean="0">
                 <a:solidFill>
                   <a:srgbClr val="FFFFFF"/>
                 </a:solidFill>
               </a:rPr>
-              <a:t>Conclusion or summary of your infographic should live here. Nunc </a:t>
+              <a:t>Having a social life filled </a:t>
             </a:r>
             <a:r>
-              <a:rPr lang="en-US" altLang="en-US" sz="1400" dirty="0" err="1">
+              <a:rPr lang="en-US" altLang="en-US" sz="1400" dirty="0" smtClean="0">
                 <a:solidFill>
                   <a:srgbClr val="FFFFFF"/>
                 </a:solidFill>
               </a:rPr>
-              <a:t>vel</a:t>
+              <a:t>with outdoor habits such as hiking, skiing, and exercise greatly increases your chance of getting a good night’s sleep. In fact, it’s as good for your sleep as alcoholism is bad.</a:t>
             </a:r>
-            <a:r>
-              <a:rPr lang="en-US" altLang="en-US" sz="1400" dirty="0">
-                <a:solidFill>
-                  <a:srgbClr val="FFFFFF"/>
-                </a:solidFill>
-              </a:rPr>
-              <a:t> </a:t>
-            </a:r>
-            <a:r>
-              <a:rPr lang="en-US" altLang="en-US" sz="1400" dirty="0" err="1">
-                <a:solidFill>
-                  <a:srgbClr val="FFFFFF"/>
-                </a:solidFill>
-              </a:rPr>
-              <a:t>justo</a:t>
-            </a:r>
-            <a:r>
-              <a:rPr lang="en-US" altLang="en-US" sz="1400" dirty="0">
-                <a:solidFill>
-                  <a:srgbClr val="FFFFFF"/>
-                </a:solidFill>
-              </a:rPr>
-              <a:t> cursus, </a:t>
-            </a:r>
-            <a:r>
-              <a:rPr lang="en-US" altLang="en-US" sz="1400" dirty="0" err="1">
-                <a:solidFill>
-                  <a:srgbClr val="FFFFFF"/>
-                </a:solidFill>
-              </a:rPr>
-              <a:t>porttitor</a:t>
-            </a:r>
-            <a:r>
-              <a:rPr lang="en-US" altLang="en-US" sz="1400" dirty="0">
-                <a:solidFill>
-                  <a:srgbClr val="FFFFFF"/>
-                </a:solidFill>
-              </a:rPr>
-              <a:t> </a:t>
-            </a:r>
-            <a:r>
-              <a:rPr lang="en-US" altLang="en-US" sz="1400" dirty="0" err="1">
-                <a:solidFill>
-                  <a:srgbClr val="FFFFFF"/>
-                </a:solidFill>
-              </a:rPr>
-              <a:t>nibh</a:t>
-            </a:r>
-            <a:r>
-              <a:rPr lang="en-US" altLang="en-US" sz="1400" dirty="0">
-                <a:solidFill>
-                  <a:srgbClr val="FFFFFF"/>
-                </a:solidFill>
-              </a:rPr>
-              <a:t> vitae, </a:t>
-            </a:r>
-            <a:r>
-              <a:rPr lang="en-US" altLang="en-US" sz="1400" dirty="0" err="1">
-                <a:solidFill>
-                  <a:srgbClr val="FFFFFF"/>
-                </a:solidFill>
-              </a:rPr>
-              <a:t>aliquam</a:t>
-            </a:r>
-            <a:r>
-              <a:rPr lang="en-US" altLang="en-US" sz="1400" dirty="0">
-                <a:solidFill>
-                  <a:srgbClr val="FFFFFF"/>
-                </a:solidFill>
-              </a:rPr>
-              <a:t> quam. </a:t>
-            </a:r>
-            <a:r>
-              <a:rPr lang="en-US" altLang="en-US" sz="1400" dirty="0" err="1">
-                <a:solidFill>
-                  <a:srgbClr val="FFFFFF"/>
-                </a:solidFill>
-              </a:rPr>
-              <a:t>Praesent</a:t>
-            </a:r>
-            <a:r>
-              <a:rPr lang="en-US" altLang="en-US" sz="1400" dirty="0">
-                <a:solidFill>
-                  <a:srgbClr val="FFFFFF"/>
-                </a:solidFill>
-              </a:rPr>
-              <a:t> </a:t>
-            </a:r>
-            <a:r>
-              <a:rPr lang="en-US" altLang="en-US" sz="1400" dirty="0" err="1">
-                <a:solidFill>
-                  <a:srgbClr val="FFFFFF"/>
-                </a:solidFill>
-              </a:rPr>
-              <a:t>finibus</a:t>
-            </a:r>
-            <a:r>
-              <a:rPr lang="en-US" altLang="en-US" sz="1400" dirty="0">
-                <a:solidFill>
-                  <a:srgbClr val="FFFFFF"/>
-                </a:solidFill>
-              </a:rPr>
-              <a:t> </a:t>
-            </a:r>
-            <a:r>
-              <a:rPr lang="en-US" altLang="en-US" sz="1400" dirty="0" err="1">
-                <a:solidFill>
-                  <a:srgbClr val="FFFFFF"/>
-                </a:solidFill>
-              </a:rPr>
-              <a:t>nibh</a:t>
-            </a:r>
-            <a:r>
-              <a:rPr lang="en-US" altLang="en-US" sz="1400" dirty="0">
-                <a:solidFill>
-                  <a:srgbClr val="FFFFFF"/>
-                </a:solidFill>
-              </a:rPr>
-              <a:t> </a:t>
-            </a:r>
-            <a:r>
-              <a:rPr lang="en-US" altLang="en-US" sz="1400" dirty="0" err="1">
-                <a:solidFill>
-                  <a:srgbClr val="FFFFFF"/>
-                </a:solidFill>
-              </a:rPr>
-              <a:t>eget</a:t>
-            </a:r>
-            <a:r>
-              <a:rPr lang="en-US" altLang="en-US" sz="1400" dirty="0">
-                <a:solidFill>
-                  <a:srgbClr val="FFFFFF"/>
-                </a:solidFill>
-              </a:rPr>
-              <a:t> </a:t>
-            </a:r>
-            <a:r>
-              <a:rPr lang="en-US" altLang="en-US" sz="1400" dirty="0" err="1">
-                <a:solidFill>
-                  <a:srgbClr val="FFFFFF"/>
-                </a:solidFill>
-              </a:rPr>
-              <a:t>viverra</a:t>
-            </a:r>
-            <a:r>
-              <a:rPr lang="en-US" altLang="en-US" sz="1400" dirty="0">
-                <a:solidFill>
-                  <a:srgbClr val="FFFFFF"/>
-                </a:solidFill>
-              </a:rPr>
-              <a:t> </a:t>
-            </a:r>
-            <a:r>
-              <a:rPr lang="en-US" altLang="en-US" sz="1400" dirty="0" err="1">
-                <a:solidFill>
-                  <a:srgbClr val="FFFFFF"/>
-                </a:solidFill>
-              </a:rPr>
-              <a:t>ultrices</a:t>
-            </a:r>
-            <a:r>
-              <a:rPr lang="en-US" altLang="en-US" sz="1400" dirty="0">
-                <a:solidFill>
-                  <a:srgbClr val="FFFFFF"/>
-                </a:solidFill>
-              </a:rPr>
-              <a:t>. Integer </a:t>
-            </a:r>
-            <a:r>
-              <a:rPr lang="en-US" altLang="en-US" sz="1400" dirty="0" err="1">
-                <a:solidFill>
-                  <a:srgbClr val="FFFFFF"/>
-                </a:solidFill>
-              </a:rPr>
-              <a:t>mattis</a:t>
-            </a:r>
-            <a:r>
-              <a:rPr lang="en-US" altLang="en-US" sz="1400" dirty="0">
-                <a:solidFill>
-                  <a:srgbClr val="FFFFFF"/>
-                </a:solidFill>
-              </a:rPr>
-              <a:t> </a:t>
-            </a:r>
-            <a:r>
-              <a:rPr lang="en-US" altLang="en-US" sz="1400" dirty="0" err="1">
-                <a:solidFill>
-                  <a:srgbClr val="FFFFFF"/>
-                </a:solidFill>
-              </a:rPr>
-              <a:t>finibus</a:t>
-            </a:r>
-            <a:r>
-              <a:rPr lang="en-US" altLang="en-US" sz="1400" dirty="0">
-                <a:solidFill>
-                  <a:srgbClr val="FFFFFF"/>
-                </a:solidFill>
-              </a:rPr>
-              <a:t> </a:t>
-            </a:r>
-            <a:r>
-              <a:rPr lang="en-US" altLang="en-US" sz="1400" dirty="0" err="1">
-                <a:solidFill>
-                  <a:srgbClr val="FFFFFF"/>
-                </a:solidFill>
-              </a:rPr>
-              <a:t>nibh</a:t>
-            </a:r>
-            <a:r>
-              <a:rPr lang="en-US" altLang="en-US" sz="1400" dirty="0">
-                <a:solidFill>
-                  <a:srgbClr val="FFFFFF"/>
-                </a:solidFill>
-              </a:rPr>
-              <a:t>, </a:t>
-            </a:r>
-            <a:r>
-              <a:rPr lang="en-US" altLang="en-US" sz="1400" dirty="0" err="1">
-                <a:solidFill>
-                  <a:srgbClr val="FFFFFF"/>
-                </a:solidFill>
-              </a:rPr>
-              <a:t>quis</a:t>
-            </a:r>
-            <a:r>
-              <a:rPr lang="en-US" altLang="en-US" sz="1400" dirty="0">
-                <a:solidFill>
-                  <a:srgbClr val="FFFFFF"/>
-                </a:solidFill>
-              </a:rPr>
-              <a:t> </a:t>
-            </a:r>
-            <a:r>
-              <a:rPr lang="en-US" altLang="en-US" sz="1400" dirty="0" err="1">
-                <a:solidFill>
-                  <a:srgbClr val="FFFFFF"/>
-                </a:solidFill>
-              </a:rPr>
-              <a:t>condimentum</a:t>
-            </a:r>
-            <a:r>
-              <a:rPr lang="en-US" altLang="en-US" sz="1400" dirty="0">
-                <a:solidFill>
-                  <a:srgbClr val="FFFFFF"/>
-                </a:solidFill>
-              </a:rPr>
-              <a:t> dolor porta </a:t>
-            </a:r>
-            <a:r>
-              <a:rPr lang="en-US" altLang="en-US" sz="1400" dirty="0" err="1">
-                <a:solidFill>
-                  <a:srgbClr val="FFFFFF"/>
-                </a:solidFill>
-              </a:rPr>
-              <a:t>malesuada</a:t>
-            </a:r>
-            <a:r>
-              <a:rPr lang="en-US" altLang="en-US" sz="1400" dirty="0">
-                <a:solidFill>
-                  <a:srgbClr val="FFFFFF"/>
-                </a:solidFill>
-              </a:rPr>
-              <a:t>. </a:t>
-            </a:r>
-            <a:r>
-              <a:rPr lang="en-US" altLang="en-US" sz="1400" dirty="0" err="1">
-                <a:solidFill>
-                  <a:srgbClr val="FFFFFF"/>
-                </a:solidFill>
-              </a:rPr>
-              <a:t>Vivamus</a:t>
-            </a:r>
-            <a:r>
-              <a:rPr lang="en-US" altLang="en-US" sz="1400" dirty="0">
-                <a:solidFill>
-                  <a:srgbClr val="FFFFFF"/>
-                </a:solidFill>
-              </a:rPr>
-              <a:t> </a:t>
-            </a:r>
-            <a:r>
-              <a:rPr lang="en-US" altLang="en-US" sz="1400" dirty="0" err="1">
-                <a:solidFill>
-                  <a:srgbClr val="FFFFFF"/>
-                </a:solidFill>
-              </a:rPr>
-              <a:t>sed</a:t>
-            </a:r>
-            <a:r>
-              <a:rPr lang="en-US" altLang="en-US" sz="1400" dirty="0">
-                <a:solidFill>
-                  <a:srgbClr val="FFFFFF"/>
-                </a:solidFill>
-              </a:rPr>
-              <a:t> lacus pharetra, </a:t>
-            </a:r>
-            <a:r>
-              <a:rPr lang="en-US" altLang="en-US" sz="1400" dirty="0" err="1">
-                <a:solidFill>
-                  <a:srgbClr val="FFFFFF"/>
-                </a:solidFill>
-              </a:rPr>
-              <a:t>auctor</a:t>
-            </a:r>
-            <a:r>
-              <a:rPr lang="en-US" altLang="en-US" sz="1400" dirty="0">
-                <a:solidFill>
-                  <a:srgbClr val="FFFFFF"/>
-                </a:solidFill>
-              </a:rPr>
-              <a:t> </a:t>
-            </a:r>
-            <a:r>
-              <a:rPr lang="en-US" altLang="en-US" sz="1400" dirty="0" err="1">
-                <a:solidFill>
-                  <a:srgbClr val="FFFFFF"/>
-                </a:solidFill>
-              </a:rPr>
-              <a:t>nulla</a:t>
-            </a:r>
-            <a:r>
-              <a:rPr lang="en-US" altLang="en-US" sz="1400" dirty="0">
-                <a:solidFill>
-                  <a:srgbClr val="FFFFFF"/>
-                </a:solidFill>
-              </a:rPr>
-              <a:t>.</a:t>
-            </a:r>
+            <a:endParaRPr lang="en-US" altLang="en-US" sz="1400" dirty="0">
+              <a:solidFill>
+                <a:srgbClr val="FFFFFF"/>
+              </a:solidFill>
+            </a:endParaRPr>
           </a:p>
         </p:txBody>
       </p:sp>
@@ -10500,7 +9873,7 @@
         <p:spPr bwMode="auto">
           <a:xfrm>
             <a:off x="8351611" y="1929155"/>
-            <a:ext cx="3332373" cy="1902059"/>
+            <a:ext cx="3332373" cy="867930"/>
           </a:xfrm>
           <a:prstGeom prst="rect">
             <a:avLst/>
@@ -10685,348 +10058,12 @@
               <a:buNone/>
             </a:pPr>
             <a:r>
-              <a:rPr lang="en-US" altLang="en-US" sz="1400" dirty="0">
+              <a:rPr lang="en-US" altLang="en-US" sz="1400" dirty="0" smtClean="0">
                 <a:solidFill>
                   <a:srgbClr val="FFFFFF"/>
                 </a:solidFill>
               </a:rPr>
-              <a:t>Conclusion or summary of your infographic should live here. Nunc </a:t>
-            </a:r>
-            <a:r>
-              <a:rPr lang="en-US" altLang="en-US" sz="1400" dirty="0" err="1">
-                <a:solidFill>
-                  <a:srgbClr val="FFFFFF"/>
-                </a:solidFill>
-              </a:rPr>
-              <a:t>vel</a:t>
-            </a:r>
-            <a:r>
-              <a:rPr lang="en-US" altLang="en-US" sz="1400" dirty="0">
-                <a:solidFill>
-                  <a:srgbClr val="FFFFFF"/>
-                </a:solidFill>
-              </a:rPr>
-              <a:t> </a:t>
-            </a:r>
-            <a:r>
-              <a:rPr lang="en-US" altLang="en-US" sz="1400" dirty="0" err="1">
-                <a:solidFill>
-                  <a:srgbClr val="FFFFFF"/>
-                </a:solidFill>
-              </a:rPr>
-              <a:t>justo</a:t>
-            </a:r>
-            <a:r>
-              <a:rPr lang="en-US" altLang="en-US" sz="1400" dirty="0">
-                <a:solidFill>
-                  <a:srgbClr val="FFFFFF"/>
-                </a:solidFill>
-              </a:rPr>
-              <a:t> cursus, </a:t>
-            </a:r>
-            <a:r>
-              <a:rPr lang="en-US" altLang="en-US" sz="1400" dirty="0" err="1">
-                <a:solidFill>
-                  <a:srgbClr val="FFFFFF"/>
-                </a:solidFill>
-              </a:rPr>
-              <a:t>porttitor</a:t>
-            </a:r>
-            <a:r>
-              <a:rPr lang="en-US" altLang="en-US" sz="1400" dirty="0">
-                <a:solidFill>
-                  <a:srgbClr val="FFFFFF"/>
-                </a:solidFill>
-              </a:rPr>
-              <a:t> </a:t>
-            </a:r>
-            <a:r>
-              <a:rPr lang="en-US" altLang="en-US" sz="1400" dirty="0" err="1">
-                <a:solidFill>
-                  <a:srgbClr val="FFFFFF"/>
-                </a:solidFill>
-              </a:rPr>
-              <a:t>nibh</a:t>
-            </a:r>
-            <a:r>
-              <a:rPr lang="en-US" altLang="en-US" sz="1400" dirty="0">
-                <a:solidFill>
-                  <a:srgbClr val="FFFFFF"/>
-                </a:solidFill>
-              </a:rPr>
-              <a:t> vitae, </a:t>
-            </a:r>
-            <a:r>
-              <a:rPr lang="en-US" altLang="en-US" sz="1400" dirty="0" err="1">
-                <a:solidFill>
-                  <a:srgbClr val="FFFFFF"/>
-                </a:solidFill>
-              </a:rPr>
-              <a:t>aliquam</a:t>
-            </a:r>
-            <a:r>
-              <a:rPr lang="en-US" altLang="en-US" sz="1400" dirty="0">
-                <a:solidFill>
-                  <a:srgbClr val="FFFFFF"/>
-                </a:solidFill>
-              </a:rPr>
-              <a:t> quam. </a:t>
-            </a:r>
-            <a:r>
-              <a:rPr lang="en-US" altLang="en-US" sz="1400" dirty="0" err="1">
-                <a:solidFill>
-                  <a:srgbClr val="FFFFFF"/>
-                </a:solidFill>
-              </a:rPr>
-              <a:t>Praesent</a:t>
-            </a:r>
-            <a:r>
-              <a:rPr lang="en-US" altLang="en-US" sz="1400" dirty="0">
-                <a:solidFill>
-                  <a:srgbClr val="FFFFFF"/>
-                </a:solidFill>
-              </a:rPr>
-              <a:t> </a:t>
-            </a:r>
-            <a:r>
-              <a:rPr lang="en-US" altLang="en-US" sz="1400" dirty="0" err="1">
-                <a:solidFill>
-                  <a:srgbClr val="FFFFFF"/>
-                </a:solidFill>
-              </a:rPr>
-              <a:t>finibus</a:t>
-            </a:r>
-            <a:r>
-              <a:rPr lang="en-US" altLang="en-US" sz="1400" dirty="0">
-                <a:solidFill>
-                  <a:srgbClr val="FFFFFF"/>
-                </a:solidFill>
-              </a:rPr>
-              <a:t> </a:t>
-            </a:r>
-            <a:r>
-              <a:rPr lang="en-US" altLang="en-US" sz="1400" dirty="0" err="1">
-                <a:solidFill>
-                  <a:srgbClr val="FFFFFF"/>
-                </a:solidFill>
-              </a:rPr>
-              <a:t>nibh</a:t>
-            </a:r>
-            <a:r>
-              <a:rPr lang="en-US" altLang="en-US" sz="1400" dirty="0">
-                <a:solidFill>
-                  <a:srgbClr val="FFFFFF"/>
-                </a:solidFill>
-              </a:rPr>
-              <a:t> </a:t>
-            </a:r>
-            <a:r>
-              <a:rPr lang="en-US" altLang="en-US" sz="1400" dirty="0" err="1">
-                <a:solidFill>
-                  <a:srgbClr val="FFFFFF"/>
-                </a:solidFill>
-              </a:rPr>
-              <a:t>eget</a:t>
-            </a:r>
-            <a:r>
-              <a:rPr lang="en-US" altLang="en-US" sz="1400" dirty="0">
-                <a:solidFill>
-                  <a:srgbClr val="FFFFFF"/>
-                </a:solidFill>
-              </a:rPr>
-              <a:t> </a:t>
-            </a:r>
-            <a:r>
-              <a:rPr lang="en-US" altLang="en-US" sz="1400" dirty="0" err="1">
-                <a:solidFill>
-                  <a:srgbClr val="FFFFFF"/>
-                </a:solidFill>
-              </a:rPr>
-              <a:t>viverra</a:t>
-            </a:r>
-            <a:r>
-              <a:rPr lang="en-US" altLang="en-US" sz="1400" dirty="0">
-                <a:solidFill>
-                  <a:srgbClr val="FFFFFF"/>
-                </a:solidFill>
-              </a:rPr>
-              <a:t> </a:t>
-            </a:r>
-            <a:r>
-              <a:rPr lang="en-US" altLang="en-US" sz="1400" dirty="0" err="1">
-                <a:solidFill>
-                  <a:srgbClr val="FFFFFF"/>
-                </a:solidFill>
-              </a:rPr>
-              <a:t>ultrices</a:t>
-            </a:r>
-            <a:r>
-              <a:rPr lang="en-US" altLang="en-US" sz="1400" dirty="0">
-                <a:solidFill>
-                  <a:srgbClr val="FFFFFF"/>
-                </a:solidFill>
-              </a:rPr>
-              <a:t>. Integer </a:t>
-            </a:r>
-            <a:r>
-              <a:rPr lang="en-US" altLang="en-US" sz="1400" dirty="0" err="1">
-                <a:solidFill>
-                  <a:srgbClr val="FFFFFF"/>
-                </a:solidFill>
-              </a:rPr>
-              <a:t>mattis</a:t>
-            </a:r>
-            <a:r>
-              <a:rPr lang="en-US" altLang="en-US" sz="1400" dirty="0">
-                <a:solidFill>
-                  <a:srgbClr val="FFFFFF"/>
-                </a:solidFill>
-              </a:rPr>
-              <a:t> </a:t>
-            </a:r>
-            <a:r>
-              <a:rPr lang="en-US" altLang="en-US" sz="1400" dirty="0" err="1">
-                <a:solidFill>
-                  <a:srgbClr val="FFFFFF"/>
-                </a:solidFill>
-              </a:rPr>
-              <a:t>finibus</a:t>
-            </a:r>
-            <a:r>
-              <a:rPr lang="en-US" altLang="en-US" sz="1400" dirty="0">
-                <a:solidFill>
-                  <a:srgbClr val="FFFFFF"/>
-                </a:solidFill>
-              </a:rPr>
-              <a:t> </a:t>
-            </a:r>
-            <a:r>
-              <a:rPr lang="en-US" altLang="en-US" sz="1400" dirty="0" err="1">
-                <a:solidFill>
-                  <a:srgbClr val="FFFFFF"/>
-                </a:solidFill>
-              </a:rPr>
-              <a:t>nibh</a:t>
-            </a:r>
-            <a:r>
-              <a:rPr lang="en-US" altLang="en-US" sz="1400" dirty="0">
-                <a:solidFill>
-                  <a:srgbClr val="FFFFFF"/>
-                </a:solidFill>
-              </a:rPr>
-              <a:t>, </a:t>
-            </a:r>
-            <a:r>
-              <a:rPr lang="en-US" altLang="en-US" sz="1400" dirty="0" err="1">
-                <a:solidFill>
-                  <a:srgbClr val="FFFFFF"/>
-                </a:solidFill>
-              </a:rPr>
-              <a:t>quis</a:t>
-            </a:r>
-            <a:r>
-              <a:rPr lang="en-US" altLang="en-US" sz="1400" dirty="0">
-                <a:solidFill>
-                  <a:srgbClr val="FFFFFF"/>
-                </a:solidFill>
-              </a:rPr>
-              <a:t> </a:t>
-            </a:r>
-            <a:r>
-              <a:rPr lang="en-US" altLang="en-US" sz="1400" dirty="0" err="1">
-                <a:solidFill>
-                  <a:srgbClr val="FFFFFF"/>
-                </a:solidFill>
-              </a:rPr>
-              <a:t>condimentum</a:t>
-            </a:r>
-            <a:r>
-              <a:rPr lang="en-US" altLang="en-US" sz="1400" dirty="0">
-                <a:solidFill>
-                  <a:srgbClr val="FFFFFF"/>
-                </a:solidFill>
-              </a:rPr>
-              <a:t> dolor porta </a:t>
-            </a:r>
-            <a:r>
-              <a:rPr lang="en-US" altLang="en-US" sz="1400" dirty="0" err="1">
-                <a:solidFill>
-                  <a:srgbClr val="FFFFFF"/>
-                </a:solidFill>
-              </a:rPr>
-              <a:t>malesuada</a:t>
-            </a:r>
-            <a:r>
-              <a:rPr lang="en-US" altLang="en-US" sz="1400" dirty="0">
-                <a:solidFill>
-                  <a:srgbClr val="FFFFFF"/>
-                </a:solidFill>
-              </a:rPr>
-              <a:t>. </a:t>
-            </a:r>
-            <a:r>
-              <a:rPr lang="en-US" altLang="en-US" sz="1400" dirty="0" err="1">
-                <a:solidFill>
-                  <a:srgbClr val="FFFFFF"/>
-                </a:solidFill>
-              </a:rPr>
-              <a:t>Vivamus</a:t>
-            </a:r>
-            <a:r>
-              <a:rPr lang="en-US" altLang="en-US" sz="1400" dirty="0">
-                <a:solidFill>
-                  <a:srgbClr val="FFFFFF"/>
-                </a:solidFill>
-              </a:rPr>
-              <a:t> </a:t>
-            </a:r>
-            <a:r>
-              <a:rPr lang="en-US" altLang="en-US" sz="1400" dirty="0" err="1">
-                <a:solidFill>
-                  <a:srgbClr val="FFFFFF"/>
-                </a:solidFill>
-              </a:rPr>
-              <a:t>sed</a:t>
-            </a:r>
-            <a:r>
-              <a:rPr lang="en-US" altLang="en-US" sz="1400" dirty="0">
-                <a:solidFill>
-                  <a:srgbClr val="FFFFFF"/>
-                </a:solidFill>
-              </a:rPr>
-              <a:t> lacus pharetra, </a:t>
-            </a:r>
-            <a:r>
-              <a:rPr lang="en-US" altLang="en-US" sz="1400" dirty="0" err="1">
-                <a:solidFill>
-                  <a:srgbClr val="FFFFFF"/>
-                </a:solidFill>
-              </a:rPr>
-              <a:t>auctor</a:t>
-            </a:r>
-            <a:r>
-              <a:rPr lang="en-US" altLang="en-US" sz="1400" dirty="0">
-                <a:solidFill>
-                  <a:srgbClr val="FFFFFF"/>
-                </a:solidFill>
-              </a:rPr>
-              <a:t> </a:t>
-            </a:r>
-            <a:r>
-              <a:rPr lang="en-US" altLang="en-US" sz="1400" dirty="0" err="1">
-                <a:solidFill>
-                  <a:srgbClr val="FFFFFF"/>
-                </a:solidFill>
-              </a:rPr>
-              <a:t>nulla</a:t>
-            </a:r>
-            <a:r>
-              <a:rPr lang="en-US" altLang="en-US" sz="1400" dirty="0">
-                <a:solidFill>
-                  <a:srgbClr val="FFFFFF"/>
-                </a:solidFill>
-              </a:rPr>
-              <a:t>.</a:t>
+              <a:t>Being an outgoing person – i.e. having an active social life will make for a better night’s sleep.</a:t>
             </a:r>
           </a:p>
         </p:txBody>
@@ -11114,7 +10151,7 @@
         <p:spPr bwMode="auto">
           <a:xfrm>
             <a:off x="8325238" y="4301825"/>
-            <a:ext cx="3328809" cy="1902059"/>
+            <a:ext cx="3328809" cy="1384995"/>
           </a:xfrm>
           <a:prstGeom prst="rect">
             <a:avLst/>
@@ -11299,349 +10336,18 @@
               <a:buNone/>
             </a:pPr>
             <a:r>
-              <a:rPr lang="en-US" altLang="en-US" sz="1400" dirty="0">
+              <a:rPr lang="en-US" altLang="en-US" sz="1400" dirty="0" smtClean="0">
                 <a:solidFill>
                   <a:srgbClr val="FFFFFF"/>
                 </a:solidFill>
               </a:rPr>
-              <a:t>Conclusion or summary of your infographic should live here. Nunc </a:t>
+              <a:t>Another chronic habit that many people have is smoking. It turns out that this habit isn’t only bad for your lungs. Smoking is the second best predictor for having a bad nights sleep.</a:t>
             </a:r>
-            <a:r>
-              <a:rPr lang="en-US" altLang="en-US" sz="1400" dirty="0" err="1">
-                <a:solidFill>
-                  <a:srgbClr val="FFFFFF"/>
-                </a:solidFill>
-              </a:rPr>
-              <a:t>vel</a:t>
-            </a:r>
-            <a:r>
-              <a:rPr lang="en-US" altLang="en-US" sz="1400" dirty="0">
-                <a:solidFill>
-                  <a:srgbClr val="FFFFFF"/>
-                </a:solidFill>
-              </a:rPr>
-              <a:t> </a:t>
-            </a:r>
-            <a:r>
-              <a:rPr lang="en-US" altLang="en-US" sz="1400" dirty="0" err="1">
-                <a:solidFill>
-                  <a:srgbClr val="FFFFFF"/>
-                </a:solidFill>
-              </a:rPr>
-              <a:t>justo</a:t>
-            </a:r>
-            <a:r>
-              <a:rPr lang="en-US" altLang="en-US" sz="1400" dirty="0">
-                <a:solidFill>
-                  <a:srgbClr val="FFFFFF"/>
-                </a:solidFill>
-              </a:rPr>
-              <a:t> cursus, </a:t>
-            </a:r>
-            <a:r>
-              <a:rPr lang="en-US" altLang="en-US" sz="1400" dirty="0" err="1">
-                <a:solidFill>
-                  <a:srgbClr val="FFFFFF"/>
-                </a:solidFill>
-              </a:rPr>
-              <a:t>porttitor</a:t>
-            </a:r>
-            <a:r>
-              <a:rPr lang="en-US" altLang="en-US" sz="1400" dirty="0">
-                <a:solidFill>
-                  <a:srgbClr val="FFFFFF"/>
-                </a:solidFill>
-              </a:rPr>
-              <a:t> </a:t>
-            </a:r>
-            <a:r>
-              <a:rPr lang="en-US" altLang="en-US" sz="1400" dirty="0" err="1">
-                <a:solidFill>
-                  <a:srgbClr val="FFFFFF"/>
-                </a:solidFill>
-              </a:rPr>
-              <a:t>nibh</a:t>
-            </a:r>
-            <a:r>
-              <a:rPr lang="en-US" altLang="en-US" sz="1400" dirty="0">
-                <a:solidFill>
-                  <a:srgbClr val="FFFFFF"/>
-                </a:solidFill>
-              </a:rPr>
-              <a:t> vitae, </a:t>
-            </a:r>
-            <a:r>
-              <a:rPr lang="en-US" altLang="en-US" sz="1400" dirty="0" err="1">
-                <a:solidFill>
-                  <a:srgbClr val="FFFFFF"/>
-                </a:solidFill>
-              </a:rPr>
-              <a:t>aliquam</a:t>
-            </a:r>
-            <a:r>
-              <a:rPr lang="en-US" altLang="en-US" sz="1400" dirty="0">
-                <a:solidFill>
-                  <a:srgbClr val="FFFFFF"/>
-                </a:solidFill>
-              </a:rPr>
-              <a:t> quam. </a:t>
-            </a:r>
-            <a:r>
-              <a:rPr lang="en-US" altLang="en-US" sz="1400" dirty="0" err="1">
-                <a:solidFill>
-                  <a:srgbClr val="FFFFFF"/>
-                </a:solidFill>
-              </a:rPr>
-              <a:t>Praesent</a:t>
-            </a:r>
-            <a:r>
-              <a:rPr lang="en-US" altLang="en-US" sz="1400" dirty="0">
-                <a:solidFill>
-                  <a:srgbClr val="FFFFFF"/>
-                </a:solidFill>
-              </a:rPr>
-              <a:t> </a:t>
-            </a:r>
-            <a:r>
-              <a:rPr lang="en-US" altLang="en-US" sz="1400" dirty="0" err="1">
-                <a:solidFill>
-                  <a:srgbClr val="FFFFFF"/>
-                </a:solidFill>
-              </a:rPr>
-              <a:t>finibus</a:t>
-            </a:r>
-            <a:r>
-              <a:rPr lang="en-US" altLang="en-US" sz="1400" dirty="0">
-                <a:solidFill>
-                  <a:srgbClr val="FFFFFF"/>
-                </a:solidFill>
-              </a:rPr>
-              <a:t> </a:t>
-            </a:r>
-            <a:r>
-              <a:rPr lang="en-US" altLang="en-US" sz="1400" dirty="0" err="1">
-                <a:solidFill>
-                  <a:srgbClr val="FFFFFF"/>
-                </a:solidFill>
-              </a:rPr>
-              <a:t>nibh</a:t>
-            </a:r>
-            <a:r>
-              <a:rPr lang="en-US" altLang="en-US" sz="1400" dirty="0">
-                <a:solidFill>
-                  <a:srgbClr val="FFFFFF"/>
-                </a:solidFill>
-              </a:rPr>
-              <a:t> </a:t>
-            </a:r>
-            <a:r>
-              <a:rPr lang="en-US" altLang="en-US" sz="1400" dirty="0" err="1">
-                <a:solidFill>
-                  <a:srgbClr val="FFFFFF"/>
-                </a:solidFill>
-              </a:rPr>
-              <a:t>eget</a:t>
-            </a:r>
-            <a:r>
-              <a:rPr lang="en-US" altLang="en-US" sz="1400" dirty="0">
-                <a:solidFill>
-                  <a:srgbClr val="FFFFFF"/>
-                </a:solidFill>
-              </a:rPr>
-              <a:t> </a:t>
-            </a:r>
-            <a:r>
-              <a:rPr lang="en-US" altLang="en-US" sz="1400" dirty="0" err="1">
-                <a:solidFill>
-                  <a:srgbClr val="FFFFFF"/>
-                </a:solidFill>
-              </a:rPr>
-              <a:t>viverra</a:t>
-            </a:r>
-            <a:r>
-              <a:rPr lang="en-US" altLang="en-US" sz="1400" dirty="0">
-                <a:solidFill>
-                  <a:srgbClr val="FFFFFF"/>
-                </a:solidFill>
-              </a:rPr>
-              <a:t> </a:t>
-            </a:r>
-            <a:r>
-              <a:rPr lang="en-US" altLang="en-US" sz="1400" dirty="0" err="1">
-                <a:solidFill>
-                  <a:srgbClr val="FFFFFF"/>
-                </a:solidFill>
-              </a:rPr>
-              <a:t>ultrices</a:t>
-            </a:r>
-            <a:r>
-              <a:rPr lang="en-US" altLang="en-US" sz="1400" dirty="0">
-                <a:solidFill>
-                  <a:srgbClr val="FFFFFF"/>
-                </a:solidFill>
-              </a:rPr>
-              <a:t>. Integer </a:t>
-            </a:r>
-            <a:r>
-              <a:rPr lang="en-US" altLang="en-US" sz="1400" dirty="0" err="1">
-                <a:solidFill>
-                  <a:srgbClr val="FFFFFF"/>
-                </a:solidFill>
-              </a:rPr>
-              <a:t>mattis</a:t>
-            </a:r>
-            <a:r>
-              <a:rPr lang="en-US" altLang="en-US" sz="1400" dirty="0">
-                <a:solidFill>
-                  <a:srgbClr val="FFFFFF"/>
-                </a:solidFill>
-              </a:rPr>
-              <a:t> </a:t>
-            </a:r>
-            <a:r>
-              <a:rPr lang="en-US" altLang="en-US" sz="1400" dirty="0" err="1">
-                <a:solidFill>
-                  <a:srgbClr val="FFFFFF"/>
-                </a:solidFill>
-              </a:rPr>
-              <a:t>finibus</a:t>
-            </a:r>
-            <a:r>
-              <a:rPr lang="en-US" altLang="en-US" sz="1400" dirty="0">
-                <a:solidFill>
-                  <a:srgbClr val="FFFFFF"/>
-                </a:solidFill>
-              </a:rPr>
-              <a:t> </a:t>
-            </a:r>
-            <a:r>
-              <a:rPr lang="en-US" altLang="en-US" sz="1400" dirty="0" err="1">
-                <a:solidFill>
-                  <a:srgbClr val="FFFFFF"/>
-                </a:solidFill>
-              </a:rPr>
-              <a:t>nibh</a:t>
-            </a:r>
-            <a:r>
-              <a:rPr lang="en-US" altLang="en-US" sz="1400" dirty="0">
-                <a:solidFill>
-                  <a:srgbClr val="FFFFFF"/>
-                </a:solidFill>
-              </a:rPr>
-              <a:t>, </a:t>
-            </a:r>
-            <a:r>
-              <a:rPr lang="en-US" altLang="en-US" sz="1400" dirty="0" err="1">
-                <a:solidFill>
-                  <a:srgbClr val="FFFFFF"/>
-                </a:solidFill>
-              </a:rPr>
-              <a:t>quis</a:t>
-            </a:r>
-            <a:r>
-              <a:rPr lang="en-US" altLang="en-US" sz="1400" dirty="0">
-                <a:solidFill>
-                  <a:srgbClr val="FFFFFF"/>
-                </a:solidFill>
-              </a:rPr>
-              <a:t> </a:t>
-            </a:r>
-            <a:r>
-              <a:rPr lang="en-US" altLang="en-US" sz="1400" dirty="0" err="1">
-                <a:solidFill>
-                  <a:srgbClr val="FFFFFF"/>
-                </a:solidFill>
-              </a:rPr>
-              <a:t>condimentum</a:t>
-            </a:r>
-            <a:r>
-              <a:rPr lang="en-US" altLang="en-US" sz="1400" dirty="0">
-                <a:solidFill>
-                  <a:srgbClr val="FFFFFF"/>
-                </a:solidFill>
-              </a:rPr>
-              <a:t> dolor porta </a:t>
-            </a:r>
-            <a:r>
-              <a:rPr lang="en-US" altLang="en-US" sz="1400" dirty="0" err="1">
-                <a:solidFill>
-                  <a:srgbClr val="FFFFFF"/>
-                </a:solidFill>
-              </a:rPr>
-              <a:t>malesuada</a:t>
-            </a:r>
-            <a:r>
-              <a:rPr lang="en-US" altLang="en-US" sz="1400" dirty="0">
-                <a:solidFill>
-                  <a:srgbClr val="FFFFFF"/>
-                </a:solidFill>
-              </a:rPr>
-              <a:t>. </a:t>
-            </a:r>
-            <a:r>
-              <a:rPr lang="en-US" altLang="en-US" sz="1400" dirty="0" err="1">
-                <a:solidFill>
-                  <a:srgbClr val="FFFFFF"/>
-                </a:solidFill>
-              </a:rPr>
-              <a:t>Vivamus</a:t>
-            </a:r>
-            <a:r>
-              <a:rPr lang="en-US" altLang="en-US" sz="1400" dirty="0">
-                <a:solidFill>
-                  <a:srgbClr val="FFFFFF"/>
-                </a:solidFill>
-              </a:rPr>
-              <a:t> </a:t>
-            </a:r>
-            <a:r>
-              <a:rPr lang="en-US" altLang="en-US" sz="1400" dirty="0" err="1">
-                <a:solidFill>
-                  <a:srgbClr val="FFFFFF"/>
-                </a:solidFill>
-              </a:rPr>
-              <a:t>sed</a:t>
-            </a:r>
-            <a:r>
-              <a:rPr lang="en-US" altLang="en-US" sz="1400" dirty="0">
-                <a:solidFill>
-                  <a:srgbClr val="FFFFFF"/>
-                </a:solidFill>
-              </a:rPr>
-              <a:t> lacus pharetra, </a:t>
-            </a:r>
-            <a:r>
-              <a:rPr lang="en-US" altLang="en-US" sz="1400" dirty="0" err="1">
-                <a:solidFill>
-                  <a:srgbClr val="FFFFFF"/>
-                </a:solidFill>
-              </a:rPr>
-              <a:t>auctor</a:t>
-            </a:r>
-            <a:r>
-              <a:rPr lang="en-US" altLang="en-US" sz="1400" dirty="0">
-                <a:solidFill>
-                  <a:srgbClr val="FFFFFF"/>
-                </a:solidFill>
-              </a:rPr>
-              <a:t> </a:t>
-            </a:r>
-            <a:r>
-              <a:rPr lang="en-US" altLang="en-US" sz="1400" dirty="0" err="1">
-                <a:solidFill>
-                  <a:srgbClr val="FFFFFF"/>
-                </a:solidFill>
-              </a:rPr>
-              <a:t>nulla</a:t>
-            </a:r>
-            <a:r>
-              <a:rPr lang="en-US" altLang="en-US" sz="1400" dirty="0">
-                <a:solidFill>
-                  <a:srgbClr val="FFFFFF"/>
-                </a:solidFill>
-              </a:rPr>
-              <a:t>.</a:t>
-            </a:r>
+            <a:endParaRPr lang="en-US" altLang="en-US" sz="1400" dirty="0">
+              <a:solidFill>
+                <a:srgbClr val="FFFFFF"/>
+              </a:solidFill>
+            </a:endParaRPr>
           </a:p>
         </p:txBody>
       </p:sp>

--- a/Sleep_Presentation.pptx
+++ b/Sleep_Presentation.pptx
@@ -7,6 +7,7 @@
   <p:sldIdLst>
     <p:sldId id="256" r:id="rId2"/>
     <p:sldId id="257" r:id="rId3"/>
+    <p:sldId id="258" r:id="rId4"/>
   </p:sldIdLst>
   <p:sldSz cx="12192000" cy="6858000"/>
   <p:notesSz cx="6858000" cy="9144000"/>
@@ -12894,6 +12895,96 @@
 </p:sld>
 </file>
 
+<file path=ppt/slides/slide3.xml><?xml version="1.0" encoding="utf-8"?>
+<p:sld xmlns:a="http://schemas.openxmlformats.org/drawingml/2006/main" xmlns:r="http://schemas.openxmlformats.org/officeDocument/2006/relationships" xmlns:p="http://schemas.openxmlformats.org/presentationml/2006/main">
+  <p:cSld>
+    <p:spTree>
+      <p:nvGrpSpPr>
+        <p:cNvPr id="1" name=""/>
+        <p:cNvGrpSpPr/>
+        <p:nvPr/>
+      </p:nvGrpSpPr>
+      <p:grpSpPr>
+        <a:xfrm>
+          <a:off x="0" y="0"/>
+          <a:ext cx="0" cy="0"/>
+          <a:chOff x="0" y="0"/>
+          <a:chExt cx="0" cy="0"/>
+        </a:xfrm>
+      </p:grpSpPr>
+      <p:pic>
+        <p:nvPicPr>
+          <p:cNvPr id="4" name="Picture 3"/>
+          <p:cNvPicPr>
+            <a:picLocks noChangeAspect="1"/>
+          </p:cNvPicPr>
+          <p:nvPr/>
+        </p:nvPicPr>
+        <p:blipFill>
+          <a:blip r:embed="rId2">
+            <a:extLst>
+              <a:ext uri="{28A0092B-C50C-407E-A947-70E740481C1C}">
+                <a14:useLocalDpi xmlns:a14="http://schemas.microsoft.com/office/drawing/2010/main" val="0"/>
+              </a:ext>
+            </a:extLst>
+          </a:blip>
+          <a:stretch>
+            <a:fillRect/>
+          </a:stretch>
+        </p:blipFill>
+        <p:spPr>
+          <a:xfrm>
+            <a:off x="6612308" y="740776"/>
+            <a:ext cx="5579692" cy="4235188"/>
+          </a:xfrm>
+          <a:prstGeom prst="rect">
+            <a:avLst/>
+          </a:prstGeom>
+        </p:spPr>
+      </p:pic>
+      <p:pic>
+        <p:nvPicPr>
+          <p:cNvPr id="5" name="Picture 4"/>
+          <p:cNvPicPr>
+            <a:picLocks noChangeAspect="1"/>
+          </p:cNvPicPr>
+          <p:nvPr/>
+        </p:nvPicPr>
+        <p:blipFill>
+          <a:blip r:embed="rId3">
+            <a:extLst>
+              <a:ext uri="{28A0092B-C50C-407E-A947-70E740481C1C}">
+                <a14:useLocalDpi xmlns:a14="http://schemas.microsoft.com/office/drawing/2010/main" val="0"/>
+              </a:ext>
+            </a:extLst>
+          </a:blip>
+          <a:stretch>
+            <a:fillRect/>
+          </a:stretch>
+        </p:blipFill>
+        <p:spPr>
+          <a:xfrm>
+            <a:off x="205114" y="740776"/>
+            <a:ext cx="5947070" cy="3618282"/>
+          </a:xfrm>
+          <a:prstGeom prst="rect">
+            <a:avLst/>
+          </a:prstGeom>
+        </p:spPr>
+      </p:pic>
+    </p:spTree>
+    <p:extLst>
+      <p:ext uri="{BB962C8B-B14F-4D97-AF65-F5344CB8AC3E}">
+        <p14:creationId xmlns:p14="http://schemas.microsoft.com/office/powerpoint/2010/main" val="2115227667"/>
+      </p:ext>
+    </p:extLst>
+  </p:cSld>
+  <p:clrMapOvr>
+    <a:masterClrMapping/>
+  </p:clrMapOvr>
+</p:sld>
+</file>
+
 <file path=ppt/theme/theme1.xml><?xml version="1.0" encoding="utf-8"?>
 <a:theme xmlns:a="http://schemas.openxmlformats.org/drawingml/2006/main" name="Office Theme">
   <a:themeElements>

--- a/Sleep_Presentation.pptx
+++ b/Sleep_Presentation.pptx
@@ -2,12 +2,13 @@
 <file path=ppt/presentation.xml><?xml version="1.0" encoding="utf-8"?>
 <p:presentation xmlns:a="http://schemas.openxmlformats.org/drawingml/2006/main" xmlns:r="http://schemas.openxmlformats.org/officeDocument/2006/relationships" xmlns:p="http://schemas.openxmlformats.org/presentationml/2006/main" saveSubsetFonts="1" autoCompressPictures="0">
   <p:sldMasterIdLst>
-    <p:sldMasterId id="2147483648" r:id="rId1"/>
+    <p:sldMasterId id="2147483828" r:id="rId1"/>
   </p:sldMasterIdLst>
   <p:sldIdLst>
-    <p:sldId id="256" r:id="rId2"/>
-    <p:sldId id="257" r:id="rId3"/>
-    <p:sldId id="258" r:id="rId4"/>
+    <p:sldId id="260" r:id="rId2"/>
+    <p:sldId id="259" r:id="rId3"/>
+    <p:sldId id="261" r:id="rId4"/>
+    <p:sldId id="257" r:id="rId5"/>
   </p:sldIdLst>
   <p:sldSz cx="12192000" cy="6858000"/>
   <p:notesSz cx="6858000" cy="9144000"/>
@@ -143,15 +144,49 @@
         </p:nvSpPr>
         <p:spPr>
           <a:xfrm>
-            <a:off x="1524000" y="1122363"/>
-            <a:ext cx="9144000" cy="2387600"/>
+            <a:off x="2209800" y="4464028"/>
+            <a:ext cx="9144000" cy="1641490"/>
           </a:xfrm>
         </p:spPr>
         <p:txBody>
-          <a:bodyPr anchor="b"/>
+          <a:bodyPr wrap="none" anchor="t">
+            <a:normAutofit/>
+          </a:bodyPr>
           <a:lstStyle>
-            <a:lvl1pPr algn="ctr">
-              <a:defRPr sz="6000"/>
+            <a:lvl1pPr algn="r">
+              <a:defRPr sz="9600" b="0" spc="-300">
+                <a:gradFill flip="none" rotWithShape="1">
+                  <a:gsLst>
+                    <a:gs pos="32000">
+                      <a:schemeClr val="tx1">
+                        <a:lumMod val="89000"/>
+                      </a:schemeClr>
+                    </a:gs>
+                    <a:gs pos="0">
+                      <a:schemeClr val="bg1">
+                        <a:lumMod val="41000"/>
+                        <a:lumOff val="59000"/>
+                      </a:schemeClr>
+                    </a:gs>
+                    <a:gs pos="100000">
+                      <a:schemeClr val="tx2">
+                        <a:lumMod val="0"/>
+                        <a:lumOff val="100000"/>
+                      </a:schemeClr>
+                    </a:gs>
+                  </a:gsLst>
+                  <a:lin ang="8100000" scaled="1"/>
+                  <a:tileRect/>
+                </a:gradFill>
+                <a:effectLst>
+                  <a:outerShdw blurRad="469900" dist="342900" dir="5400000" sy="-20000" rotWithShape="0">
+                    <a:prstClr val="black">
+                      <a:alpha val="66000"/>
+                    </a:prstClr>
+                  </a:outerShdw>
+                </a:effectLst>
+                <a:latin typeface="+mj-lt"/>
+              </a:defRPr>
             </a:lvl1pPr>
           </a:lstStyle>
           <a:p>
@@ -159,7 +194,7 @@
               <a:rPr lang="en-US" smtClean="0"/>
               <a:t>Click to edit Master title style</a:t>
             </a:r>
-            <a:endParaRPr lang="en-US"/>
+            <a:endParaRPr lang="en-US" dirty="0"/>
           </a:p>
         </p:txBody>
       </p:sp>
@@ -175,16 +210,47 @@
         </p:nvSpPr>
         <p:spPr>
           <a:xfrm>
-            <a:off x="1524000" y="3602038"/>
-            <a:ext cx="9144000" cy="1655762"/>
+            <a:off x="2209799" y="3694375"/>
+            <a:ext cx="9144000" cy="754025"/>
           </a:xfrm>
         </p:spPr>
         <p:txBody>
-          <a:bodyPr/>
+          <a:bodyPr anchor="b">
+            <a:normAutofit/>
+          </a:bodyPr>
           <a:lstStyle>
-            <a:lvl1pPr marL="0" indent="0" algn="ctr">
-              <a:buNone/>
-              <a:defRPr sz="2400"/>
+            <a:lvl1pPr marL="0" indent="0" algn="r">
+              <a:buNone/>
+              <a:defRPr sz="3200" b="0">
+                <a:gradFill flip="none" rotWithShape="1">
+                  <a:gsLst>
+                    <a:gs pos="15000">
+                      <a:schemeClr val="tx2"/>
+                    </a:gs>
+                    <a:gs pos="73000">
+                      <a:schemeClr val="tx2">
+                        <a:lumMod val="60000"/>
+                        <a:lumOff val="40000"/>
+                      </a:schemeClr>
+                    </a:gs>
+                    <a:gs pos="0">
+                      <a:schemeClr val="tx2">
+                        <a:lumMod val="90000"/>
+                        <a:lumOff val="10000"/>
+                      </a:schemeClr>
+                    </a:gs>
+                    <a:gs pos="100000">
+                      <a:schemeClr val="tx2">
+                        <a:lumMod val="0"/>
+                        <a:lumOff val="100000"/>
+                      </a:schemeClr>
+                    </a:gs>
+                  </a:gsLst>
+                  <a:lin ang="16200000" scaled="1"/>
+                  <a:tileRect/>
+                </a:gradFill>
+                <a:latin typeface="+mj-lt"/>
+              </a:defRPr>
             </a:lvl1pPr>
             <a:lvl2pPr marL="457200" indent="0" algn="ctr">
               <a:buNone/>
@@ -224,13 +290,13 @@
               <a:rPr lang="en-US" smtClean="0"/>
               <a:t>Click to edit Master subtitle style</a:t>
             </a:r>
-            <a:endParaRPr lang="en-US"/>
+            <a:endParaRPr lang="en-US" dirty="0"/>
           </a:p>
         </p:txBody>
       </p:sp>
       <p:sp>
         <p:nvSpPr>
-          <p:cNvPr id="4" name="Date Placeholder 3"/>
+          <p:cNvPr id="7" name="Date Placeholder 6"/>
           <p:cNvSpPr>
             <a:spLocks noGrp="1"/>
           </p:cNvSpPr>
@@ -253,7 +319,7 @@
       </p:sp>
       <p:sp>
         <p:nvSpPr>
-          <p:cNvPr id="5" name="Footer Placeholder 4"/>
+          <p:cNvPr id="8" name="Footer Placeholder 7"/>
           <p:cNvSpPr>
             <a:spLocks noGrp="1"/>
           </p:cNvSpPr>
@@ -272,7 +338,7 @@
       </p:sp>
       <p:sp>
         <p:nvSpPr>
-          <p:cNvPr id="6" name="Slide Number Placeholder 5"/>
+          <p:cNvPr id="9" name="Slide Number Placeholder 8"/>
           <p:cNvSpPr>
             <a:spLocks noGrp="1"/>
           </p:cNvSpPr>
@@ -296,7 +362,293 @@
     </p:spTree>
     <p:extLst>
       <p:ext uri="{BB962C8B-B14F-4D97-AF65-F5344CB8AC3E}">
-        <p14:creationId xmlns:p14="http://schemas.microsoft.com/office/powerpoint/2010/main" val="810110770"/>
+        <p14:creationId xmlns:p14="http://schemas.microsoft.com/office/powerpoint/2010/main" val="234262547"/>
+      </p:ext>
+    </p:extLst>
+  </p:cSld>
+  <p:clrMapOvr>
+    <a:masterClrMapping/>
+  </p:clrMapOvr>
+  <p:extLst>
+    <p:ext uri="{DCECCB84-F9BA-43D5-87BE-67443E8EF086}">
+      <p15:sldGuideLst xmlns:p15="http://schemas.microsoft.com/office/powerpoint/2012/main"/>
+    </p:ext>
+  </p:extLst>
+</p:sldLayout>
+</file>
+
+<file path=ppt/slideLayouts/slideLayout10.xml><?xml version="1.0" encoding="utf-8"?>
+<p:sldLayout xmlns:a="http://schemas.openxmlformats.org/drawingml/2006/main" xmlns:r="http://schemas.openxmlformats.org/officeDocument/2006/relationships" xmlns:p="http://schemas.openxmlformats.org/presentationml/2006/main" preserve="1">
+  <p:cSld name="Panoramic Picture with Caption">
+    <p:spTree>
+      <p:nvGrpSpPr>
+        <p:cNvPr id="1" name=""/>
+        <p:cNvGrpSpPr/>
+        <p:nvPr/>
+      </p:nvGrpSpPr>
+      <p:grpSpPr>
+        <a:xfrm>
+          <a:off x="0" y="0"/>
+          <a:ext cx="0" cy="0"/>
+          <a:chOff x="0" y="0"/>
+          <a:chExt cx="0" cy="0"/>
+        </a:xfrm>
+      </p:grpSpPr>
+      <p:sp>
+        <p:nvSpPr>
+          <p:cNvPr id="2" name="Title 1"/>
+          <p:cNvSpPr>
+            <a:spLocks noGrp="1"/>
+          </p:cNvSpPr>
+          <p:nvPr>
+            <p:ph type="title"/>
+          </p:nvPr>
+        </p:nvSpPr>
+        <p:spPr>
+          <a:xfrm>
+            <a:off x="839788" y="4367160"/>
+            <a:ext cx="10515600" cy="819355"/>
+          </a:xfrm>
+        </p:spPr>
+        <p:txBody>
+          <a:bodyPr anchor="b"/>
+          <a:lstStyle>
+            <a:lvl1pPr>
+              <a:defRPr sz="3200"/>
+            </a:lvl1pPr>
+          </a:lstStyle>
+          <a:p>
+            <a:r>
+              <a:rPr lang="en-US" smtClean="0"/>
+              <a:t>Click to edit Master title style</a:t>
+            </a:r>
+            <a:endParaRPr lang="en-US" dirty="0"/>
+          </a:p>
+        </p:txBody>
+      </p:sp>
+      <p:sp>
+        <p:nvSpPr>
+          <p:cNvPr id="3" name="Picture Placeholder 2"/>
+          <p:cNvSpPr>
+            <a:spLocks noGrp="1" noChangeAspect="1"/>
+          </p:cNvSpPr>
+          <p:nvPr>
+            <p:ph type="pic" idx="1"/>
+          </p:nvPr>
+        </p:nvSpPr>
+        <p:spPr>
+          <a:xfrm>
+            <a:off x="839788" y="987425"/>
+            <a:ext cx="10515600" cy="3379735"/>
+          </a:xfrm>
+        </p:spPr>
+        <p:txBody>
+          <a:bodyPr anchor="t"/>
+          <a:lstStyle>
+            <a:lvl1pPr marL="0" indent="0">
+              <a:buNone/>
+              <a:defRPr sz="3200"/>
+            </a:lvl1pPr>
+            <a:lvl2pPr marL="457200" indent="0">
+              <a:buNone/>
+              <a:defRPr sz="2800"/>
+            </a:lvl2pPr>
+            <a:lvl3pPr marL="914400" indent="0">
+              <a:buNone/>
+              <a:defRPr sz="2400"/>
+            </a:lvl3pPr>
+            <a:lvl4pPr marL="1371600" indent="0">
+              <a:buNone/>
+              <a:defRPr sz="2000"/>
+            </a:lvl4pPr>
+            <a:lvl5pPr marL="1828800" indent="0">
+              <a:buNone/>
+              <a:defRPr sz="2000"/>
+            </a:lvl5pPr>
+            <a:lvl6pPr marL="2286000" indent="0">
+              <a:buNone/>
+              <a:defRPr sz="2000"/>
+            </a:lvl6pPr>
+            <a:lvl7pPr marL="2743200" indent="0">
+              <a:buNone/>
+              <a:defRPr sz="2000"/>
+            </a:lvl7pPr>
+            <a:lvl8pPr marL="3200400" indent="0">
+              <a:buNone/>
+              <a:defRPr sz="2000"/>
+            </a:lvl8pPr>
+            <a:lvl9pPr marL="3657600" indent="0">
+              <a:buNone/>
+              <a:defRPr sz="2000"/>
+            </a:lvl9pPr>
+          </a:lstStyle>
+          <a:p>
+            <a:r>
+              <a:rPr lang="en-US" smtClean="0"/>
+              <a:t>Drag picture to placeholder or click icon to add</a:t>
+            </a:r>
+            <a:endParaRPr lang="en-US" dirty="0"/>
+          </a:p>
+        </p:txBody>
+      </p:sp>
+      <p:sp>
+        <p:nvSpPr>
+          <p:cNvPr id="4" name="Text Placeholder 3"/>
+          <p:cNvSpPr>
+            <a:spLocks noGrp="1"/>
+          </p:cNvSpPr>
+          <p:nvPr>
+            <p:ph type="body" sz="half" idx="2"/>
+          </p:nvPr>
+        </p:nvSpPr>
+        <p:spPr>
+          <a:xfrm>
+            <a:off x="839788" y="5186516"/>
+            <a:ext cx="10514012" cy="682472"/>
+          </a:xfrm>
+        </p:spPr>
+        <p:txBody>
+          <a:bodyPr/>
+          <a:lstStyle>
+            <a:lvl1pPr marL="0" indent="0">
+              <a:buNone/>
+              <a:defRPr sz="1600">
+                <a:gradFill>
+                  <a:gsLst>
+                    <a:gs pos="15000">
+                      <a:schemeClr val="tx2"/>
+                    </a:gs>
+                    <a:gs pos="73000">
+                      <a:schemeClr val="tx2">
+                        <a:lumMod val="60000"/>
+                        <a:lumOff val="40000"/>
+                      </a:schemeClr>
+                    </a:gs>
+                    <a:gs pos="0">
+                      <a:schemeClr val="tx1"/>
+                    </a:gs>
+                    <a:gs pos="100000">
+                      <a:schemeClr val="tx2">
+                        <a:lumMod val="0"/>
+                        <a:lumOff val="100000"/>
+                      </a:schemeClr>
+                    </a:gs>
+                  </a:gsLst>
+                  <a:lin ang="16200000" scaled="1"/>
+                </a:gradFill>
+              </a:defRPr>
+            </a:lvl1pPr>
+            <a:lvl2pPr marL="457200" indent="0">
+              <a:buNone/>
+              <a:defRPr sz="1400"/>
+            </a:lvl2pPr>
+            <a:lvl3pPr marL="914400" indent="0">
+              <a:buNone/>
+              <a:defRPr sz="1200"/>
+            </a:lvl3pPr>
+            <a:lvl4pPr marL="1371600" indent="0">
+              <a:buNone/>
+              <a:defRPr sz="1000"/>
+            </a:lvl4pPr>
+            <a:lvl5pPr marL="1828800" indent="0">
+              <a:buNone/>
+              <a:defRPr sz="1000"/>
+            </a:lvl5pPr>
+            <a:lvl6pPr marL="2286000" indent="0">
+              <a:buNone/>
+              <a:defRPr sz="1000"/>
+            </a:lvl6pPr>
+            <a:lvl7pPr marL="2743200" indent="0">
+              <a:buNone/>
+              <a:defRPr sz="1000"/>
+            </a:lvl7pPr>
+            <a:lvl8pPr marL="3200400" indent="0">
+              <a:buNone/>
+              <a:defRPr sz="1000"/>
+            </a:lvl8pPr>
+            <a:lvl9pPr marL="3657600" indent="0">
+              <a:buNone/>
+              <a:defRPr sz="1000"/>
+            </a:lvl9pPr>
+          </a:lstStyle>
+          <a:p>
+            <a:pPr lvl="0"/>
+            <a:r>
+              <a:rPr lang="en-US" smtClean="0"/>
+              <a:t>Click to edit Master text styles</a:t>
+            </a:r>
+          </a:p>
+        </p:txBody>
+      </p:sp>
+      <p:sp>
+        <p:nvSpPr>
+          <p:cNvPr id="5" name="Date Placeholder 4"/>
+          <p:cNvSpPr>
+            <a:spLocks noGrp="1"/>
+          </p:cNvSpPr>
+          <p:nvPr>
+            <p:ph type="dt" sz="half" idx="10"/>
+          </p:nvPr>
+        </p:nvSpPr>
+        <p:spPr/>
+        <p:txBody>
+          <a:bodyPr/>
+          <a:lstStyle/>
+          <a:p>
+            <a:fld id="{54254A6F-4062-6A4B-99CC-A2FA0C9CEF1A}" type="datetimeFigureOut">
+              <a:rPr lang="en-US" smtClean="0"/>
+              <a:t>2/7/16</a:t>
+            </a:fld>
+            <a:endParaRPr lang="en-US"/>
+          </a:p>
+        </p:txBody>
+      </p:sp>
+      <p:sp>
+        <p:nvSpPr>
+          <p:cNvPr id="6" name="Footer Placeholder 5"/>
+          <p:cNvSpPr>
+            <a:spLocks noGrp="1"/>
+          </p:cNvSpPr>
+          <p:nvPr>
+            <p:ph type="ftr" sz="quarter" idx="11"/>
+          </p:nvPr>
+        </p:nvSpPr>
+        <p:spPr/>
+        <p:txBody>
+          <a:bodyPr/>
+          <a:lstStyle/>
+          <a:p>
+            <a:endParaRPr lang="en-US"/>
+          </a:p>
+        </p:txBody>
+      </p:sp>
+      <p:sp>
+        <p:nvSpPr>
+          <p:cNvPr id="7" name="Slide Number Placeholder 6"/>
+          <p:cNvSpPr>
+            <a:spLocks noGrp="1"/>
+          </p:cNvSpPr>
+          <p:nvPr>
+            <p:ph type="sldNum" sz="quarter" idx="12"/>
+          </p:nvPr>
+        </p:nvSpPr>
+        <p:spPr/>
+        <p:txBody>
+          <a:bodyPr/>
+          <a:lstStyle/>
+          <a:p>
+            <a:fld id="{29F7F4A7-6325-744B-9000-EE548DA479BC}" type="slidenum">
+              <a:rPr lang="en-US" smtClean="0"/>
+              <a:t>‹#›</a:t>
+            </a:fld>
+            <a:endParaRPr lang="en-US"/>
+          </a:p>
+        </p:txBody>
+      </p:sp>
+    </p:spTree>
+    <p:extLst>
+      <p:ext uri="{BB962C8B-B14F-4D97-AF65-F5344CB8AC3E}">
+        <p14:creationId xmlns:p14="http://schemas.microsoft.com/office/powerpoint/2010/main" val="1339388427"/>
       </p:ext>
     </p:extLst>
   </p:cSld>
@@ -306,7 +658,2263 @@
 </p:sldLayout>
 </file>
 
-<file path=ppt/slideLayouts/slideLayout10.xml><?xml version="1.0" encoding="utf-8"?>
+<file path=ppt/slideLayouts/slideLayout11.xml><?xml version="1.0" encoding="utf-8"?>
+<p:sldLayout xmlns:a="http://schemas.openxmlformats.org/drawingml/2006/main" xmlns:r="http://schemas.openxmlformats.org/officeDocument/2006/relationships" xmlns:p="http://schemas.openxmlformats.org/presentationml/2006/main" preserve="1">
+  <p:cSld name="Title and Caption">
+    <p:spTree>
+      <p:nvGrpSpPr>
+        <p:cNvPr id="1" name=""/>
+        <p:cNvGrpSpPr/>
+        <p:nvPr/>
+      </p:nvGrpSpPr>
+      <p:grpSpPr>
+        <a:xfrm>
+          <a:off x="0" y="0"/>
+          <a:ext cx="0" cy="0"/>
+          <a:chOff x="0" y="0"/>
+          <a:chExt cx="0" cy="0"/>
+        </a:xfrm>
+      </p:grpSpPr>
+      <p:sp>
+        <p:nvSpPr>
+          <p:cNvPr id="2" name="Title 1"/>
+          <p:cNvSpPr>
+            <a:spLocks noGrp="1"/>
+          </p:cNvSpPr>
+          <p:nvPr>
+            <p:ph type="title"/>
+          </p:nvPr>
+        </p:nvSpPr>
+        <p:spPr>
+          <a:xfrm>
+            <a:off x="839788" y="365125"/>
+            <a:ext cx="10515600" cy="3534344"/>
+          </a:xfrm>
+        </p:spPr>
+        <p:txBody>
+          <a:bodyPr anchor="ctr"/>
+          <a:lstStyle>
+            <a:lvl1pPr>
+              <a:defRPr sz="3200"/>
+            </a:lvl1pPr>
+          </a:lstStyle>
+          <a:p>
+            <a:r>
+              <a:rPr lang="en-US" smtClean="0"/>
+              <a:t>Click to edit Master title style</a:t>
+            </a:r>
+            <a:endParaRPr lang="en-US" dirty="0"/>
+          </a:p>
+        </p:txBody>
+      </p:sp>
+      <p:sp>
+        <p:nvSpPr>
+          <p:cNvPr id="4" name="Text Placeholder 3"/>
+          <p:cNvSpPr>
+            <a:spLocks noGrp="1"/>
+          </p:cNvSpPr>
+          <p:nvPr>
+            <p:ph type="body" sz="half" idx="2"/>
+          </p:nvPr>
+        </p:nvSpPr>
+        <p:spPr>
+          <a:xfrm>
+            <a:off x="839788" y="4489399"/>
+            <a:ext cx="10514012" cy="1501826"/>
+          </a:xfrm>
+        </p:spPr>
+        <p:txBody>
+          <a:bodyPr anchor="ctr"/>
+          <a:lstStyle>
+            <a:lvl1pPr marL="0" indent="0">
+              <a:buNone/>
+              <a:defRPr sz="1600"/>
+            </a:lvl1pPr>
+            <a:lvl2pPr marL="457200" indent="0">
+              <a:buNone/>
+              <a:defRPr sz="1400"/>
+            </a:lvl2pPr>
+            <a:lvl3pPr marL="914400" indent="0">
+              <a:buNone/>
+              <a:defRPr sz="1200"/>
+            </a:lvl3pPr>
+            <a:lvl4pPr marL="1371600" indent="0">
+              <a:buNone/>
+              <a:defRPr sz="1000"/>
+            </a:lvl4pPr>
+            <a:lvl5pPr marL="1828800" indent="0">
+              <a:buNone/>
+              <a:defRPr sz="1000"/>
+            </a:lvl5pPr>
+            <a:lvl6pPr marL="2286000" indent="0">
+              <a:buNone/>
+              <a:defRPr sz="1000"/>
+            </a:lvl6pPr>
+            <a:lvl7pPr marL="2743200" indent="0">
+              <a:buNone/>
+              <a:defRPr sz="1000"/>
+            </a:lvl7pPr>
+            <a:lvl8pPr marL="3200400" indent="0">
+              <a:buNone/>
+              <a:defRPr sz="1000"/>
+            </a:lvl8pPr>
+            <a:lvl9pPr marL="3657600" indent="0">
+              <a:buNone/>
+              <a:defRPr sz="1000"/>
+            </a:lvl9pPr>
+          </a:lstStyle>
+          <a:p>
+            <a:pPr lvl="0"/>
+            <a:r>
+              <a:rPr lang="en-US" smtClean="0"/>
+              <a:t>Click to edit Master text styles</a:t>
+            </a:r>
+          </a:p>
+        </p:txBody>
+      </p:sp>
+      <p:sp>
+        <p:nvSpPr>
+          <p:cNvPr id="5" name="Date Placeholder 4"/>
+          <p:cNvSpPr>
+            <a:spLocks noGrp="1"/>
+          </p:cNvSpPr>
+          <p:nvPr>
+            <p:ph type="dt" sz="half" idx="10"/>
+          </p:nvPr>
+        </p:nvSpPr>
+        <p:spPr/>
+        <p:txBody>
+          <a:bodyPr/>
+          <a:lstStyle/>
+          <a:p>
+            <a:fld id="{54254A6F-4062-6A4B-99CC-A2FA0C9CEF1A}" type="datetimeFigureOut">
+              <a:rPr lang="en-US" smtClean="0"/>
+              <a:t>2/7/16</a:t>
+            </a:fld>
+            <a:endParaRPr lang="en-US"/>
+          </a:p>
+        </p:txBody>
+      </p:sp>
+      <p:sp>
+        <p:nvSpPr>
+          <p:cNvPr id="6" name="Footer Placeholder 5"/>
+          <p:cNvSpPr>
+            <a:spLocks noGrp="1"/>
+          </p:cNvSpPr>
+          <p:nvPr>
+            <p:ph type="ftr" sz="quarter" idx="11"/>
+          </p:nvPr>
+        </p:nvSpPr>
+        <p:spPr/>
+        <p:txBody>
+          <a:bodyPr/>
+          <a:lstStyle/>
+          <a:p>
+            <a:endParaRPr lang="en-US"/>
+          </a:p>
+        </p:txBody>
+      </p:sp>
+      <p:sp>
+        <p:nvSpPr>
+          <p:cNvPr id="7" name="Slide Number Placeholder 6"/>
+          <p:cNvSpPr>
+            <a:spLocks noGrp="1"/>
+          </p:cNvSpPr>
+          <p:nvPr>
+            <p:ph type="sldNum" sz="quarter" idx="12"/>
+          </p:nvPr>
+        </p:nvSpPr>
+        <p:spPr/>
+        <p:txBody>
+          <a:bodyPr/>
+          <a:lstStyle/>
+          <a:p>
+            <a:fld id="{29F7F4A7-6325-744B-9000-EE548DA479BC}" type="slidenum">
+              <a:rPr lang="en-US" smtClean="0"/>
+              <a:t>‹#›</a:t>
+            </a:fld>
+            <a:endParaRPr lang="en-US"/>
+          </a:p>
+        </p:txBody>
+      </p:sp>
+    </p:spTree>
+    <p:extLst>
+      <p:ext uri="{BB962C8B-B14F-4D97-AF65-F5344CB8AC3E}">
+        <p14:creationId xmlns:p14="http://schemas.microsoft.com/office/powerpoint/2010/main" val="1295815494"/>
+      </p:ext>
+    </p:extLst>
+  </p:cSld>
+  <p:clrMapOvr>
+    <a:masterClrMapping/>
+  </p:clrMapOvr>
+</p:sldLayout>
+</file>
+
+<file path=ppt/slideLayouts/slideLayout12.xml><?xml version="1.0" encoding="utf-8"?>
+<p:sldLayout xmlns:a="http://schemas.openxmlformats.org/drawingml/2006/main" xmlns:r="http://schemas.openxmlformats.org/officeDocument/2006/relationships" xmlns:p="http://schemas.openxmlformats.org/presentationml/2006/main" preserve="1">
+  <p:cSld name="Quote with Caption">
+    <p:spTree>
+      <p:nvGrpSpPr>
+        <p:cNvPr id="1" name=""/>
+        <p:cNvGrpSpPr/>
+        <p:nvPr/>
+      </p:nvGrpSpPr>
+      <p:grpSpPr>
+        <a:xfrm>
+          <a:off x="0" y="0"/>
+          <a:ext cx="0" cy="0"/>
+          <a:chOff x="0" y="0"/>
+          <a:chExt cx="0" cy="0"/>
+        </a:xfrm>
+      </p:grpSpPr>
+      <p:sp>
+        <p:nvSpPr>
+          <p:cNvPr id="2" name="Title 1"/>
+          <p:cNvSpPr>
+            <a:spLocks noGrp="1"/>
+          </p:cNvSpPr>
+          <p:nvPr>
+            <p:ph type="title"/>
+          </p:nvPr>
+        </p:nvSpPr>
+        <p:spPr>
+          <a:xfrm>
+            <a:off x="1446212" y="365125"/>
+            <a:ext cx="9302752" cy="2992904"/>
+          </a:xfrm>
+        </p:spPr>
+        <p:txBody>
+          <a:bodyPr anchor="ctr"/>
+          <a:lstStyle>
+            <a:lvl1pPr>
+              <a:defRPr sz="4400"/>
+            </a:lvl1pPr>
+          </a:lstStyle>
+          <a:p>
+            <a:r>
+              <a:rPr lang="en-US" smtClean="0"/>
+              <a:t>Click to edit Master title style</a:t>
+            </a:r>
+            <a:endParaRPr lang="en-US" dirty="0"/>
+          </a:p>
+        </p:txBody>
+      </p:sp>
+      <p:sp>
+        <p:nvSpPr>
+          <p:cNvPr id="12" name="Text Placeholder 3"/>
+          <p:cNvSpPr>
+            <a:spLocks noGrp="1"/>
+          </p:cNvSpPr>
+          <p:nvPr>
+            <p:ph type="body" sz="half" idx="13"/>
+          </p:nvPr>
+        </p:nvSpPr>
+        <p:spPr>
+          <a:xfrm>
+            <a:off x="1720644" y="3365557"/>
+            <a:ext cx="8752299" cy="548968"/>
+          </a:xfrm>
+        </p:spPr>
+        <p:txBody>
+          <a:bodyPr anchor="t">
+            <a:normAutofit/>
+          </a:bodyPr>
+          <a:lstStyle>
+            <a:lvl1pPr marL="0" indent="0">
+              <a:buNone/>
+              <a:defRPr sz="1400"/>
+            </a:lvl1pPr>
+            <a:lvl2pPr marL="457200" indent="0">
+              <a:buNone/>
+              <a:defRPr sz="1400"/>
+            </a:lvl2pPr>
+            <a:lvl3pPr marL="914400" indent="0">
+              <a:buNone/>
+              <a:defRPr sz="1200"/>
+            </a:lvl3pPr>
+            <a:lvl4pPr marL="1371600" indent="0">
+              <a:buNone/>
+              <a:defRPr sz="1000"/>
+            </a:lvl4pPr>
+            <a:lvl5pPr marL="1828800" indent="0">
+              <a:buNone/>
+              <a:defRPr sz="1000"/>
+            </a:lvl5pPr>
+            <a:lvl6pPr marL="2286000" indent="0">
+              <a:buNone/>
+              <a:defRPr sz="1000"/>
+            </a:lvl6pPr>
+            <a:lvl7pPr marL="2743200" indent="0">
+              <a:buNone/>
+              <a:defRPr sz="1000"/>
+            </a:lvl7pPr>
+            <a:lvl8pPr marL="3200400" indent="0">
+              <a:buNone/>
+              <a:defRPr sz="1000"/>
+            </a:lvl8pPr>
+            <a:lvl9pPr marL="3657600" indent="0">
+              <a:buNone/>
+              <a:defRPr sz="1000"/>
+            </a:lvl9pPr>
+          </a:lstStyle>
+          <a:p>
+            <a:pPr lvl="0"/>
+            <a:r>
+              <a:rPr lang="en-US" smtClean="0"/>
+              <a:t>Click to edit Master text styles</a:t>
+            </a:r>
+          </a:p>
+        </p:txBody>
+      </p:sp>
+      <p:sp>
+        <p:nvSpPr>
+          <p:cNvPr id="4" name="Text Placeholder 3"/>
+          <p:cNvSpPr>
+            <a:spLocks noGrp="1"/>
+          </p:cNvSpPr>
+          <p:nvPr>
+            <p:ph type="body" sz="half" idx="2"/>
+          </p:nvPr>
+        </p:nvSpPr>
+        <p:spPr>
+          <a:xfrm>
+            <a:off x="838200" y="4501729"/>
+            <a:ext cx="10512424" cy="1489496"/>
+          </a:xfrm>
+        </p:spPr>
+        <p:txBody>
+          <a:bodyPr anchor="ctr">
+            <a:normAutofit/>
+          </a:bodyPr>
+          <a:lstStyle>
+            <a:lvl1pPr marL="0" indent="0">
+              <a:buNone/>
+              <a:defRPr sz="1600"/>
+            </a:lvl1pPr>
+            <a:lvl2pPr marL="457200" indent="0">
+              <a:buNone/>
+              <a:defRPr sz="1400"/>
+            </a:lvl2pPr>
+            <a:lvl3pPr marL="914400" indent="0">
+              <a:buNone/>
+              <a:defRPr sz="1200"/>
+            </a:lvl3pPr>
+            <a:lvl4pPr marL="1371600" indent="0">
+              <a:buNone/>
+              <a:defRPr sz="1000"/>
+            </a:lvl4pPr>
+            <a:lvl5pPr marL="1828800" indent="0">
+              <a:buNone/>
+              <a:defRPr sz="1000"/>
+            </a:lvl5pPr>
+            <a:lvl6pPr marL="2286000" indent="0">
+              <a:buNone/>
+              <a:defRPr sz="1000"/>
+            </a:lvl6pPr>
+            <a:lvl7pPr marL="2743200" indent="0">
+              <a:buNone/>
+              <a:defRPr sz="1000"/>
+            </a:lvl7pPr>
+            <a:lvl8pPr marL="3200400" indent="0">
+              <a:buNone/>
+              <a:defRPr sz="1000"/>
+            </a:lvl8pPr>
+            <a:lvl9pPr marL="3657600" indent="0">
+              <a:buNone/>
+              <a:defRPr sz="1000"/>
+            </a:lvl9pPr>
+          </a:lstStyle>
+          <a:p>
+            <a:pPr lvl="0"/>
+            <a:r>
+              <a:rPr lang="en-US" smtClean="0"/>
+              <a:t>Click to edit Master text styles</a:t>
+            </a:r>
+          </a:p>
+        </p:txBody>
+      </p:sp>
+      <p:sp>
+        <p:nvSpPr>
+          <p:cNvPr id="5" name="Date Placeholder 4"/>
+          <p:cNvSpPr>
+            <a:spLocks noGrp="1"/>
+          </p:cNvSpPr>
+          <p:nvPr>
+            <p:ph type="dt" sz="half" idx="10"/>
+          </p:nvPr>
+        </p:nvSpPr>
+        <p:spPr/>
+        <p:txBody>
+          <a:bodyPr/>
+          <a:lstStyle/>
+          <a:p>
+            <a:fld id="{54254A6F-4062-6A4B-99CC-A2FA0C9CEF1A}" type="datetimeFigureOut">
+              <a:rPr lang="en-US" smtClean="0"/>
+              <a:t>2/7/16</a:t>
+            </a:fld>
+            <a:endParaRPr lang="en-US"/>
+          </a:p>
+        </p:txBody>
+      </p:sp>
+      <p:sp>
+        <p:nvSpPr>
+          <p:cNvPr id="6" name="Footer Placeholder 5"/>
+          <p:cNvSpPr>
+            <a:spLocks noGrp="1"/>
+          </p:cNvSpPr>
+          <p:nvPr>
+            <p:ph type="ftr" sz="quarter" idx="11"/>
+          </p:nvPr>
+        </p:nvSpPr>
+        <p:spPr/>
+        <p:txBody>
+          <a:bodyPr/>
+          <a:lstStyle/>
+          <a:p>
+            <a:endParaRPr lang="en-US"/>
+          </a:p>
+        </p:txBody>
+      </p:sp>
+      <p:sp>
+        <p:nvSpPr>
+          <p:cNvPr id="7" name="Slide Number Placeholder 6"/>
+          <p:cNvSpPr>
+            <a:spLocks noGrp="1"/>
+          </p:cNvSpPr>
+          <p:nvPr>
+            <p:ph type="sldNum" sz="quarter" idx="12"/>
+          </p:nvPr>
+        </p:nvSpPr>
+        <p:spPr/>
+        <p:txBody>
+          <a:bodyPr/>
+          <a:lstStyle/>
+          <a:p>
+            <a:fld id="{29F7F4A7-6325-744B-9000-EE548DA479BC}" type="slidenum">
+              <a:rPr lang="en-US" smtClean="0"/>
+              <a:t>‹#›</a:t>
+            </a:fld>
+            <a:endParaRPr lang="en-US"/>
+          </a:p>
+        </p:txBody>
+      </p:sp>
+      <p:sp>
+        <p:nvSpPr>
+          <p:cNvPr id="9" name="TextBox 8"/>
+          <p:cNvSpPr txBox="1"/>
+          <p:nvPr/>
+        </p:nvSpPr>
+        <p:spPr>
+          <a:xfrm>
+            <a:off x="1111044" y="786824"/>
+            <a:ext cx="609600" cy="584776"/>
+          </a:xfrm>
+          <a:prstGeom prst="rect">
+            <a:avLst/>
+          </a:prstGeom>
+        </p:spPr>
+        <p:txBody>
+          <a:bodyPr vert="horz" lIns="91440" tIns="45720" rIns="91440" bIns="45720" rtlCol="0" anchor="ctr">
+            <a:noAutofit/>
+          </a:bodyPr>
+          <a:lstStyle>
+            <a:lvl1pPr>
+              <a:spcBef>
+                <a:spcPct val="0"/>
+              </a:spcBef>
+              <a:buNone/>
+              <a:defRPr sz="3200" b="0" cap="all">
+                <a:ln w="3175" cmpd="sng">
+                  <a:noFill/>
+                </a:ln>
+                <a:effectLst>
+                  <a:glow rad="38100">
+                    <a:schemeClr val="bg1">
+                      <a:lumMod val="65000"/>
+                      <a:lumOff val="35000"/>
+                      <a:alpha val="40000"/>
+                    </a:schemeClr>
+                  </a:glow>
+                  <a:outerShdw blurRad="28575" dist="38100" dir="14040000" algn="tl" rotWithShape="0">
+                    <a:srgbClr val="000000">
+                      <a:alpha val="25000"/>
+                    </a:srgbClr>
+                  </a:outerShdw>
+                </a:effectLst>
+              </a:defRPr>
+            </a:lvl1pPr>
+            <a:lvl2pPr>
+              <a:defRPr>
+                <a:solidFill>
+                  <a:schemeClr val="tx2"/>
+                </a:solidFill>
+              </a:defRPr>
+            </a:lvl2pPr>
+            <a:lvl3pPr>
+              <a:defRPr>
+                <a:solidFill>
+                  <a:schemeClr val="tx2"/>
+                </a:solidFill>
+              </a:defRPr>
+            </a:lvl3pPr>
+            <a:lvl4pPr>
+              <a:defRPr>
+                <a:solidFill>
+                  <a:schemeClr val="tx2"/>
+                </a:solidFill>
+              </a:defRPr>
+            </a:lvl4pPr>
+            <a:lvl5pPr>
+              <a:defRPr>
+                <a:solidFill>
+                  <a:schemeClr val="tx2"/>
+                </a:solidFill>
+              </a:defRPr>
+            </a:lvl5pPr>
+            <a:lvl6pPr>
+              <a:defRPr>
+                <a:solidFill>
+                  <a:schemeClr val="tx2"/>
+                </a:solidFill>
+              </a:defRPr>
+            </a:lvl6pPr>
+            <a:lvl7pPr>
+              <a:defRPr>
+                <a:solidFill>
+                  <a:schemeClr val="tx2"/>
+                </a:solidFill>
+              </a:defRPr>
+            </a:lvl7pPr>
+            <a:lvl8pPr>
+              <a:defRPr>
+                <a:solidFill>
+                  <a:schemeClr val="tx2"/>
+                </a:solidFill>
+              </a:defRPr>
+            </a:lvl8pPr>
+            <a:lvl9pPr>
+              <a:defRPr>
+                <a:solidFill>
+                  <a:schemeClr val="tx2"/>
+                </a:solidFill>
+              </a:defRPr>
+            </a:lvl9pPr>
+          </a:lstStyle>
+          <a:p>
+            <a:pPr lvl="0"/>
+            <a:r>
+              <a:rPr lang="en-US" sz="8000" dirty="0">
+                <a:solidFill>
+                  <a:schemeClr val="tx1"/>
+                </a:solidFill>
+                <a:effectLst/>
+              </a:rPr>
+              <a:t>“</a:t>
+            </a:r>
+          </a:p>
+        </p:txBody>
+      </p:sp>
+      <p:sp>
+        <p:nvSpPr>
+          <p:cNvPr id="10" name="TextBox 9"/>
+          <p:cNvSpPr txBox="1"/>
+          <p:nvPr/>
+        </p:nvSpPr>
+        <p:spPr>
+          <a:xfrm>
+            <a:off x="10437812" y="2743200"/>
+            <a:ext cx="609600" cy="584776"/>
+          </a:xfrm>
+          <a:prstGeom prst="rect">
+            <a:avLst/>
+          </a:prstGeom>
+        </p:spPr>
+        <p:txBody>
+          <a:bodyPr vert="horz" lIns="91440" tIns="45720" rIns="91440" bIns="45720" rtlCol="0" anchor="ctr">
+            <a:noAutofit/>
+          </a:bodyPr>
+          <a:lstStyle>
+            <a:lvl1pPr>
+              <a:spcBef>
+                <a:spcPct val="0"/>
+              </a:spcBef>
+              <a:buNone/>
+              <a:defRPr sz="3200" b="0" cap="all">
+                <a:ln w="3175" cmpd="sng">
+                  <a:noFill/>
+                </a:ln>
+                <a:effectLst>
+                  <a:glow rad="38100">
+                    <a:schemeClr val="bg1">
+                      <a:lumMod val="65000"/>
+                      <a:lumOff val="35000"/>
+                      <a:alpha val="40000"/>
+                    </a:schemeClr>
+                  </a:glow>
+                  <a:outerShdw blurRad="28575" dist="38100" dir="14040000" algn="tl" rotWithShape="0">
+                    <a:srgbClr val="000000">
+                      <a:alpha val="25000"/>
+                    </a:srgbClr>
+                  </a:outerShdw>
+                </a:effectLst>
+              </a:defRPr>
+            </a:lvl1pPr>
+            <a:lvl2pPr>
+              <a:defRPr>
+                <a:solidFill>
+                  <a:schemeClr val="tx2"/>
+                </a:solidFill>
+              </a:defRPr>
+            </a:lvl2pPr>
+            <a:lvl3pPr>
+              <a:defRPr>
+                <a:solidFill>
+                  <a:schemeClr val="tx2"/>
+                </a:solidFill>
+              </a:defRPr>
+            </a:lvl3pPr>
+            <a:lvl4pPr>
+              <a:defRPr>
+                <a:solidFill>
+                  <a:schemeClr val="tx2"/>
+                </a:solidFill>
+              </a:defRPr>
+            </a:lvl4pPr>
+            <a:lvl5pPr>
+              <a:defRPr>
+                <a:solidFill>
+                  <a:schemeClr val="tx2"/>
+                </a:solidFill>
+              </a:defRPr>
+            </a:lvl5pPr>
+            <a:lvl6pPr>
+              <a:defRPr>
+                <a:solidFill>
+                  <a:schemeClr val="tx2"/>
+                </a:solidFill>
+              </a:defRPr>
+            </a:lvl6pPr>
+            <a:lvl7pPr>
+              <a:defRPr>
+                <a:solidFill>
+                  <a:schemeClr val="tx2"/>
+                </a:solidFill>
+              </a:defRPr>
+            </a:lvl7pPr>
+            <a:lvl8pPr>
+              <a:defRPr>
+                <a:solidFill>
+                  <a:schemeClr val="tx2"/>
+                </a:solidFill>
+              </a:defRPr>
+            </a:lvl8pPr>
+            <a:lvl9pPr>
+              <a:defRPr>
+                <a:solidFill>
+                  <a:schemeClr val="tx2"/>
+                </a:solidFill>
+              </a:defRPr>
+            </a:lvl9pPr>
+          </a:lstStyle>
+          <a:p>
+            <a:pPr lvl="0" algn="r"/>
+            <a:r>
+              <a:rPr lang="en-US" sz="8000" dirty="0">
+                <a:solidFill>
+                  <a:schemeClr val="tx1"/>
+                </a:solidFill>
+                <a:effectLst/>
+              </a:rPr>
+              <a:t>”</a:t>
+            </a:r>
+          </a:p>
+        </p:txBody>
+      </p:sp>
+    </p:spTree>
+    <p:extLst>
+      <p:ext uri="{BB962C8B-B14F-4D97-AF65-F5344CB8AC3E}">
+        <p14:creationId xmlns:p14="http://schemas.microsoft.com/office/powerpoint/2010/main" val="753959819"/>
+      </p:ext>
+    </p:extLst>
+  </p:cSld>
+  <p:clrMapOvr>
+    <a:masterClrMapping/>
+  </p:clrMapOvr>
+</p:sldLayout>
+</file>
+
+<file path=ppt/slideLayouts/slideLayout13.xml><?xml version="1.0" encoding="utf-8"?>
+<p:sldLayout xmlns:a="http://schemas.openxmlformats.org/drawingml/2006/main" xmlns:r="http://schemas.openxmlformats.org/officeDocument/2006/relationships" xmlns:p="http://schemas.openxmlformats.org/presentationml/2006/main" preserve="1">
+  <p:cSld name="Name Card">
+    <p:spTree>
+      <p:nvGrpSpPr>
+        <p:cNvPr id="1" name=""/>
+        <p:cNvGrpSpPr/>
+        <p:nvPr/>
+      </p:nvGrpSpPr>
+      <p:grpSpPr>
+        <a:xfrm>
+          <a:off x="0" y="0"/>
+          <a:ext cx="0" cy="0"/>
+          <a:chOff x="0" y="0"/>
+          <a:chExt cx="0" cy="0"/>
+        </a:xfrm>
+      </p:grpSpPr>
+      <p:sp>
+        <p:nvSpPr>
+          <p:cNvPr id="2" name="Title 1"/>
+          <p:cNvSpPr>
+            <a:spLocks noGrp="1"/>
+          </p:cNvSpPr>
+          <p:nvPr>
+            <p:ph type="title"/>
+          </p:nvPr>
+        </p:nvSpPr>
+        <p:spPr>
+          <a:xfrm>
+            <a:off x="839788" y="2326967"/>
+            <a:ext cx="10515600" cy="2511835"/>
+          </a:xfrm>
+        </p:spPr>
+        <p:txBody>
+          <a:bodyPr anchor="b">
+            <a:normAutofit/>
+          </a:bodyPr>
+          <a:lstStyle>
+            <a:lvl1pPr>
+              <a:defRPr sz="5400"/>
+            </a:lvl1pPr>
+          </a:lstStyle>
+          <a:p>
+            <a:r>
+              <a:rPr lang="en-US" smtClean="0"/>
+              <a:t>Click to edit Master title style</a:t>
+            </a:r>
+            <a:endParaRPr lang="en-US" dirty="0"/>
+          </a:p>
+        </p:txBody>
+      </p:sp>
+      <p:sp>
+        <p:nvSpPr>
+          <p:cNvPr id="4" name="Text Placeholder 3"/>
+          <p:cNvSpPr>
+            <a:spLocks noGrp="1"/>
+          </p:cNvSpPr>
+          <p:nvPr>
+            <p:ph type="body" sz="half" idx="2"/>
+          </p:nvPr>
+        </p:nvSpPr>
+        <p:spPr>
+          <a:xfrm>
+            <a:off x="839788" y="4850581"/>
+            <a:ext cx="10514012" cy="1140644"/>
+          </a:xfrm>
+        </p:spPr>
+        <p:txBody>
+          <a:bodyPr anchor="t"/>
+          <a:lstStyle>
+            <a:lvl1pPr marL="0" indent="0">
+              <a:buNone/>
+              <a:defRPr sz="1600"/>
+            </a:lvl1pPr>
+            <a:lvl2pPr marL="457200" indent="0">
+              <a:buNone/>
+              <a:defRPr sz="1400"/>
+            </a:lvl2pPr>
+            <a:lvl3pPr marL="914400" indent="0">
+              <a:buNone/>
+              <a:defRPr sz="1200"/>
+            </a:lvl3pPr>
+            <a:lvl4pPr marL="1371600" indent="0">
+              <a:buNone/>
+              <a:defRPr sz="1000"/>
+            </a:lvl4pPr>
+            <a:lvl5pPr marL="1828800" indent="0">
+              <a:buNone/>
+              <a:defRPr sz="1000"/>
+            </a:lvl5pPr>
+            <a:lvl6pPr marL="2286000" indent="0">
+              <a:buNone/>
+              <a:defRPr sz="1000"/>
+            </a:lvl6pPr>
+            <a:lvl7pPr marL="2743200" indent="0">
+              <a:buNone/>
+              <a:defRPr sz="1000"/>
+            </a:lvl7pPr>
+            <a:lvl8pPr marL="3200400" indent="0">
+              <a:buNone/>
+              <a:defRPr sz="1000"/>
+            </a:lvl8pPr>
+            <a:lvl9pPr marL="3657600" indent="0">
+              <a:buNone/>
+              <a:defRPr sz="1000"/>
+            </a:lvl9pPr>
+          </a:lstStyle>
+          <a:p>
+            <a:pPr lvl="0"/>
+            <a:r>
+              <a:rPr lang="en-US" smtClean="0"/>
+              <a:t>Click to edit Master text styles</a:t>
+            </a:r>
+          </a:p>
+        </p:txBody>
+      </p:sp>
+      <p:sp>
+        <p:nvSpPr>
+          <p:cNvPr id="5" name="Date Placeholder 4"/>
+          <p:cNvSpPr>
+            <a:spLocks noGrp="1"/>
+          </p:cNvSpPr>
+          <p:nvPr>
+            <p:ph type="dt" sz="half" idx="10"/>
+          </p:nvPr>
+        </p:nvSpPr>
+        <p:spPr/>
+        <p:txBody>
+          <a:bodyPr/>
+          <a:lstStyle/>
+          <a:p>
+            <a:fld id="{54254A6F-4062-6A4B-99CC-A2FA0C9CEF1A}" type="datetimeFigureOut">
+              <a:rPr lang="en-US" smtClean="0"/>
+              <a:t>2/7/16</a:t>
+            </a:fld>
+            <a:endParaRPr lang="en-US"/>
+          </a:p>
+        </p:txBody>
+      </p:sp>
+      <p:sp>
+        <p:nvSpPr>
+          <p:cNvPr id="6" name="Footer Placeholder 5"/>
+          <p:cNvSpPr>
+            <a:spLocks noGrp="1"/>
+          </p:cNvSpPr>
+          <p:nvPr>
+            <p:ph type="ftr" sz="quarter" idx="11"/>
+          </p:nvPr>
+        </p:nvSpPr>
+        <p:spPr/>
+        <p:txBody>
+          <a:bodyPr/>
+          <a:lstStyle/>
+          <a:p>
+            <a:endParaRPr lang="en-US"/>
+          </a:p>
+        </p:txBody>
+      </p:sp>
+      <p:sp>
+        <p:nvSpPr>
+          <p:cNvPr id="7" name="Slide Number Placeholder 6"/>
+          <p:cNvSpPr>
+            <a:spLocks noGrp="1"/>
+          </p:cNvSpPr>
+          <p:nvPr>
+            <p:ph type="sldNum" sz="quarter" idx="12"/>
+          </p:nvPr>
+        </p:nvSpPr>
+        <p:spPr/>
+        <p:txBody>
+          <a:bodyPr/>
+          <a:lstStyle/>
+          <a:p>
+            <a:fld id="{29F7F4A7-6325-744B-9000-EE548DA479BC}" type="slidenum">
+              <a:rPr lang="en-US" smtClean="0"/>
+              <a:t>‹#›</a:t>
+            </a:fld>
+            <a:endParaRPr lang="en-US"/>
+          </a:p>
+        </p:txBody>
+      </p:sp>
+    </p:spTree>
+    <p:extLst>
+      <p:ext uri="{BB962C8B-B14F-4D97-AF65-F5344CB8AC3E}">
+        <p14:creationId xmlns:p14="http://schemas.microsoft.com/office/powerpoint/2010/main" val="1042517543"/>
+      </p:ext>
+    </p:extLst>
+  </p:cSld>
+  <p:clrMapOvr>
+    <a:masterClrMapping/>
+  </p:clrMapOvr>
+</p:sldLayout>
+</file>
+
+<file path=ppt/slideLayouts/slideLayout14.xml><?xml version="1.0" encoding="utf-8"?>
+<p:sldLayout xmlns:a="http://schemas.openxmlformats.org/drawingml/2006/main" xmlns:r="http://schemas.openxmlformats.org/officeDocument/2006/relationships" xmlns:p="http://schemas.openxmlformats.org/presentationml/2006/main" preserve="1">
+  <p:cSld name="3 Column">
+    <p:spTree>
+      <p:nvGrpSpPr>
+        <p:cNvPr id="1" name=""/>
+        <p:cNvGrpSpPr/>
+        <p:nvPr/>
+      </p:nvGrpSpPr>
+      <p:grpSpPr>
+        <a:xfrm>
+          <a:off x="0" y="0"/>
+          <a:ext cx="0" cy="0"/>
+          <a:chOff x="0" y="0"/>
+          <a:chExt cx="0" cy="0"/>
+        </a:xfrm>
+      </p:grpSpPr>
+      <p:sp>
+        <p:nvSpPr>
+          <p:cNvPr id="15" name="Title 1"/>
+          <p:cNvSpPr>
+            <a:spLocks noGrp="1"/>
+          </p:cNvSpPr>
+          <p:nvPr>
+            <p:ph type="title"/>
+          </p:nvPr>
+        </p:nvSpPr>
+        <p:spPr>
+          <a:xfrm>
+            <a:off x="838200" y="365125"/>
+            <a:ext cx="10515600" cy="1325563"/>
+          </a:xfrm>
+        </p:spPr>
+        <p:txBody>
+          <a:bodyPr/>
+          <a:lstStyle/>
+          <a:p>
+            <a:r>
+              <a:rPr lang="en-US" smtClean="0"/>
+              <a:t>Click to edit Master title style</a:t>
+            </a:r>
+            <a:endParaRPr lang="en-US" dirty="0"/>
+          </a:p>
+        </p:txBody>
+      </p:sp>
+      <p:sp>
+        <p:nvSpPr>
+          <p:cNvPr id="7" name="Text Placeholder 2"/>
+          <p:cNvSpPr>
+            <a:spLocks noGrp="1"/>
+          </p:cNvSpPr>
+          <p:nvPr>
+            <p:ph type="body" idx="1"/>
+          </p:nvPr>
+        </p:nvSpPr>
+        <p:spPr>
+          <a:xfrm>
+            <a:off x="1337282" y="1885950"/>
+            <a:ext cx="2946866" cy="576262"/>
+          </a:xfrm>
+        </p:spPr>
+        <p:txBody>
+          <a:bodyPr anchor="b">
+            <a:noAutofit/>
+          </a:bodyPr>
+          <a:lstStyle>
+            <a:lvl1pPr marL="0" indent="0">
+              <a:buNone/>
+              <a:defRPr sz="2400" b="0">
+                <a:gradFill>
+                  <a:gsLst>
+                    <a:gs pos="15000">
+                      <a:schemeClr val="tx2"/>
+                    </a:gs>
+                    <a:gs pos="73000">
+                      <a:schemeClr val="tx2">
+                        <a:lumMod val="60000"/>
+                        <a:lumOff val="40000"/>
+                      </a:schemeClr>
+                    </a:gs>
+                    <a:gs pos="0">
+                      <a:schemeClr val="tx2">
+                        <a:lumMod val="90000"/>
+                        <a:lumOff val="10000"/>
+                      </a:schemeClr>
+                    </a:gs>
+                    <a:gs pos="100000">
+                      <a:schemeClr val="tx2">
+                        <a:lumMod val="0"/>
+                        <a:lumOff val="100000"/>
+                      </a:schemeClr>
+                    </a:gs>
+                  </a:gsLst>
+                  <a:lin ang="16200000" scaled="1"/>
+                </a:gradFill>
+              </a:defRPr>
+            </a:lvl1pPr>
+            <a:lvl2pPr marL="457200" indent="0">
+              <a:buNone/>
+              <a:defRPr sz="2000" b="1"/>
+            </a:lvl2pPr>
+            <a:lvl3pPr marL="914400" indent="0">
+              <a:buNone/>
+              <a:defRPr sz="1800" b="1"/>
+            </a:lvl3pPr>
+            <a:lvl4pPr marL="1371600" indent="0">
+              <a:buNone/>
+              <a:defRPr sz="1600" b="1"/>
+            </a:lvl4pPr>
+            <a:lvl5pPr marL="1828800" indent="0">
+              <a:buNone/>
+              <a:defRPr sz="1600" b="1"/>
+            </a:lvl5pPr>
+            <a:lvl6pPr marL="2286000" indent="0">
+              <a:buNone/>
+              <a:defRPr sz="1600" b="1"/>
+            </a:lvl6pPr>
+            <a:lvl7pPr marL="2743200" indent="0">
+              <a:buNone/>
+              <a:defRPr sz="1600" b="1"/>
+            </a:lvl7pPr>
+            <a:lvl8pPr marL="3200400" indent="0">
+              <a:buNone/>
+              <a:defRPr sz="1600" b="1"/>
+            </a:lvl8pPr>
+            <a:lvl9pPr marL="3657600" indent="0">
+              <a:buNone/>
+              <a:defRPr sz="1600" b="1"/>
+            </a:lvl9pPr>
+          </a:lstStyle>
+          <a:p>
+            <a:pPr lvl="0"/>
+            <a:r>
+              <a:rPr lang="en-US" smtClean="0"/>
+              <a:t>Click to edit Master text styles</a:t>
+            </a:r>
+          </a:p>
+        </p:txBody>
+      </p:sp>
+      <p:sp>
+        <p:nvSpPr>
+          <p:cNvPr id="8" name="Text Placeholder 3"/>
+          <p:cNvSpPr>
+            <a:spLocks noGrp="1"/>
+          </p:cNvSpPr>
+          <p:nvPr>
+            <p:ph type="body" sz="half" idx="15"/>
+          </p:nvPr>
+        </p:nvSpPr>
+        <p:spPr>
+          <a:xfrm>
+            <a:off x="1356798" y="2571750"/>
+            <a:ext cx="2927350" cy="3589338"/>
+          </a:xfrm>
+        </p:spPr>
+        <p:txBody>
+          <a:bodyPr anchor="t">
+            <a:normAutofit/>
+          </a:bodyPr>
+          <a:lstStyle>
+            <a:lvl1pPr marL="0" indent="0">
+              <a:buNone/>
+              <a:defRPr sz="1400"/>
+            </a:lvl1pPr>
+            <a:lvl2pPr marL="457200" indent="0">
+              <a:buNone/>
+              <a:defRPr sz="1200"/>
+            </a:lvl2pPr>
+            <a:lvl3pPr marL="914400" indent="0">
+              <a:buNone/>
+              <a:defRPr sz="1000"/>
+            </a:lvl3pPr>
+            <a:lvl4pPr marL="1371600" indent="0">
+              <a:buNone/>
+              <a:defRPr sz="900"/>
+            </a:lvl4pPr>
+            <a:lvl5pPr marL="1828800" indent="0">
+              <a:buNone/>
+              <a:defRPr sz="900"/>
+            </a:lvl5pPr>
+            <a:lvl6pPr marL="2286000" indent="0">
+              <a:buNone/>
+              <a:defRPr sz="900"/>
+            </a:lvl6pPr>
+            <a:lvl7pPr marL="2743200" indent="0">
+              <a:buNone/>
+              <a:defRPr sz="900"/>
+            </a:lvl7pPr>
+            <a:lvl8pPr marL="3200400" indent="0">
+              <a:buNone/>
+              <a:defRPr sz="900"/>
+            </a:lvl8pPr>
+            <a:lvl9pPr marL="3657600" indent="0">
+              <a:buNone/>
+              <a:defRPr sz="900"/>
+            </a:lvl9pPr>
+          </a:lstStyle>
+          <a:p>
+            <a:pPr lvl="0"/>
+            <a:r>
+              <a:rPr lang="en-US" smtClean="0"/>
+              <a:t>Click to edit Master text styles</a:t>
+            </a:r>
+          </a:p>
+        </p:txBody>
+      </p:sp>
+      <p:sp>
+        <p:nvSpPr>
+          <p:cNvPr id="9" name="Text Placeholder 4"/>
+          <p:cNvSpPr>
+            <a:spLocks noGrp="1"/>
+          </p:cNvSpPr>
+          <p:nvPr>
+            <p:ph type="body" sz="quarter" idx="3"/>
+          </p:nvPr>
+        </p:nvSpPr>
+        <p:spPr>
+          <a:xfrm>
+            <a:off x="4587994" y="1885950"/>
+            <a:ext cx="2936241" cy="576262"/>
+          </a:xfrm>
+        </p:spPr>
+        <p:txBody>
+          <a:bodyPr vert="horz" lIns="91440" tIns="45720" rIns="91440" bIns="45720" rtlCol="0" anchor="b">
+            <a:noAutofit/>
+          </a:bodyPr>
+          <a:lstStyle>
+            <a:lvl1pPr>
+              <a:buNone/>
+              <a:defRPr lang="en-US" sz="2400" b="0">
+                <a:gradFill>
+                  <a:gsLst>
+                    <a:gs pos="15000">
+                      <a:schemeClr val="tx2"/>
+                    </a:gs>
+                    <a:gs pos="73000">
+                      <a:schemeClr val="tx2">
+                        <a:lumMod val="60000"/>
+                        <a:lumOff val="40000"/>
+                      </a:schemeClr>
+                    </a:gs>
+                    <a:gs pos="0">
+                      <a:schemeClr val="tx2">
+                        <a:lumMod val="90000"/>
+                        <a:lumOff val="10000"/>
+                      </a:schemeClr>
+                    </a:gs>
+                    <a:gs pos="100000">
+                      <a:schemeClr val="tx2">
+                        <a:lumMod val="0"/>
+                        <a:lumOff val="100000"/>
+                      </a:schemeClr>
+                    </a:gs>
+                  </a:gsLst>
+                  <a:lin ang="16200000" scaled="1"/>
+                </a:gradFill>
+              </a:defRPr>
+            </a:lvl1pPr>
+          </a:lstStyle>
+          <a:p>
+            <a:pPr marL="0" lvl="0" indent="0">
+              <a:buNone/>
+            </a:pPr>
+            <a:r>
+              <a:rPr lang="en-US" smtClean="0"/>
+              <a:t>Click to edit Master text styles</a:t>
+            </a:r>
+          </a:p>
+        </p:txBody>
+      </p:sp>
+      <p:sp>
+        <p:nvSpPr>
+          <p:cNvPr id="10" name="Text Placeholder 3"/>
+          <p:cNvSpPr>
+            <a:spLocks noGrp="1"/>
+          </p:cNvSpPr>
+          <p:nvPr>
+            <p:ph type="body" sz="half" idx="16"/>
+          </p:nvPr>
+        </p:nvSpPr>
+        <p:spPr>
+          <a:xfrm>
+            <a:off x="4577441" y="2571750"/>
+            <a:ext cx="2946794" cy="3589338"/>
+          </a:xfrm>
+        </p:spPr>
+        <p:txBody>
+          <a:bodyPr anchor="t">
+            <a:normAutofit/>
+          </a:bodyPr>
+          <a:lstStyle>
+            <a:lvl1pPr marL="0" indent="0">
+              <a:buNone/>
+              <a:defRPr sz="1400"/>
+            </a:lvl1pPr>
+            <a:lvl2pPr marL="457200" indent="0">
+              <a:buNone/>
+              <a:defRPr sz="1200"/>
+            </a:lvl2pPr>
+            <a:lvl3pPr marL="914400" indent="0">
+              <a:buNone/>
+              <a:defRPr sz="1000"/>
+            </a:lvl3pPr>
+            <a:lvl4pPr marL="1371600" indent="0">
+              <a:buNone/>
+              <a:defRPr sz="900"/>
+            </a:lvl4pPr>
+            <a:lvl5pPr marL="1828800" indent="0">
+              <a:buNone/>
+              <a:defRPr sz="900"/>
+            </a:lvl5pPr>
+            <a:lvl6pPr marL="2286000" indent="0">
+              <a:buNone/>
+              <a:defRPr sz="900"/>
+            </a:lvl6pPr>
+            <a:lvl7pPr marL="2743200" indent="0">
+              <a:buNone/>
+              <a:defRPr sz="900"/>
+            </a:lvl7pPr>
+            <a:lvl8pPr marL="3200400" indent="0">
+              <a:buNone/>
+              <a:defRPr sz="900"/>
+            </a:lvl8pPr>
+            <a:lvl9pPr marL="3657600" indent="0">
+              <a:buNone/>
+              <a:defRPr sz="900"/>
+            </a:lvl9pPr>
+          </a:lstStyle>
+          <a:p>
+            <a:pPr lvl="0"/>
+            <a:r>
+              <a:rPr lang="en-US" smtClean="0"/>
+              <a:t>Click to edit Master text styles</a:t>
+            </a:r>
+          </a:p>
+        </p:txBody>
+      </p:sp>
+      <p:sp>
+        <p:nvSpPr>
+          <p:cNvPr id="11" name="Text Placeholder 4"/>
+          <p:cNvSpPr>
+            <a:spLocks noGrp="1"/>
+          </p:cNvSpPr>
+          <p:nvPr>
+            <p:ph type="body" sz="quarter" idx="13"/>
+          </p:nvPr>
+        </p:nvSpPr>
+        <p:spPr>
+          <a:xfrm>
+            <a:off x="7829035" y="1885950"/>
+            <a:ext cx="2932113" cy="576262"/>
+          </a:xfrm>
+        </p:spPr>
+        <p:txBody>
+          <a:bodyPr vert="horz" lIns="91440" tIns="45720" rIns="91440" bIns="45720" rtlCol="0" anchor="b">
+            <a:noAutofit/>
+          </a:bodyPr>
+          <a:lstStyle>
+            <a:lvl1pPr>
+              <a:buNone/>
+              <a:defRPr lang="en-US" sz="2400" b="0" dirty="0">
+                <a:gradFill>
+                  <a:gsLst>
+                    <a:gs pos="15000">
+                      <a:schemeClr val="tx2"/>
+                    </a:gs>
+                    <a:gs pos="73000">
+                      <a:schemeClr val="tx2">
+                        <a:lumMod val="60000"/>
+                        <a:lumOff val="40000"/>
+                      </a:schemeClr>
+                    </a:gs>
+                    <a:gs pos="0">
+                      <a:schemeClr val="tx2">
+                        <a:lumMod val="90000"/>
+                        <a:lumOff val="10000"/>
+                      </a:schemeClr>
+                    </a:gs>
+                    <a:gs pos="100000">
+                      <a:schemeClr val="tx2">
+                        <a:lumMod val="0"/>
+                        <a:lumOff val="100000"/>
+                      </a:schemeClr>
+                    </a:gs>
+                  </a:gsLst>
+                  <a:lin ang="16200000" scaled="1"/>
+                </a:gradFill>
+              </a:defRPr>
+            </a:lvl1pPr>
+          </a:lstStyle>
+          <a:p>
+            <a:pPr marL="0" lvl="0" indent="0">
+              <a:buNone/>
+            </a:pPr>
+            <a:r>
+              <a:rPr lang="en-US" smtClean="0"/>
+              <a:t>Click to edit Master text styles</a:t>
+            </a:r>
+          </a:p>
+        </p:txBody>
+      </p:sp>
+      <p:sp>
+        <p:nvSpPr>
+          <p:cNvPr id="12" name="Text Placeholder 3"/>
+          <p:cNvSpPr>
+            <a:spLocks noGrp="1"/>
+          </p:cNvSpPr>
+          <p:nvPr>
+            <p:ph type="body" sz="half" idx="17"/>
+          </p:nvPr>
+        </p:nvSpPr>
+        <p:spPr>
+          <a:xfrm>
+            <a:off x="7829035" y="2571750"/>
+            <a:ext cx="2932113" cy="3589338"/>
+          </a:xfrm>
+        </p:spPr>
+        <p:txBody>
+          <a:bodyPr anchor="t">
+            <a:normAutofit/>
+          </a:bodyPr>
+          <a:lstStyle>
+            <a:lvl1pPr marL="0" indent="0">
+              <a:buNone/>
+              <a:defRPr sz="1400"/>
+            </a:lvl1pPr>
+            <a:lvl2pPr marL="457200" indent="0">
+              <a:buNone/>
+              <a:defRPr sz="1200"/>
+            </a:lvl2pPr>
+            <a:lvl3pPr marL="914400" indent="0">
+              <a:buNone/>
+              <a:defRPr sz="1000"/>
+            </a:lvl3pPr>
+            <a:lvl4pPr marL="1371600" indent="0">
+              <a:buNone/>
+              <a:defRPr sz="900"/>
+            </a:lvl4pPr>
+            <a:lvl5pPr marL="1828800" indent="0">
+              <a:buNone/>
+              <a:defRPr sz="900"/>
+            </a:lvl5pPr>
+            <a:lvl6pPr marL="2286000" indent="0">
+              <a:buNone/>
+              <a:defRPr sz="900"/>
+            </a:lvl6pPr>
+            <a:lvl7pPr marL="2743200" indent="0">
+              <a:buNone/>
+              <a:defRPr sz="900"/>
+            </a:lvl7pPr>
+            <a:lvl8pPr marL="3200400" indent="0">
+              <a:buNone/>
+              <a:defRPr sz="900"/>
+            </a:lvl8pPr>
+            <a:lvl9pPr marL="3657600" indent="0">
+              <a:buNone/>
+              <a:defRPr sz="900"/>
+            </a:lvl9pPr>
+          </a:lstStyle>
+          <a:p>
+            <a:pPr lvl="0"/>
+            <a:r>
+              <a:rPr lang="en-US" smtClean="0"/>
+              <a:t>Click to edit Master text styles</a:t>
+            </a:r>
+          </a:p>
+        </p:txBody>
+      </p:sp>
+      <p:sp>
+        <p:nvSpPr>
+          <p:cNvPr id="3" name="Date Placeholder 2"/>
+          <p:cNvSpPr>
+            <a:spLocks noGrp="1"/>
+          </p:cNvSpPr>
+          <p:nvPr>
+            <p:ph type="dt" sz="half" idx="10"/>
+          </p:nvPr>
+        </p:nvSpPr>
+        <p:spPr/>
+        <p:txBody>
+          <a:bodyPr/>
+          <a:lstStyle/>
+          <a:p>
+            <a:fld id="{54254A6F-4062-6A4B-99CC-A2FA0C9CEF1A}" type="datetimeFigureOut">
+              <a:rPr lang="en-US" smtClean="0"/>
+              <a:t>2/7/16</a:t>
+            </a:fld>
+            <a:endParaRPr lang="en-US"/>
+          </a:p>
+        </p:txBody>
+      </p:sp>
+      <p:sp>
+        <p:nvSpPr>
+          <p:cNvPr id="4" name="Footer Placeholder 3"/>
+          <p:cNvSpPr>
+            <a:spLocks noGrp="1"/>
+          </p:cNvSpPr>
+          <p:nvPr>
+            <p:ph type="ftr" sz="quarter" idx="11"/>
+          </p:nvPr>
+        </p:nvSpPr>
+        <p:spPr/>
+        <p:txBody>
+          <a:bodyPr/>
+          <a:lstStyle/>
+          <a:p>
+            <a:endParaRPr lang="en-US"/>
+          </a:p>
+        </p:txBody>
+      </p:sp>
+      <p:sp>
+        <p:nvSpPr>
+          <p:cNvPr id="5" name="Slide Number Placeholder 4"/>
+          <p:cNvSpPr>
+            <a:spLocks noGrp="1"/>
+          </p:cNvSpPr>
+          <p:nvPr>
+            <p:ph type="sldNum" sz="quarter" idx="12"/>
+          </p:nvPr>
+        </p:nvSpPr>
+        <p:spPr/>
+        <p:txBody>
+          <a:bodyPr/>
+          <a:lstStyle/>
+          <a:p>
+            <a:fld id="{29F7F4A7-6325-744B-9000-EE548DA479BC}" type="slidenum">
+              <a:rPr lang="en-US" smtClean="0"/>
+              <a:t>‹#›</a:t>
+            </a:fld>
+            <a:endParaRPr lang="en-US"/>
+          </a:p>
+        </p:txBody>
+      </p:sp>
+    </p:spTree>
+    <p:extLst>
+      <p:ext uri="{BB962C8B-B14F-4D97-AF65-F5344CB8AC3E}">
+        <p14:creationId xmlns:p14="http://schemas.microsoft.com/office/powerpoint/2010/main" val="464837581"/>
+      </p:ext>
+    </p:extLst>
+  </p:cSld>
+  <p:clrMapOvr>
+    <a:masterClrMapping/>
+  </p:clrMapOvr>
+</p:sldLayout>
+</file>
+
+<file path=ppt/slideLayouts/slideLayout15.xml><?xml version="1.0" encoding="utf-8"?>
+<p:sldLayout xmlns:a="http://schemas.openxmlformats.org/drawingml/2006/main" xmlns:r="http://schemas.openxmlformats.org/officeDocument/2006/relationships" xmlns:p="http://schemas.openxmlformats.org/presentationml/2006/main" preserve="1">
+  <p:cSld name="3 Picture Column">
+    <p:spTree>
+      <p:nvGrpSpPr>
+        <p:cNvPr id="1" name=""/>
+        <p:cNvGrpSpPr/>
+        <p:nvPr/>
+      </p:nvGrpSpPr>
+      <p:grpSpPr>
+        <a:xfrm>
+          <a:off x="0" y="0"/>
+          <a:ext cx="0" cy="0"/>
+          <a:chOff x="0" y="0"/>
+          <a:chExt cx="0" cy="0"/>
+        </a:xfrm>
+      </p:grpSpPr>
+      <p:sp>
+        <p:nvSpPr>
+          <p:cNvPr id="30" name="Title 1"/>
+          <p:cNvSpPr>
+            <a:spLocks noGrp="1"/>
+          </p:cNvSpPr>
+          <p:nvPr>
+            <p:ph type="title"/>
+          </p:nvPr>
+        </p:nvSpPr>
+        <p:spPr>
+          <a:xfrm>
+            <a:off x="838200" y="365125"/>
+            <a:ext cx="10515600" cy="1325563"/>
+          </a:xfrm>
+        </p:spPr>
+        <p:txBody>
+          <a:bodyPr/>
+          <a:lstStyle/>
+          <a:p>
+            <a:r>
+              <a:rPr lang="en-US" smtClean="0"/>
+              <a:t>Click to edit Master title style</a:t>
+            </a:r>
+            <a:endParaRPr lang="en-US" dirty="0"/>
+          </a:p>
+        </p:txBody>
+      </p:sp>
+      <p:sp>
+        <p:nvSpPr>
+          <p:cNvPr id="19" name="Text Placeholder 2"/>
+          <p:cNvSpPr>
+            <a:spLocks noGrp="1"/>
+          </p:cNvSpPr>
+          <p:nvPr>
+            <p:ph type="body" idx="1"/>
+          </p:nvPr>
+        </p:nvSpPr>
+        <p:spPr>
+          <a:xfrm>
+            <a:off x="1332085" y="4297503"/>
+            <a:ext cx="2940050" cy="576262"/>
+          </a:xfrm>
+        </p:spPr>
+        <p:txBody>
+          <a:bodyPr anchor="b">
+            <a:noAutofit/>
+          </a:bodyPr>
+          <a:lstStyle>
+            <a:lvl1pPr marL="0" indent="0">
+              <a:buNone/>
+              <a:defRPr sz="2400" b="0">
+                <a:gradFill>
+                  <a:gsLst>
+                    <a:gs pos="34000">
+                      <a:schemeClr val="tx1">
+                        <a:lumMod val="93000"/>
+                      </a:schemeClr>
+                    </a:gs>
+                    <a:gs pos="0">
+                      <a:schemeClr val="bg1">
+                        <a:lumMod val="41000"/>
+                        <a:lumOff val="59000"/>
+                      </a:schemeClr>
+                    </a:gs>
+                    <a:gs pos="100000">
+                      <a:schemeClr val="tx2">
+                        <a:lumMod val="0"/>
+                        <a:lumOff val="100000"/>
+                      </a:schemeClr>
+                    </a:gs>
+                  </a:gsLst>
+                  <a:lin ang="4800000" scaled="0"/>
+                </a:gradFill>
+              </a:defRPr>
+            </a:lvl1pPr>
+            <a:lvl2pPr marL="457200" indent="0">
+              <a:buNone/>
+              <a:defRPr sz="2000" b="1"/>
+            </a:lvl2pPr>
+            <a:lvl3pPr marL="914400" indent="0">
+              <a:buNone/>
+              <a:defRPr sz="1800" b="1"/>
+            </a:lvl3pPr>
+            <a:lvl4pPr marL="1371600" indent="0">
+              <a:buNone/>
+              <a:defRPr sz="1600" b="1"/>
+            </a:lvl4pPr>
+            <a:lvl5pPr marL="1828800" indent="0">
+              <a:buNone/>
+              <a:defRPr sz="1600" b="1"/>
+            </a:lvl5pPr>
+            <a:lvl6pPr marL="2286000" indent="0">
+              <a:buNone/>
+              <a:defRPr sz="1600" b="1"/>
+            </a:lvl6pPr>
+            <a:lvl7pPr marL="2743200" indent="0">
+              <a:buNone/>
+              <a:defRPr sz="1600" b="1"/>
+            </a:lvl7pPr>
+            <a:lvl8pPr marL="3200400" indent="0">
+              <a:buNone/>
+              <a:defRPr sz="1600" b="1"/>
+            </a:lvl8pPr>
+            <a:lvl9pPr marL="3657600" indent="0">
+              <a:buNone/>
+              <a:defRPr sz="1600" b="1"/>
+            </a:lvl9pPr>
+          </a:lstStyle>
+          <a:p>
+            <a:pPr lvl="0"/>
+            <a:r>
+              <a:rPr lang="en-US" smtClean="0"/>
+              <a:t>Click to edit Master text styles</a:t>
+            </a:r>
+          </a:p>
+        </p:txBody>
+      </p:sp>
+      <p:sp>
+        <p:nvSpPr>
+          <p:cNvPr id="20" name="Picture Placeholder 2"/>
+          <p:cNvSpPr>
+            <a:spLocks noGrp="1" noChangeAspect="1"/>
+          </p:cNvSpPr>
+          <p:nvPr>
+            <p:ph type="pic" idx="15"/>
+          </p:nvPr>
+        </p:nvSpPr>
+        <p:spPr>
+          <a:xfrm>
+            <a:off x="1332085" y="2256354"/>
+            <a:ext cx="2940050" cy="1524000"/>
+          </a:xfrm>
+          <a:prstGeom prst="roundRect">
+            <a:avLst>
+              <a:gd name="adj" fmla="val 1858"/>
+            </a:avLst>
+          </a:prstGeom>
+          <a:effectLst>
+            <a:outerShdw blurRad="50800" dist="50800" dir="5400000" algn="tl" rotWithShape="0">
+              <a:srgbClr val="000000">
+                <a:alpha val="43000"/>
+              </a:srgbClr>
+            </a:outerShdw>
+          </a:effectLst>
+        </p:spPr>
+        <p:txBody>
+          <a:bodyPr anchor="t">
+            <a:normAutofit/>
+          </a:bodyPr>
+          <a:lstStyle>
+            <a:lvl1pPr marL="0" indent="0" algn="ctr">
+              <a:buNone/>
+              <a:defRPr sz="1600"/>
+            </a:lvl1pPr>
+            <a:lvl2pPr marL="457200" indent="0">
+              <a:buNone/>
+              <a:defRPr sz="1600"/>
+            </a:lvl2pPr>
+            <a:lvl3pPr marL="914400" indent="0">
+              <a:buNone/>
+              <a:defRPr sz="1600"/>
+            </a:lvl3pPr>
+            <a:lvl4pPr marL="1371600" indent="0">
+              <a:buNone/>
+              <a:defRPr sz="1600"/>
+            </a:lvl4pPr>
+            <a:lvl5pPr marL="1828800" indent="0">
+              <a:buNone/>
+              <a:defRPr sz="1600"/>
+            </a:lvl5pPr>
+            <a:lvl6pPr marL="2286000" indent="0">
+              <a:buNone/>
+              <a:defRPr sz="1600"/>
+            </a:lvl6pPr>
+            <a:lvl7pPr marL="2743200" indent="0">
+              <a:buNone/>
+              <a:defRPr sz="1600"/>
+            </a:lvl7pPr>
+            <a:lvl8pPr marL="3200400" indent="0">
+              <a:buNone/>
+              <a:defRPr sz="1600"/>
+            </a:lvl8pPr>
+            <a:lvl9pPr marL="3657600" indent="0">
+              <a:buNone/>
+              <a:defRPr sz="1600"/>
+            </a:lvl9pPr>
+          </a:lstStyle>
+          <a:p>
+            <a:r>
+              <a:rPr lang="en-US" smtClean="0"/>
+              <a:t>Drag picture to placeholder or click icon to add</a:t>
+            </a:r>
+            <a:endParaRPr lang="en-US" dirty="0"/>
+          </a:p>
+        </p:txBody>
+      </p:sp>
+      <p:sp>
+        <p:nvSpPr>
+          <p:cNvPr id="21" name="Text Placeholder 3"/>
+          <p:cNvSpPr>
+            <a:spLocks noGrp="1"/>
+          </p:cNvSpPr>
+          <p:nvPr>
+            <p:ph type="body" sz="half" idx="18"/>
+          </p:nvPr>
+        </p:nvSpPr>
+        <p:spPr>
+          <a:xfrm>
+            <a:off x="1332085" y="4873765"/>
+            <a:ext cx="2940050" cy="659189"/>
+          </a:xfrm>
+        </p:spPr>
+        <p:txBody>
+          <a:bodyPr anchor="t">
+            <a:normAutofit/>
+          </a:bodyPr>
+          <a:lstStyle>
+            <a:lvl1pPr marL="0" indent="0">
+              <a:buNone/>
+              <a:defRPr sz="1400"/>
+            </a:lvl1pPr>
+            <a:lvl2pPr marL="457200" indent="0">
+              <a:buNone/>
+              <a:defRPr sz="1200"/>
+            </a:lvl2pPr>
+            <a:lvl3pPr marL="914400" indent="0">
+              <a:buNone/>
+              <a:defRPr sz="1000"/>
+            </a:lvl3pPr>
+            <a:lvl4pPr marL="1371600" indent="0">
+              <a:buNone/>
+              <a:defRPr sz="900"/>
+            </a:lvl4pPr>
+            <a:lvl5pPr marL="1828800" indent="0">
+              <a:buNone/>
+              <a:defRPr sz="900"/>
+            </a:lvl5pPr>
+            <a:lvl6pPr marL="2286000" indent="0">
+              <a:buNone/>
+              <a:defRPr sz="900"/>
+            </a:lvl6pPr>
+            <a:lvl7pPr marL="2743200" indent="0">
+              <a:buNone/>
+              <a:defRPr sz="900"/>
+            </a:lvl7pPr>
+            <a:lvl8pPr marL="3200400" indent="0">
+              <a:buNone/>
+              <a:defRPr sz="900"/>
+            </a:lvl8pPr>
+            <a:lvl9pPr marL="3657600" indent="0">
+              <a:buNone/>
+              <a:defRPr sz="900"/>
+            </a:lvl9pPr>
+          </a:lstStyle>
+          <a:p>
+            <a:pPr lvl="0"/>
+            <a:r>
+              <a:rPr lang="en-US" smtClean="0"/>
+              <a:t>Click to edit Master text styles</a:t>
+            </a:r>
+          </a:p>
+        </p:txBody>
+      </p:sp>
+      <p:sp>
+        <p:nvSpPr>
+          <p:cNvPr id="22" name="Text Placeholder 4"/>
+          <p:cNvSpPr>
+            <a:spLocks noGrp="1"/>
+          </p:cNvSpPr>
+          <p:nvPr>
+            <p:ph type="body" sz="quarter" idx="3"/>
+          </p:nvPr>
+        </p:nvSpPr>
+        <p:spPr>
+          <a:xfrm>
+            <a:off x="4568997" y="4297503"/>
+            <a:ext cx="2930525" cy="576262"/>
+          </a:xfrm>
+        </p:spPr>
+        <p:txBody>
+          <a:bodyPr anchor="b">
+            <a:noAutofit/>
+          </a:bodyPr>
+          <a:lstStyle>
+            <a:lvl1pPr marL="0" indent="0">
+              <a:buNone/>
+              <a:defRPr sz="2400" b="0">
+                <a:gradFill>
+                  <a:gsLst>
+                    <a:gs pos="34000">
+                      <a:schemeClr val="tx1">
+                        <a:lumMod val="93000"/>
+                      </a:schemeClr>
+                    </a:gs>
+                    <a:gs pos="0">
+                      <a:schemeClr val="bg1">
+                        <a:lumMod val="41000"/>
+                        <a:lumOff val="59000"/>
+                      </a:schemeClr>
+                    </a:gs>
+                    <a:gs pos="100000">
+                      <a:schemeClr val="tx2">
+                        <a:lumMod val="0"/>
+                        <a:lumOff val="100000"/>
+                      </a:schemeClr>
+                    </a:gs>
+                  </a:gsLst>
+                  <a:lin ang="4800000" scaled="0"/>
+                </a:gradFill>
+              </a:defRPr>
+            </a:lvl1pPr>
+            <a:lvl2pPr marL="457200" indent="0">
+              <a:buNone/>
+              <a:defRPr sz="2000" b="1"/>
+            </a:lvl2pPr>
+            <a:lvl3pPr marL="914400" indent="0">
+              <a:buNone/>
+              <a:defRPr sz="1800" b="1"/>
+            </a:lvl3pPr>
+            <a:lvl4pPr marL="1371600" indent="0">
+              <a:buNone/>
+              <a:defRPr sz="1600" b="1"/>
+            </a:lvl4pPr>
+            <a:lvl5pPr marL="1828800" indent="0">
+              <a:buNone/>
+              <a:defRPr sz="1600" b="1"/>
+            </a:lvl5pPr>
+            <a:lvl6pPr marL="2286000" indent="0">
+              <a:buNone/>
+              <a:defRPr sz="1600" b="1"/>
+            </a:lvl6pPr>
+            <a:lvl7pPr marL="2743200" indent="0">
+              <a:buNone/>
+              <a:defRPr sz="1600" b="1"/>
+            </a:lvl7pPr>
+            <a:lvl8pPr marL="3200400" indent="0">
+              <a:buNone/>
+              <a:defRPr sz="1600" b="1"/>
+            </a:lvl8pPr>
+            <a:lvl9pPr marL="3657600" indent="0">
+              <a:buNone/>
+              <a:defRPr sz="1600" b="1"/>
+            </a:lvl9pPr>
+          </a:lstStyle>
+          <a:p>
+            <a:pPr lvl="0"/>
+            <a:r>
+              <a:rPr lang="en-US" smtClean="0"/>
+              <a:t>Click to edit Master text styles</a:t>
+            </a:r>
+          </a:p>
+        </p:txBody>
+      </p:sp>
+      <p:sp>
+        <p:nvSpPr>
+          <p:cNvPr id="23" name="Picture Placeholder 2"/>
+          <p:cNvSpPr>
+            <a:spLocks noGrp="1" noChangeAspect="1"/>
+          </p:cNvSpPr>
+          <p:nvPr>
+            <p:ph type="pic" idx="21"/>
+          </p:nvPr>
+        </p:nvSpPr>
+        <p:spPr>
+          <a:xfrm>
+            <a:off x="4568996" y="2256354"/>
+            <a:ext cx="2930525" cy="1524000"/>
+          </a:xfrm>
+          <a:prstGeom prst="roundRect">
+            <a:avLst>
+              <a:gd name="adj" fmla="val 1858"/>
+            </a:avLst>
+          </a:prstGeom>
+          <a:effectLst>
+            <a:outerShdw blurRad="50800" dist="50800" dir="5400000" algn="tl" rotWithShape="0">
+              <a:srgbClr val="000000">
+                <a:alpha val="43000"/>
+              </a:srgbClr>
+            </a:outerShdw>
+          </a:effectLst>
+        </p:spPr>
+        <p:txBody>
+          <a:bodyPr anchor="t">
+            <a:normAutofit/>
+          </a:bodyPr>
+          <a:lstStyle>
+            <a:lvl1pPr marL="0" indent="0" algn="ctr">
+              <a:buNone/>
+              <a:defRPr sz="1600"/>
+            </a:lvl1pPr>
+            <a:lvl2pPr marL="457200" indent="0">
+              <a:buNone/>
+              <a:defRPr sz="1600"/>
+            </a:lvl2pPr>
+            <a:lvl3pPr marL="914400" indent="0">
+              <a:buNone/>
+              <a:defRPr sz="1600"/>
+            </a:lvl3pPr>
+            <a:lvl4pPr marL="1371600" indent="0">
+              <a:buNone/>
+              <a:defRPr sz="1600"/>
+            </a:lvl4pPr>
+            <a:lvl5pPr marL="1828800" indent="0">
+              <a:buNone/>
+              <a:defRPr sz="1600"/>
+            </a:lvl5pPr>
+            <a:lvl6pPr marL="2286000" indent="0">
+              <a:buNone/>
+              <a:defRPr sz="1600"/>
+            </a:lvl6pPr>
+            <a:lvl7pPr marL="2743200" indent="0">
+              <a:buNone/>
+              <a:defRPr sz="1600"/>
+            </a:lvl7pPr>
+            <a:lvl8pPr marL="3200400" indent="0">
+              <a:buNone/>
+              <a:defRPr sz="1600"/>
+            </a:lvl8pPr>
+            <a:lvl9pPr marL="3657600" indent="0">
+              <a:buNone/>
+              <a:defRPr sz="1600"/>
+            </a:lvl9pPr>
+          </a:lstStyle>
+          <a:p>
+            <a:r>
+              <a:rPr lang="en-US" smtClean="0"/>
+              <a:t>Drag picture to placeholder or click icon to add</a:t>
+            </a:r>
+            <a:endParaRPr lang="en-US" dirty="0"/>
+          </a:p>
+        </p:txBody>
+      </p:sp>
+      <p:sp>
+        <p:nvSpPr>
+          <p:cNvPr id="24" name="Text Placeholder 3"/>
+          <p:cNvSpPr>
+            <a:spLocks noGrp="1"/>
+          </p:cNvSpPr>
+          <p:nvPr>
+            <p:ph type="body" sz="half" idx="19"/>
+          </p:nvPr>
+        </p:nvSpPr>
+        <p:spPr>
+          <a:xfrm>
+            <a:off x="4567644" y="4873764"/>
+            <a:ext cx="2934406" cy="659189"/>
+          </a:xfrm>
+        </p:spPr>
+        <p:txBody>
+          <a:bodyPr anchor="t">
+            <a:normAutofit/>
+          </a:bodyPr>
+          <a:lstStyle>
+            <a:lvl1pPr marL="0" indent="0">
+              <a:buNone/>
+              <a:defRPr sz="1400"/>
+            </a:lvl1pPr>
+            <a:lvl2pPr marL="457200" indent="0">
+              <a:buNone/>
+              <a:defRPr sz="1200"/>
+            </a:lvl2pPr>
+            <a:lvl3pPr marL="914400" indent="0">
+              <a:buNone/>
+              <a:defRPr sz="1000"/>
+            </a:lvl3pPr>
+            <a:lvl4pPr marL="1371600" indent="0">
+              <a:buNone/>
+              <a:defRPr sz="900"/>
+            </a:lvl4pPr>
+            <a:lvl5pPr marL="1828800" indent="0">
+              <a:buNone/>
+              <a:defRPr sz="900"/>
+            </a:lvl5pPr>
+            <a:lvl6pPr marL="2286000" indent="0">
+              <a:buNone/>
+              <a:defRPr sz="900"/>
+            </a:lvl6pPr>
+            <a:lvl7pPr marL="2743200" indent="0">
+              <a:buNone/>
+              <a:defRPr sz="900"/>
+            </a:lvl7pPr>
+            <a:lvl8pPr marL="3200400" indent="0">
+              <a:buNone/>
+              <a:defRPr sz="900"/>
+            </a:lvl8pPr>
+            <a:lvl9pPr marL="3657600" indent="0">
+              <a:buNone/>
+              <a:defRPr sz="900"/>
+            </a:lvl9pPr>
+          </a:lstStyle>
+          <a:p>
+            <a:pPr lvl="0"/>
+            <a:r>
+              <a:rPr lang="en-US" smtClean="0"/>
+              <a:t>Click to edit Master text styles</a:t>
+            </a:r>
+          </a:p>
+        </p:txBody>
+      </p:sp>
+      <p:sp>
+        <p:nvSpPr>
+          <p:cNvPr id="25" name="Text Placeholder 4"/>
+          <p:cNvSpPr>
+            <a:spLocks noGrp="1"/>
+          </p:cNvSpPr>
+          <p:nvPr>
+            <p:ph type="body" sz="quarter" idx="13"/>
+          </p:nvPr>
+        </p:nvSpPr>
+        <p:spPr>
+          <a:xfrm>
+            <a:off x="7804322" y="4297503"/>
+            <a:ext cx="2932113" cy="576262"/>
+          </a:xfrm>
+        </p:spPr>
+        <p:txBody>
+          <a:bodyPr anchor="b">
+            <a:noAutofit/>
+          </a:bodyPr>
+          <a:lstStyle>
+            <a:lvl1pPr marL="0" indent="0">
+              <a:buNone/>
+              <a:defRPr sz="2400" b="0">
+                <a:gradFill>
+                  <a:gsLst>
+                    <a:gs pos="34000">
+                      <a:schemeClr val="tx1">
+                        <a:lumMod val="93000"/>
+                      </a:schemeClr>
+                    </a:gs>
+                    <a:gs pos="0">
+                      <a:schemeClr val="bg1">
+                        <a:lumMod val="41000"/>
+                        <a:lumOff val="59000"/>
+                      </a:schemeClr>
+                    </a:gs>
+                    <a:gs pos="100000">
+                      <a:schemeClr val="tx2">
+                        <a:lumMod val="0"/>
+                        <a:lumOff val="100000"/>
+                      </a:schemeClr>
+                    </a:gs>
+                  </a:gsLst>
+                  <a:lin ang="4800000" scaled="0"/>
+                </a:gradFill>
+              </a:defRPr>
+            </a:lvl1pPr>
+            <a:lvl2pPr marL="457200" indent="0">
+              <a:buNone/>
+              <a:defRPr sz="2000" b="1"/>
+            </a:lvl2pPr>
+            <a:lvl3pPr marL="914400" indent="0">
+              <a:buNone/>
+              <a:defRPr sz="1800" b="1"/>
+            </a:lvl3pPr>
+            <a:lvl4pPr marL="1371600" indent="0">
+              <a:buNone/>
+              <a:defRPr sz="1600" b="1"/>
+            </a:lvl4pPr>
+            <a:lvl5pPr marL="1828800" indent="0">
+              <a:buNone/>
+              <a:defRPr sz="1600" b="1"/>
+            </a:lvl5pPr>
+            <a:lvl6pPr marL="2286000" indent="0">
+              <a:buNone/>
+              <a:defRPr sz="1600" b="1"/>
+            </a:lvl6pPr>
+            <a:lvl7pPr marL="2743200" indent="0">
+              <a:buNone/>
+              <a:defRPr sz="1600" b="1"/>
+            </a:lvl7pPr>
+            <a:lvl8pPr marL="3200400" indent="0">
+              <a:buNone/>
+              <a:defRPr sz="1600" b="1"/>
+            </a:lvl8pPr>
+            <a:lvl9pPr marL="3657600" indent="0">
+              <a:buNone/>
+              <a:defRPr sz="1600" b="1"/>
+            </a:lvl9pPr>
+          </a:lstStyle>
+          <a:p>
+            <a:pPr lvl="0"/>
+            <a:r>
+              <a:rPr lang="en-US" smtClean="0"/>
+              <a:t>Click to edit Master text styles</a:t>
+            </a:r>
+          </a:p>
+        </p:txBody>
+      </p:sp>
+      <p:sp>
+        <p:nvSpPr>
+          <p:cNvPr id="26" name="Picture Placeholder 2"/>
+          <p:cNvSpPr>
+            <a:spLocks noGrp="1" noChangeAspect="1"/>
+          </p:cNvSpPr>
+          <p:nvPr>
+            <p:ph type="pic" idx="22"/>
+          </p:nvPr>
+        </p:nvSpPr>
+        <p:spPr>
+          <a:xfrm>
+            <a:off x="7804321" y="2256354"/>
+            <a:ext cx="2932113" cy="1524000"/>
+          </a:xfrm>
+          <a:prstGeom prst="roundRect">
+            <a:avLst>
+              <a:gd name="adj" fmla="val 1858"/>
+            </a:avLst>
+          </a:prstGeom>
+          <a:effectLst>
+            <a:outerShdw blurRad="50800" dist="50800" dir="5400000" algn="tl" rotWithShape="0">
+              <a:srgbClr val="000000">
+                <a:alpha val="43000"/>
+              </a:srgbClr>
+            </a:outerShdw>
+          </a:effectLst>
+        </p:spPr>
+        <p:txBody>
+          <a:bodyPr anchor="t">
+            <a:normAutofit/>
+          </a:bodyPr>
+          <a:lstStyle>
+            <a:lvl1pPr marL="0" indent="0" algn="ctr">
+              <a:buNone/>
+              <a:defRPr sz="1600"/>
+            </a:lvl1pPr>
+            <a:lvl2pPr marL="457200" indent="0">
+              <a:buNone/>
+              <a:defRPr sz="1600"/>
+            </a:lvl2pPr>
+            <a:lvl3pPr marL="914400" indent="0">
+              <a:buNone/>
+              <a:defRPr sz="1600"/>
+            </a:lvl3pPr>
+            <a:lvl4pPr marL="1371600" indent="0">
+              <a:buNone/>
+              <a:defRPr sz="1600"/>
+            </a:lvl4pPr>
+            <a:lvl5pPr marL="1828800" indent="0">
+              <a:buNone/>
+              <a:defRPr sz="1600"/>
+            </a:lvl5pPr>
+            <a:lvl6pPr marL="2286000" indent="0">
+              <a:buNone/>
+              <a:defRPr sz="1600"/>
+            </a:lvl6pPr>
+            <a:lvl7pPr marL="2743200" indent="0">
+              <a:buNone/>
+              <a:defRPr sz="1600"/>
+            </a:lvl7pPr>
+            <a:lvl8pPr marL="3200400" indent="0">
+              <a:buNone/>
+              <a:defRPr sz="1600"/>
+            </a:lvl8pPr>
+            <a:lvl9pPr marL="3657600" indent="0">
+              <a:buNone/>
+              <a:defRPr sz="1600"/>
+            </a:lvl9pPr>
+          </a:lstStyle>
+          <a:p>
+            <a:r>
+              <a:rPr lang="en-US" smtClean="0"/>
+              <a:t>Drag picture to placeholder or click icon to add</a:t>
+            </a:r>
+            <a:endParaRPr lang="en-US" dirty="0"/>
+          </a:p>
+        </p:txBody>
+      </p:sp>
+      <p:sp>
+        <p:nvSpPr>
+          <p:cNvPr id="27" name="Text Placeholder 3"/>
+          <p:cNvSpPr>
+            <a:spLocks noGrp="1"/>
+          </p:cNvSpPr>
+          <p:nvPr>
+            <p:ph type="body" sz="half" idx="20"/>
+          </p:nvPr>
+        </p:nvSpPr>
+        <p:spPr>
+          <a:xfrm>
+            <a:off x="7804197" y="4873762"/>
+            <a:ext cx="2935997" cy="659189"/>
+          </a:xfrm>
+        </p:spPr>
+        <p:txBody>
+          <a:bodyPr anchor="t">
+            <a:normAutofit/>
+          </a:bodyPr>
+          <a:lstStyle>
+            <a:lvl1pPr marL="0" indent="0">
+              <a:buNone/>
+              <a:defRPr sz="1400"/>
+            </a:lvl1pPr>
+            <a:lvl2pPr marL="457200" indent="0">
+              <a:buNone/>
+              <a:defRPr sz="1200"/>
+            </a:lvl2pPr>
+            <a:lvl3pPr marL="914400" indent="0">
+              <a:buNone/>
+              <a:defRPr sz="1000"/>
+            </a:lvl3pPr>
+            <a:lvl4pPr marL="1371600" indent="0">
+              <a:buNone/>
+              <a:defRPr sz="900"/>
+            </a:lvl4pPr>
+            <a:lvl5pPr marL="1828800" indent="0">
+              <a:buNone/>
+              <a:defRPr sz="900"/>
+            </a:lvl5pPr>
+            <a:lvl6pPr marL="2286000" indent="0">
+              <a:buNone/>
+              <a:defRPr sz="900"/>
+            </a:lvl6pPr>
+            <a:lvl7pPr marL="2743200" indent="0">
+              <a:buNone/>
+              <a:defRPr sz="900"/>
+            </a:lvl7pPr>
+            <a:lvl8pPr marL="3200400" indent="0">
+              <a:buNone/>
+              <a:defRPr sz="900"/>
+            </a:lvl8pPr>
+            <a:lvl9pPr marL="3657600" indent="0">
+              <a:buNone/>
+              <a:defRPr sz="900"/>
+            </a:lvl9pPr>
+          </a:lstStyle>
+          <a:p>
+            <a:pPr lvl="0"/>
+            <a:r>
+              <a:rPr lang="en-US" smtClean="0"/>
+              <a:t>Click to edit Master text styles</a:t>
+            </a:r>
+          </a:p>
+        </p:txBody>
+      </p:sp>
+      <p:sp>
+        <p:nvSpPr>
+          <p:cNvPr id="3" name="Date Placeholder 2"/>
+          <p:cNvSpPr>
+            <a:spLocks noGrp="1"/>
+          </p:cNvSpPr>
+          <p:nvPr>
+            <p:ph type="dt" sz="half" idx="10"/>
+          </p:nvPr>
+        </p:nvSpPr>
+        <p:spPr/>
+        <p:txBody>
+          <a:bodyPr/>
+          <a:lstStyle/>
+          <a:p>
+            <a:fld id="{54254A6F-4062-6A4B-99CC-A2FA0C9CEF1A}" type="datetimeFigureOut">
+              <a:rPr lang="en-US" smtClean="0"/>
+              <a:t>2/7/16</a:t>
+            </a:fld>
+            <a:endParaRPr lang="en-US"/>
+          </a:p>
+        </p:txBody>
+      </p:sp>
+      <p:sp>
+        <p:nvSpPr>
+          <p:cNvPr id="4" name="Footer Placeholder 3"/>
+          <p:cNvSpPr>
+            <a:spLocks noGrp="1"/>
+          </p:cNvSpPr>
+          <p:nvPr>
+            <p:ph type="ftr" sz="quarter" idx="11"/>
+          </p:nvPr>
+        </p:nvSpPr>
+        <p:spPr/>
+        <p:txBody>
+          <a:bodyPr/>
+          <a:lstStyle/>
+          <a:p>
+            <a:endParaRPr lang="en-US"/>
+          </a:p>
+        </p:txBody>
+      </p:sp>
+      <p:sp>
+        <p:nvSpPr>
+          <p:cNvPr id="5" name="Slide Number Placeholder 4"/>
+          <p:cNvSpPr>
+            <a:spLocks noGrp="1"/>
+          </p:cNvSpPr>
+          <p:nvPr>
+            <p:ph type="sldNum" sz="quarter" idx="12"/>
+          </p:nvPr>
+        </p:nvSpPr>
+        <p:spPr/>
+        <p:txBody>
+          <a:bodyPr/>
+          <a:lstStyle/>
+          <a:p>
+            <a:fld id="{29F7F4A7-6325-744B-9000-EE548DA479BC}" type="slidenum">
+              <a:rPr lang="en-US" smtClean="0"/>
+              <a:t>‹#›</a:t>
+            </a:fld>
+            <a:endParaRPr lang="en-US"/>
+          </a:p>
+        </p:txBody>
+      </p:sp>
+    </p:spTree>
+    <p:extLst>
+      <p:ext uri="{BB962C8B-B14F-4D97-AF65-F5344CB8AC3E}">
+        <p14:creationId xmlns:p14="http://schemas.microsoft.com/office/powerpoint/2010/main" val="1704841123"/>
+      </p:ext>
+    </p:extLst>
+  </p:cSld>
+  <p:clrMapOvr>
+    <a:masterClrMapping/>
+  </p:clrMapOvr>
+</p:sldLayout>
+</file>
+
+<file path=ppt/slideLayouts/slideLayout16.xml><?xml version="1.0" encoding="utf-8"?>
 <p:sldLayout xmlns:a="http://schemas.openxmlformats.org/drawingml/2006/main" xmlns:r="http://schemas.openxmlformats.org/officeDocument/2006/relationships" xmlns:p="http://schemas.openxmlformats.org/presentationml/2006/main" type="vertTx" preserve="1">
   <p:cSld name="Title and Vertical Text">
     <p:spTree>
@@ -342,7 +2950,7 @@
               <a:rPr lang="en-US" smtClean="0"/>
               <a:t>Click to edit Master title style</a:t>
             </a:r>
-            <a:endParaRPr lang="en-US"/>
+            <a:endParaRPr lang="en-US" dirty="0"/>
           </a:p>
         </p:txBody>
       </p:sp>
@@ -394,7 +3002,7 @@
               <a:rPr lang="en-US" smtClean="0"/>
               <a:t>Fifth level</a:t>
             </a:r>
-            <a:endParaRPr lang="en-US"/>
+            <a:endParaRPr lang="en-US" dirty="0"/>
           </a:p>
         </p:txBody>
       </p:sp>
@@ -466,7 +3074,7 @@
     </p:spTree>
     <p:extLst>
       <p:ext uri="{BB962C8B-B14F-4D97-AF65-F5344CB8AC3E}">
-        <p14:creationId xmlns:p14="http://schemas.microsoft.com/office/powerpoint/2010/main" val="1599521465"/>
+        <p14:creationId xmlns:p14="http://schemas.microsoft.com/office/powerpoint/2010/main" val="116423768"/>
       </p:ext>
     </p:extLst>
   </p:cSld>
@@ -476,7 +3084,7 @@
 </p:sldLayout>
 </file>
 
-<file path=ppt/slideLayouts/slideLayout11.xml><?xml version="1.0" encoding="utf-8"?>
+<file path=ppt/slideLayouts/slideLayout17.xml><?xml version="1.0" encoding="utf-8"?>
 <p:sldLayout xmlns:a="http://schemas.openxmlformats.org/drawingml/2006/main" xmlns:r="http://schemas.openxmlformats.org/officeDocument/2006/relationships" xmlns:p="http://schemas.openxmlformats.org/presentationml/2006/main" type="vertTitleAndTx" preserve="1">
   <p:cSld name="Vertical Title and Text">
     <p:spTree>
@@ -517,7 +3125,7 @@
               <a:rPr lang="en-US" smtClean="0"/>
               <a:t>Click to edit Master title style</a:t>
             </a:r>
-            <a:endParaRPr lang="en-US"/>
+            <a:endParaRPr lang="en-US" dirty="0"/>
           </a:p>
         </p:txBody>
       </p:sp>
@@ -574,7 +3182,7 @@
               <a:rPr lang="en-US" smtClean="0"/>
               <a:t>Fifth level</a:t>
             </a:r>
-            <a:endParaRPr lang="en-US"/>
+            <a:endParaRPr lang="en-US" dirty="0"/>
           </a:p>
         </p:txBody>
       </p:sp>
@@ -646,13 +3254,18 @@
     </p:spTree>
     <p:extLst>
       <p:ext uri="{BB962C8B-B14F-4D97-AF65-F5344CB8AC3E}">
-        <p14:creationId xmlns:p14="http://schemas.microsoft.com/office/powerpoint/2010/main" val="956969109"/>
+        <p14:creationId xmlns:p14="http://schemas.microsoft.com/office/powerpoint/2010/main" val="1637840187"/>
       </p:ext>
     </p:extLst>
   </p:cSld>
   <p:clrMapOvr>
     <a:masterClrMapping/>
   </p:clrMapOvr>
+  <p:extLst>
+    <p:ext uri="{DCECCB84-F9BA-43D5-87BE-67443E8EF086}">
+      <p15:sldGuideLst xmlns:p15="http://schemas.microsoft.com/office/powerpoint/2012/main"/>
+    </p:ext>
+  </p:extLst>
 </p:sldLayout>
 </file>
 
@@ -675,7 +3288,7 @@
       </p:grpSpPr>
       <p:sp>
         <p:nvSpPr>
-          <p:cNvPr id="2" name="Title 1"/>
+          <p:cNvPr id="8" name="Title 1"/>
           <p:cNvSpPr>
             <a:spLocks noGrp="1"/>
           </p:cNvSpPr>
@@ -692,7 +3305,7 @@
               <a:rPr lang="en-US" smtClean="0"/>
               <a:t>Click to edit Master title style</a:t>
             </a:r>
-            <a:endParaRPr lang="en-US"/>
+            <a:endParaRPr lang="en-US" dirty="0"/>
           </a:p>
         </p:txBody>
       </p:sp>
@@ -744,7 +3357,7 @@
               <a:rPr lang="en-US" smtClean="0"/>
               <a:t>Fifth level</a:t>
             </a:r>
-            <a:endParaRPr lang="en-US"/>
+            <a:endParaRPr lang="en-US" dirty="0"/>
           </a:p>
         </p:txBody>
       </p:sp>
@@ -816,7 +3429,7 @@
     </p:spTree>
     <p:extLst>
       <p:ext uri="{BB962C8B-B14F-4D97-AF65-F5344CB8AC3E}">
-        <p14:creationId xmlns:p14="http://schemas.microsoft.com/office/powerpoint/2010/main" val="640064647"/>
+        <p14:creationId xmlns:p14="http://schemas.microsoft.com/office/powerpoint/2010/main" val="266222407"/>
       </p:ext>
     </p:extLst>
   </p:cSld>
@@ -845,25 +3458,59 @@
       </p:grpSpPr>
       <p:sp>
         <p:nvSpPr>
-          <p:cNvPr id="2" name="Title 1"/>
+          <p:cNvPr id="7" name="Title 1"/>
           <p:cNvSpPr>
             <a:spLocks noGrp="1"/>
           </p:cNvSpPr>
           <p:nvPr>
-            <p:ph type="title"/>
+            <p:ph type="ctrTitle"/>
           </p:nvPr>
         </p:nvSpPr>
         <p:spPr>
           <a:xfrm>
-            <a:off x="831850" y="1709738"/>
-            <a:ext cx="10515600" cy="2852737"/>
+            <a:off x="854532" y="4464028"/>
+            <a:ext cx="9144000" cy="1641490"/>
           </a:xfrm>
         </p:spPr>
         <p:txBody>
-          <a:bodyPr anchor="b"/>
+          <a:bodyPr wrap="none" anchor="t">
+            <a:normAutofit/>
+          </a:bodyPr>
           <a:lstStyle>
-            <a:lvl1pPr>
-              <a:defRPr sz="6000"/>
+            <a:lvl1pPr algn="l">
+              <a:defRPr sz="9600" b="0" spc="-300">
+                <a:gradFill flip="none" rotWithShape="1">
+                  <a:gsLst>
+                    <a:gs pos="32000">
+                      <a:schemeClr val="tx1">
+                        <a:lumMod val="89000"/>
+                      </a:schemeClr>
+                    </a:gs>
+                    <a:gs pos="0">
+                      <a:schemeClr val="bg1">
+                        <a:lumMod val="47000"/>
+                        <a:lumOff val="53000"/>
+                      </a:schemeClr>
+                    </a:gs>
+                    <a:gs pos="100000">
+                      <a:schemeClr val="tx2">
+                        <a:lumMod val="0"/>
+                        <a:lumOff val="100000"/>
+                      </a:schemeClr>
+                    </a:gs>
+                  </a:gsLst>
+                  <a:lin ang="8100000" scaled="1"/>
+                  <a:tileRect/>
+                </a:gradFill>
+                <a:effectLst>
+                  <a:outerShdw blurRad="469900" dist="342900" dir="5400000" sy="-20000" rotWithShape="0">
+                    <a:prstClr val="black">
+                      <a:alpha val="66000"/>
+                    </a:prstClr>
+                  </a:outerShdw>
+                </a:effectLst>
+                <a:latin typeface="+mj-lt"/>
+              </a:defRPr>
             </a:lvl1pPr>
           </a:lstStyle>
           <a:p>
@@ -871,126 +3518,103 @@
               <a:rPr lang="en-US" smtClean="0"/>
               <a:t>Click to edit Master title style</a:t>
             </a:r>
-            <a:endParaRPr lang="en-US"/>
+            <a:endParaRPr lang="en-US" dirty="0"/>
           </a:p>
         </p:txBody>
       </p:sp>
       <p:sp>
         <p:nvSpPr>
-          <p:cNvPr id="3" name="Text Placeholder 2"/>
+          <p:cNvPr id="8" name="Subtitle 2"/>
           <p:cNvSpPr>
             <a:spLocks noGrp="1"/>
           </p:cNvSpPr>
           <p:nvPr>
-            <p:ph type="body" idx="1"/>
+            <p:ph type="subTitle" idx="1"/>
           </p:nvPr>
         </p:nvSpPr>
         <p:spPr>
           <a:xfrm>
-            <a:off x="831850" y="4589463"/>
-            <a:ext cx="10515600" cy="1500187"/>
+            <a:off x="854532" y="3693674"/>
+            <a:ext cx="9144000" cy="754025"/>
           </a:xfrm>
         </p:spPr>
         <p:txBody>
-          <a:bodyPr/>
+          <a:bodyPr anchor="b">
+            <a:normAutofit/>
+          </a:bodyPr>
           <a:lstStyle>
-            <a:lvl1pPr marL="0" indent="0">
-              <a:buNone/>
-              <a:defRPr sz="2400">
-                <a:solidFill>
-                  <a:schemeClr val="tx1">
-                    <a:tint val="75000"/>
-                  </a:schemeClr>
-                </a:solidFill>
+            <a:lvl1pPr marL="0" indent="0" algn="l">
+              <a:buNone/>
+              <a:defRPr sz="3200" b="0">
+                <a:gradFill flip="none" rotWithShape="1">
+                  <a:gsLst>
+                    <a:gs pos="15000">
+                      <a:schemeClr val="tx2"/>
+                    </a:gs>
+                    <a:gs pos="73000">
+                      <a:schemeClr val="tx2">
+                        <a:lumMod val="60000"/>
+                        <a:lumOff val="40000"/>
+                      </a:schemeClr>
+                    </a:gs>
+                    <a:gs pos="0">
+                      <a:schemeClr val="tx2">
+                        <a:lumMod val="90000"/>
+                        <a:lumOff val="10000"/>
+                      </a:schemeClr>
+                    </a:gs>
+                    <a:gs pos="100000">
+                      <a:schemeClr val="tx2">
+                        <a:lumMod val="0"/>
+                        <a:lumOff val="100000"/>
+                      </a:schemeClr>
+                    </a:gs>
+                  </a:gsLst>
+                  <a:lin ang="16200000" scaled="1"/>
+                  <a:tileRect/>
+                </a:gradFill>
+                <a:latin typeface="+mj-lt"/>
               </a:defRPr>
             </a:lvl1pPr>
-            <a:lvl2pPr marL="457200" indent="0">
-              <a:buNone/>
-              <a:defRPr sz="2000">
-                <a:solidFill>
-                  <a:schemeClr val="tx1">
-                    <a:tint val="75000"/>
-                  </a:schemeClr>
-                </a:solidFill>
-              </a:defRPr>
+            <a:lvl2pPr marL="457200" indent="0" algn="ctr">
+              <a:buNone/>
+              <a:defRPr sz="2000"/>
             </a:lvl2pPr>
-            <a:lvl3pPr marL="914400" indent="0">
-              <a:buNone/>
-              <a:defRPr sz="1800">
-                <a:solidFill>
-                  <a:schemeClr val="tx1">
-                    <a:tint val="75000"/>
-                  </a:schemeClr>
-                </a:solidFill>
-              </a:defRPr>
+            <a:lvl3pPr marL="914400" indent="0" algn="ctr">
+              <a:buNone/>
+              <a:defRPr sz="1800"/>
             </a:lvl3pPr>
-            <a:lvl4pPr marL="1371600" indent="0">
-              <a:buNone/>
-              <a:defRPr sz="1600">
-                <a:solidFill>
-                  <a:schemeClr val="tx1">
-                    <a:tint val="75000"/>
-                  </a:schemeClr>
-                </a:solidFill>
-              </a:defRPr>
+            <a:lvl4pPr marL="1371600" indent="0" algn="ctr">
+              <a:buNone/>
+              <a:defRPr sz="1600"/>
             </a:lvl4pPr>
-            <a:lvl5pPr marL="1828800" indent="0">
-              <a:buNone/>
-              <a:defRPr sz="1600">
-                <a:solidFill>
-                  <a:schemeClr val="tx1">
-                    <a:tint val="75000"/>
-                  </a:schemeClr>
-                </a:solidFill>
-              </a:defRPr>
+            <a:lvl5pPr marL="1828800" indent="0" algn="ctr">
+              <a:buNone/>
+              <a:defRPr sz="1600"/>
             </a:lvl5pPr>
-            <a:lvl6pPr marL="2286000" indent="0">
-              <a:buNone/>
-              <a:defRPr sz="1600">
-                <a:solidFill>
-                  <a:schemeClr val="tx1">
-                    <a:tint val="75000"/>
-                  </a:schemeClr>
-                </a:solidFill>
-              </a:defRPr>
+            <a:lvl6pPr marL="2286000" indent="0" algn="ctr">
+              <a:buNone/>
+              <a:defRPr sz="1600"/>
             </a:lvl6pPr>
-            <a:lvl7pPr marL="2743200" indent="0">
-              <a:buNone/>
-              <a:defRPr sz="1600">
-                <a:solidFill>
-                  <a:schemeClr val="tx1">
-                    <a:tint val="75000"/>
-                  </a:schemeClr>
-                </a:solidFill>
-              </a:defRPr>
+            <a:lvl7pPr marL="2743200" indent="0" algn="ctr">
+              <a:buNone/>
+              <a:defRPr sz="1600"/>
             </a:lvl7pPr>
-            <a:lvl8pPr marL="3200400" indent="0">
-              <a:buNone/>
-              <a:defRPr sz="1600">
-                <a:solidFill>
-                  <a:schemeClr val="tx1">
-                    <a:tint val="75000"/>
-                  </a:schemeClr>
-                </a:solidFill>
-              </a:defRPr>
+            <a:lvl8pPr marL="3200400" indent="0" algn="ctr">
+              <a:buNone/>
+              <a:defRPr sz="1600"/>
             </a:lvl8pPr>
-            <a:lvl9pPr marL="3657600" indent="0">
-              <a:buNone/>
-              <a:defRPr sz="1600">
-                <a:solidFill>
-                  <a:schemeClr val="tx1">
-                    <a:tint val="75000"/>
-                  </a:schemeClr>
-                </a:solidFill>
-              </a:defRPr>
+            <a:lvl9pPr marL="3657600" indent="0" algn="ctr">
+              <a:buNone/>
+              <a:defRPr sz="1600"/>
             </a:lvl9pPr>
           </a:lstStyle>
           <a:p>
-            <a:pPr lvl="0"/>
             <a:r>
               <a:rPr lang="en-US" smtClean="0"/>
-              <a:t>Click to edit Master text styles</a:t>
+              <a:t>Click to edit Master subtitle style</a:t>
             </a:r>
+            <a:endParaRPr lang="en-US" dirty="0"/>
           </a:p>
         </p:txBody>
       </p:sp>
@@ -1062,13 +3686,18 @@
     </p:spTree>
     <p:extLst>
       <p:ext uri="{BB962C8B-B14F-4D97-AF65-F5344CB8AC3E}">
-        <p14:creationId xmlns:p14="http://schemas.microsoft.com/office/powerpoint/2010/main" val="1372949488"/>
+        <p14:creationId xmlns:p14="http://schemas.microsoft.com/office/powerpoint/2010/main" val="99568484"/>
       </p:ext>
     </p:extLst>
   </p:cSld>
   <p:clrMapOvr>
     <a:masterClrMapping/>
   </p:clrMapOvr>
+  <p:extLst>
+    <p:ext uri="{DCECCB84-F9BA-43D5-87BE-67443E8EF086}">
+      <p15:sldGuideLst xmlns:p15="http://schemas.microsoft.com/office/powerpoint/2012/main"/>
+    </p:ext>
+  </p:extLst>
 </p:sldLayout>
 </file>
 
@@ -1108,7 +3737,7 @@
               <a:rPr lang="en-US" smtClean="0"/>
               <a:t>Click to edit Master title style</a:t>
             </a:r>
-            <a:endParaRPr lang="en-US"/>
+            <a:endParaRPr lang="en-US" dirty="0"/>
           </a:p>
         </p:txBody>
       </p:sp>
@@ -1124,8 +3753,8 @@
         </p:nvSpPr>
         <p:spPr>
           <a:xfrm>
-            <a:off x="838200" y="1825625"/>
-            <a:ext cx="5181600" cy="4351338"/>
+            <a:off x="1120000" y="1825625"/>
+            <a:ext cx="5025216" cy="4351338"/>
           </a:xfrm>
         </p:spPr>
         <p:txBody>
@@ -1165,7 +3794,7 @@
               <a:rPr lang="en-US" smtClean="0"/>
               <a:t>Fifth level</a:t>
             </a:r>
-            <a:endParaRPr lang="en-US"/>
+            <a:endParaRPr lang="en-US" dirty="0"/>
           </a:p>
         </p:txBody>
       </p:sp>
@@ -1181,8 +3810,8 @@
         </p:nvSpPr>
         <p:spPr>
           <a:xfrm>
-            <a:off x="6172200" y="1825625"/>
-            <a:ext cx="5181600" cy="4351338"/>
+            <a:off x="6319840" y="1825625"/>
+            <a:ext cx="5033960" cy="4351338"/>
           </a:xfrm>
         </p:spPr>
         <p:txBody>
@@ -1222,7 +3851,7 @@
               <a:rPr lang="en-US" smtClean="0"/>
               <a:t>Fifth level</a:t>
             </a:r>
-            <a:endParaRPr lang="en-US"/>
+            <a:endParaRPr lang="en-US" dirty="0"/>
           </a:p>
         </p:txBody>
       </p:sp>
@@ -1294,7 +3923,7 @@
     </p:spTree>
     <p:extLst>
       <p:ext uri="{BB962C8B-B14F-4D97-AF65-F5344CB8AC3E}">
-        <p14:creationId xmlns:p14="http://schemas.microsoft.com/office/powerpoint/2010/main" val="450257801"/>
+        <p14:creationId xmlns:p14="http://schemas.microsoft.com/office/powerpoint/2010/main" val="609707131"/>
       </p:ext>
     </p:extLst>
   </p:cSld>
@@ -1345,7 +3974,7 @@
               <a:rPr lang="en-US" smtClean="0"/>
               <a:t>Click to edit Master title style</a:t>
             </a:r>
-            <a:endParaRPr lang="en-US"/>
+            <a:endParaRPr lang="en-US" dirty="0"/>
           </a:p>
         </p:txBody>
       </p:sp>
@@ -1361,8 +3990,8 @@
         </p:nvSpPr>
         <p:spPr>
           <a:xfrm>
-            <a:off x="839788" y="1681163"/>
-            <a:ext cx="5157787" cy="823912"/>
+            <a:off x="1120000" y="1681163"/>
+            <a:ext cx="5025216" cy="823912"/>
           </a:xfrm>
         </p:spPr>
         <p:txBody>
@@ -1370,7 +3999,34 @@
           <a:lstStyle>
             <a:lvl1pPr marL="0" indent="0">
               <a:buNone/>
-              <a:defRPr sz="2400" b="1"/>
+              <a:defRPr sz="2400" b="0">
+                <a:gradFill>
+                  <a:gsLst>
+                    <a:gs pos="15000">
+                      <a:schemeClr val="tx2"/>
+                    </a:gs>
+                    <a:gs pos="73000">
+                      <a:schemeClr val="tx2">
+                        <a:lumMod val="60000"/>
+                        <a:lumOff val="40000"/>
+                      </a:schemeClr>
+                    </a:gs>
+                    <a:gs pos="0">
+                      <a:schemeClr val="tx2">
+                        <a:lumMod val="90000"/>
+                        <a:lumOff val="10000"/>
+                      </a:schemeClr>
+                    </a:gs>
+                    <a:gs pos="100000">
+                      <a:schemeClr val="tx2">
+                        <a:lumMod val="0"/>
+                        <a:lumOff val="100000"/>
+                      </a:schemeClr>
+                    </a:gs>
+                  </a:gsLst>
+                  <a:lin ang="16200000" scaled="1"/>
+                </a:gradFill>
+              </a:defRPr>
             </a:lvl1pPr>
             <a:lvl2pPr marL="457200" indent="0">
               <a:buNone/>
@@ -1426,8 +4082,8 @@
         </p:nvSpPr>
         <p:spPr>
           <a:xfrm>
-            <a:off x="839788" y="2505075"/>
-            <a:ext cx="5157787" cy="3684588"/>
+            <a:off x="1120000" y="2505075"/>
+            <a:ext cx="5025216" cy="3684588"/>
           </a:xfrm>
         </p:spPr>
         <p:txBody>
@@ -1467,7 +4123,7 @@
               <a:rPr lang="en-US" smtClean="0"/>
               <a:t>Fifth level</a:t>
             </a:r>
-            <a:endParaRPr lang="en-US"/>
+            <a:endParaRPr lang="en-US" dirty="0"/>
           </a:p>
         </p:txBody>
       </p:sp>
@@ -1483,52 +4139,51 @@
         </p:nvSpPr>
         <p:spPr>
           <a:xfrm>
-            <a:off x="6172200" y="1681163"/>
-            <a:ext cx="5183188" cy="823912"/>
+            <a:off x="6319840" y="1681163"/>
+            <a:ext cx="5035548" cy="823912"/>
           </a:xfrm>
         </p:spPr>
         <p:txBody>
-          <a:bodyPr anchor="b"/>
+          <a:bodyPr vert="horz" lIns="91440" tIns="45720" rIns="91440" bIns="45720" rtlCol="0" anchor="b">
+            <a:normAutofit/>
+          </a:bodyPr>
           <a:lstStyle>
-            <a:lvl1pPr marL="0" indent="0">
-              <a:buNone/>
-              <a:defRPr sz="2400" b="1"/>
+            <a:lvl1pPr>
+              <a:buNone/>
+              <a:defRPr lang="en-US" sz="2400" b="0">
+                <a:gradFill>
+                  <a:gsLst>
+                    <a:gs pos="15000">
+                      <a:schemeClr val="tx2"/>
+                    </a:gs>
+                    <a:gs pos="73000">
+                      <a:schemeClr val="tx2">
+                        <a:lumMod val="60000"/>
+                        <a:lumOff val="40000"/>
+                      </a:schemeClr>
+                    </a:gs>
+                    <a:gs pos="0">
+                      <a:schemeClr val="tx2">
+                        <a:lumMod val="90000"/>
+                        <a:lumOff val="10000"/>
+                      </a:schemeClr>
+                    </a:gs>
+                    <a:gs pos="100000">
+                      <a:schemeClr val="tx2">
+                        <a:lumMod val="0"/>
+                        <a:lumOff val="100000"/>
+                      </a:schemeClr>
+                    </a:gs>
+                  </a:gsLst>
+                  <a:lin ang="16200000" scaled="1"/>
+                </a:gradFill>
+              </a:defRPr>
             </a:lvl1pPr>
-            <a:lvl2pPr marL="457200" indent="0">
-              <a:buNone/>
-              <a:defRPr sz="2000" b="1"/>
-            </a:lvl2pPr>
-            <a:lvl3pPr marL="914400" indent="0">
-              <a:buNone/>
-              <a:defRPr sz="1800" b="1"/>
-            </a:lvl3pPr>
-            <a:lvl4pPr marL="1371600" indent="0">
-              <a:buNone/>
-              <a:defRPr sz="1600" b="1"/>
-            </a:lvl4pPr>
-            <a:lvl5pPr marL="1828800" indent="0">
-              <a:buNone/>
-              <a:defRPr sz="1600" b="1"/>
-            </a:lvl5pPr>
-            <a:lvl6pPr marL="2286000" indent="0">
-              <a:buNone/>
-              <a:defRPr sz="1600" b="1"/>
-            </a:lvl6pPr>
-            <a:lvl7pPr marL="2743200" indent="0">
-              <a:buNone/>
-              <a:defRPr sz="1600" b="1"/>
-            </a:lvl7pPr>
-            <a:lvl8pPr marL="3200400" indent="0">
-              <a:buNone/>
-              <a:defRPr sz="1600" b="1"/>
-            </a:lvl8pPr>
-            <a:lvl9pPr marL="3657600" indent="0">
-              <a:buNone/>
-              <a:defRPr sz="1600" b="1"/>
-            </a:lvl9pPr>
           </a:lstStyle>
           <a:p>
-            <a:pPr lvl="0"/>
+            <a:pPr marL="0" lvl="0" indent="0">
+              <a:buNone/>
+            </a:pPr>
             <a:r>
               <a:rPr lang="en-US" smtClean="0"/>
               <a:t>Click to edit Master text styles</a:t>
@@ -1548,8 +4203,8 @@
         </p:nvSpPr>
         <p:spPr>
           <a:xfrm>
-            <a:off x="6172200" y="2505075"/>
-            <a:ext cx="5183188" cy="3684588"/>
+            <a:off x="6319840" y="2505075"/>
+            <a:ext cx="5035548" cy="3684588"/>
           </a:xfrm>
         </p:spPr>
         <p:txBody>
@@ -1589,7 +4244,7 @@
               <a:rPr lang="en-US" smtClean="0"/>
               <a:t>Fifth level</a:t>
             </a:r>
-            <a:endParaRPr lang="en-US"/>
+            <a:endParaRPr lang="en-US" dirty="0"/>
           </a:p>
         </p:txBody>
       </p:sp>
@@ -1661,7 +4316,7 @@
     </p:spTree>
     <p:extLst>
       <p:ext uri="{BB962C8B-B14F-4D97-AF65-F5344CB8AC3E}">
-        <p14:creationId xmlns:p14="http://schemas.microsoft.com/office/powerpoint/2010/main" val="1897973026"/>
+        <p14:creationId xmlns:p14="http://schemas.microsoft.com/office/powerpoint/2010/main" val="107939561"/>
       </p:ext>
     </p:extLst>
   </p:cSld>
@@ -1707,7 +4362,7 @@
               <a:rPr lang="en-US" smtClean="0"/>
               <a:t>Click to edit Master title style</a:t>
             </a:r>
-            <a:endParaRPr lang="en-US"/>
+            <a:endParaRPr lang="en-US" dirty="0"/>
           </a:p>
         </p:txBody>
       </p:sp>
@@ -1779,7 +4434,7 @@
     </p:spTree>
     <p:extLst>
       <p:ext uri="{BB962C8B-B14F-4D97-AF65-F5344CB8AC3E}">
-        <p14:creationId xmlns:p14="http://schemas.microsoft.com/office/powerpoint/2010/main" val="510555444"/>
+        <p14:creationId xmlns:p14="http://schemas.microsoft.com/office/powerpoint/2010/main" val="44804919"/>
       </p:ext>
     </p:extLst>
   </p:cSld>
@@ -1874,7 +4529,7 @@
     </p:spTree>
     <p:extLst>
       <p:ext uri="{BB962C8B-B14F-4D97-AF65-F5344CB8AC3E}">
-        <p14:creationId xmlns:p14="http://schemas.microsoft.com/office/powerpoint/2010/main" val="1708177543"/>
+        <p14:creationId xmlns:p14="http://schemas.microsoft.com/office/powerpoint/2010/main" val="1029621931"/>
       </p:ext>
     </p:extLst>
   </p:cSld>
@@ -1929,7 +4584,7 @@
               <a:rPr lang="en-US" smtClean="0"/>
               <a:t>Click to edit Master title style</a:t>
             </a:r>
-            <a:endParaRPr lang="en-US"/>
+            <a:endParaRPr lang="en-US" dirty="0"/>
           </a:p>
         </p:txBody>
       </p:sp>
@@ -1951,35 +4606,7 @@
         </p:spPr>
         <p:txBody>
           <a:bodyPr/>
-          <a:lstStyle>
-            <a:lvl1pPr>
-              <a:defRPr sz="3200"/>
-            </a:lvl1pPr>
-            <a:lvl2pPr>
-              <a:defRPr sz="2800"/>
-            </a:lvl2pPr>
-            <a:lvl3pPr>
-              <a:defRPr sz="2400"/>
-            </a:lvl3pPr>
-            <a:lvl4pPr>
-              <a:defRPr sz="2000"/>
-            </a:lvl4pPr>
-            <a:lvl5pPr>
-              <a:defRPr sz="2000"/>
-            </a:lvl5pPr>
-            <a:lvl6pPr>
-              <a:defRPr sz="2000"/>
-            </a:lvl6pPr>
-            <a:lvl7pPr>
-              <a:defRPr sz="2000"/>
-            </a:lvl7pPr>
-            <a:lvl8pPr>
-              <a:defRPr sz="2000"/>
-            </a:lvl8pPr>
-            <a:lvl9pPr>
-              <a:defRPr sz="2000"/>
-            </a:lvl9pPr>
-          </a:lstStyle>
+          <a:lstStyle/>
           <a:p>
             <a:pPr lvl="0"/>
             <a:r>
@@ -2014,7 +4641,7 @@
               <a:rPr lang="en-US" smtClean="0"/>
               <a:t>Fifth level</a:t>
             </a:r>
-            <a:endParaRPr lang="en-US"/>
+            <a:endParaRPr lang="en-US" dirty="0"/>
           </a:p>
         </p:txBody>
       </p:sp>
@@ -2030,8 +4657,8 @@
         </p:nvSpPr>
         <p:spPr>
           <a:xfrm>
-            <a:off x="839788" y="2057400"/>
-            <a:ext cx="3932237" cy="3811588"/>
+            <a:off x="1120000" y="2057400"/>
+            <a:ext cx="3652025" cy="3811588"/>
           </a:xfrm>
         </p:spPr>
         <p:txBody>
@@ -2039,7 +4666,31 @@
           <a:lstStyle>
             <a:lvl1pPr marL="0" indent="0">
               <a:buNone/>
-              <a:defRPr sz="1600"/>
+              <a:defRPr sz="1600">
+                <a:gradFill>
+                  <a:gsLst>
+                    <a:gs pos="15000">
+                      <a:schemeClr val="tx2"/>
+                    </a:gs>
+                    <a:gs pos="73000">
+                      <a:schemeClr val="tx2">
+                        <a:lumMod val="60000"/>
+                        <a:lumOff val="40000"/>
+                      </a:schemeClr>
+                    </a:gs>
+                    <a:gs pos="0">
+                      <a:schemeClr val="tx1"/>
+                    </a:gs>
+                    <a:gs pos="100000">
+                      <a:schemeClr val="tx2">
+                        <a:lumMod val="0"/>
+                        <a:lumOff val="100000"/>
+                      </a:schemeClr>
+                    </a:gs>
+                  </a:gsLst>
+                  <a:lin ang="16200000" scaled="1"/>
+                </a:gradFill>
+              </a:defRPr>
             </a:lvl1pPr>
             <a:lvl2pPr marL="457200" indent="0">
               <a:buNone/>
@@ -2151,7 +4802,7 @@
     </p:spTree>
     <p:extLst>
       <p:ext uri="{BB962C8B-B14F-4D97-AF65-F5344CB8AC3E}">
-        <p14:creationId xmlns:p14="http://schemas.microsoft.com/office/powerpoint/2010/main" val="1778572105"/>
+        <p14:creationId xmlns:p14="http://schemas.microsoft.com/office/powerpoint/2010/main" val="838139053"/>
       </p:ext>
     </p:extLst>
   </p:cSld>
@@ -2206,7 +4857,7 @@
               <a:rPr lang="en-US" smtClean="0"/>
               <a:t>Click to edit Master title style</a:t>
             </a:r>
-            <a:endParaRPr lang="en-US"/>
+            <a:endParaRPr lang="en-US" dirty="0"/>
           </a:p>
         </p:txBody>
       </p:sp>
@@ -2214,7 +4865,7 @@
         <p:nvSpPr>
           <p:cNvPr id="3" name="Picture Placeholder 2"/>
           <p:cNvSpPr>
-            <a:spLocks noGrp="1"/>
+            <a:spLocks noGrp="1" noChangeAspect="1"/>
           </p:cNvSpPr>
           <p:nvPr>
             <p:ph type="pic" idx="1"/>
@@ -2227,7 +4878,7 @@
           </a:xfrm>
         </p:spPr>
         <p:txBody>
-          <a:bodyPr/>
+          <a:bodyPr anchor="t"/>
           <a:lstStyle>
             <a:lvl1pPr marL="0" indent="0">
               <a:buNone/>
@@ -2267,7 +4918,11 @@
             </a:lvl9pPr>
           </a:lstStyle>
           <a:p>
-            <a:endParaRPr lang="en-US"/>
+            <a:r>
+              <a:rPr lang="en-US" smtClean="0"/>
+              <a:t>Drag picture to placeholder or click icon to add</a:t>
+            </a:r>
+            <a:endParaRPr lang="en-US" dirty="0"/>
           </a:p>
         </p:txBody>
       </p:sp>
@@ -2283,8 +4938,8 @@
         </p:nvSpPr>
         <p:spPr>
           <a:xfrm>
-            <a:off x="839788" y="2057400"/>
-            <a:ext cx="3932237" cy="3811588"/>
+            <a:off x="1120000" y="2057400"/>
+            <a:ext cx="3652025" cy="3811588"/>
           </a:xfrm>
         </p:spPr>
         <p:txBody>
@@ -2292,7 +4947,31 @@
           <a:lstStyle>
             <a:lvl1pPr marL="0" indent="0">
               <a:buNone/>
-              <a:defRPr sz="1600"/>
+              <a:defRPr sz="1600">
+                <a:gradFill>
+                  <a:gsLst>
+                    <a:gs pos="15000">
+                      <a:schemeClr val="tx2"/>
+                    </a:gs>
+                    <a:gs pos="73000">
+                      <a:schemeClr val="tx2">
+                        <a:lumMod val="60000"/>
+                        <a:lumOff val="40000"/>
+                      </a:schemeClr>
+                    </a:gs>
+                    <a:gs pos="0">
+                      <a:schemeClr val="tx1"/>
+                    </a:gs>
+                    <a:gs pos="100000">
+                      <a:schemeClr val="tx2">
+                        <a:lumMod val="0"/>
+                        <a:lumOff val="100000"/>
+                      </a:schemeClr>
+                    </a:gs>
+                  </a:gsLst>
+                  <a:lin ang="16200000" scaled="1"/>
+                </a:gradFill>
+              </a:defRPr>
             </a:lvl1pPr>
             <a:lvl2pPr marL="457200" indent="0">
               <a:buNone/>
@@ -2404,7 +5083,7 @@
     </p:spTree>
     <p:extLst>
       <p:ext uri="{BB962C8B-B14F-4D97-AF65-F5344CB8AC3E}">
-        <p14:creationId xmlns:p14="http://schemas.microsoft.com/office/powerpoint/2010/main" val="1636486142"/>
+        <p14:creationId xmlns:p14="http://schemas.microsoft.com/office/powerpoint/2010/main" val="1199420528"/>
       </p:ext>
     </p:extLst>
   </p:cSld>
@@ -2418,9 +5097,18 @@
 <p:sldMaster xmlns:a="http://schemas.openxmlformats.org/drawingml/2006/main" xmlns:r="http://schemas.openxmlformats.org/officeDocument/2006/relationships" xmlns:p="http://schemas.openxmlformats.org/presentationml/2006/main">
   <p:cSld>
     <p:bg>
-      <p:bgRef idx="1001">
-        <a:schemeClr val="bg1"/>
-      </p:bgRef>
+      <p:bgPr>
+        <a:blipFill dpi="0" rotWithShape="1">
+          <a:blip r:embed="rId19">
+            <a:lum/>
+          </a:blip>
+          <a:srcRect/>
+          <a:stretch>
+            <a:fillRect/>
+          </a:stretch>
+        </a:blipFill>
+        <a:effectLst/>
+      </p:bgPr>
     </p:bg>
     <p:spTree>
       <p:nvGrpSpPr>
@@ -2465,7 +5153,7 @@
               <a:rPr lang="en-US" smtClean="0"/>
               <a:t>Click to edit Master title style</a:t>
             </a:r>
-            <a:endParaRPr lang="en-US"/>
+            <a:endParaRPr lang="en-US" dirty="0"/>
           </a:p>
         </p:txBody>
       </p:sp>
@@ -2481,8 +5169,8 @@
         </p:nvSpPr>
         <p:spPr>
           <a:xfrm>
-            <a:off x="838200" y="1825625"/>
-            <a:ext cx="10515600" cy="4351338"/>
+            <a:off x="1120000" y="1825625"/>
+            <a:ext cx="10233800" cy="4351338"/>
           </a:xfrm>
           <a:prstGeom prst="rect">
             <a:avLst/>
@@ -2527,7 +5215,7 @@
               <a:rPr lang="en-US" smtClean="0"/>
               <a:t>Fifth level</a:t>
             </a:r>
-            <a:endParaRPr lang="en-US"/>
+            <a:endParaRPr lang="en-US" dirty="0"/>
           </a:p>
         </p:txBody>
       </p:sp>
@@ -2555,11 +5243,29 @@
           <a:lstStyle>
             <a:lvl1pPr algn="l">
               <a:defRPr sz="1200">
-                <a:solidFill>
-                  <a:schemeClr val="tx1">
-                    <a:tint val="75000"/>
-                  </a:schemeClr>
-                </a:solidFill>
+                <a:gradFill flip="none" rotWithShape="1">
+                  <a:gsLst>
+                    <a:gs pos="28000">
+                      <a:schemeClr val="tx1">
+                        <a:lumMod val="93000"/>
+                      </a:schemeClr>
+                    </a:gs>
+                    <a:gs pos="0">
+                      <a:schemeClr val="bg1">
+                        <a:lumMod val="38000"/>
+                        <a:lumOff val="62000"/>
+                      </a:schemeClr>
+                    </a:gs>
+                    <a:gs pos="100000">
+                      <a:schemeClr val="tx2">
+                        <a:lumMod val="0"/>
+                        <a:lumOff val="100000"/>
+                      </a:schemeClr>
+                    </a:gs>
+                  </a:gsLst>
+                  <a:lin ang="5400000" scaled="1"/>
+                  <a:tileRect/>
+                </a:gradFill>
               </a:defRPr>
             </a:lvl1pPr>
           </a:lstStyle>
@@ -2596,11 +5302,29 @@
           <a:lstStyle>
             <a:lvl1pPr algn="ctr">
               <a:defRPr sz="1200">
-                <a:solidFill>
-                  <a:schemeClr val="tx1">
-                    <a:tint val="75000"/>
-                  </a:schemeClr>
-                </a:solidFill>
+                <a:gradFill flip="none" rotWithShape="1">
+                  <a:gsLst>
+                    <a:gs pos="28000">
+                      <a:schemeClr val="tx1">
+                        <a:lumMod val="93000"/>
+                      </a:schemeClr>
+                    </a:gs>
+                    <a:gs pos="0">
+                      <a:schemeClr val="bg1">
+                        <a:lumMod val="38000"/>
+                        <a:lumOff val="62000"/>
+                      </a:schemeClr>
+                    </a:gs>
+                    <a:gs pos="100000">
+                      <a:schemeClr val="tx2">
+                        <a:lumMod val="0"/>
+                        <a:lumOff val="100000"/>
+                      </a:schemeClr>
+                    </a:gs>
+                  </a:gsLst>
+                  <a:lin ang="5400000" scaled="1"/>
+                  <a:tileRect/>
+                </a:gradFill>
               </a:defRPr>
             </a:lvl1pPr>
           </a:lstStyle>
@@ -2633,11 +5357,29 @@
           <a:lstStyle>
             <a:lvl1pPr algn="r">
               <a:defRPr sz="1200">
-                <a:solidFill>
-                  <a:schemeClr val="tx1">
-                    <a:tint val="75000"/>
-                  </a:schemeClr>
-                </a:solidFill>
+                <a:gradFill flip="none" rotWithShape="1">
+                  <a:gsLst>
+                    <a:gs pos="28000">
+                      <a:schemeClr val="tx1">
+                        <a:lumMod val="93000"/>
+                      </a:schemeClr>
+                    </a:gs>
+                    <a:gs pos="0">
+                      <a:schemeClr val="bg1">
+                        <a:lumMod val="38000"/>
+                        <a:lumOff val="62000"/>
+                      </a:schemeClr>
+                    </a:gs>
+                    <a:gs pos="100000">
+                      <a:schemeClr val="tx2">
+                        <a:lumMod val="0"/>
+                        <a:lumOff val="100000"/>
+                      </a:schemeClr>
+                    </a:gs>
+                  </a:gsLst>
+                  <a:lin ang="5400000" scaled="1"/>
+                  <a:tileRect/>
+                </a:gradFill>
               </a:defRPr>
             </a:lvl1pPr>
           </a:lstStyle>
@@ -2653,23 +5395,29 @@
     </p:spTree>
     <p:extLst>
       <p:ext uri="{BB962C8B-B14F-4D97-AF65-F5344CB8AC3E}">
-        <p14:creationId xmlns:p14="http://schemas.microsoft.com/office/powerpoint/2010/main" val="94855892"/>
+        <p14:creationId xmlns:p14="http://schemas.microsoft.com/office/powerpoint/2010/main" val="1076919591"/>
       </p:ext>
     </p:extLst>
   </p:cSld>
-  <p:clrMap bg1="lt1" tx1="dk1" bg2="lt2" tx2="dk2" accent1="accent1" accent2="accent2" accent3="accent3" accent4="accent4" accent5="accent5" accent6="accent6" hlink="hlink" folHlink="folHlink"/>
+  <p:clrMap bg1="dk1" tx1="lt1" bg2="dk2" tx2="lt2" accent1="accent1" accent2="accent2" accent3="accent3" accent4="accent4" accent5="accent5" accent6="accent6" hlink="hlink" folHlink="folHlink"/>
   <p:sldLayoutIdLst>
-    <p:sldLayoutId id="2147483649" r:id="rId1"/>
-    <p:sldLayoutId id="2147483650" r:id="rId2"/>
-    <p:sldLayoutId id="2147483651" r:id="rId3"/>
-    <p:sldLayoutId id="2147483652" r:id="rId4"/>
-    <p:sldLayoutId id="2147483653" r:id="rId5"/>
-    <p:sldLayoutId id="2147483654" r:id="rId6"/>
-    <p:sldLayoutId id="2147483655" r:id="rId7"/>
-    <p:sldLayoutId id="2147483656" r:id="rId8"/>
-    <p:sldLayoutId id="2147483657" r:id="rId9"/>
-    <p:sldLayoutId id="2147483658" r:id="rId10"/>
-    <p:sldLayoutId id="2147483659" r:id="rId11"/>
+    <p:sldLayoutId id="2147483829" r:id="rId1"/>
+    <p:sldLayoutId id="2147483830" r:id="rId2"/>
+    <p:sldLayoutId id="2147483831" r:id="rId3"/>
+    <p:sldLayoutId id="2147483832" r:id="rId4"/>
+    <p:sldLayoutId id="2147483833" r:id="rId5"/>
+    <p:sldLayoutId id="2147483834" r:id="rId6"/>
+    <p:sldLayoutId id="2147483835" r:id="rId7"/>
+    <p:sldLayoutId id="2147483836" r:id="rId8"/>
+    <p:sldLayoutId id="2147483837" r:id="rId9"/>
+    <p:sldLayoutId id="2147483838" r:id="rId10"/>
+    <p:sldLayoutId id="2147483839" r:id="rId11"/>
+    <p:sldLayoutId id="2147483840" r:id="rId12"/>
+    <p:sldLayoutId id="2147483841" r:id="rId13"/>
+    <p:sldLayoutId id="2147483842" r:id="rId14"/>
+    <p:sldLayoutId id="2147483843" r:id="rId15"/>
+    <p:sldLayoutId id="2147483844" r:id="rId16"/>
+    <p:sldLayoutId id="2147483845" r:id="rId17"/>
   </p:sldLayoutIdLst>
   <p:txStyles>
     <p:titleStyle>
@@ -2681,10 +5429,30 @@
           <a:spcPct val="0"/>
         </a:spcBef>
         <a:buNone/>
-        <a:defRPr sz="4400" kern="1200">
-          <a:solidFill>
-            <a:schemeClr val="tx1"/>
-          </a:solidFill>
+        <a:defRPr sz="5400" b="0" kern="1200">
+          <a:gradFill flip="none" rotWithShape="1">
+            <a:gsLst>
+              <a:gs pos="28000">
+                <a:schemeClr val="tx1">
+                  <a:lumMod val="93000"/>
+                </a:schemeClr>
+              </a:gs>
+              <a:gs pos="0">
+                <a:schemeClr val="bg1">
+                  <a:lumMod val="25000"/>
+                  <a:lumOff val="75000"/>
+                </a:schemeClr>
+              </a:gs>
+              <a:gs pos="100000">
+                <a:schemeClr val="tx2">
+                  <a:lumMod val="0"/>
+                  <a:lumOff val="100000"/>
+                </a:schemeClr>
+              </a:gs>
+            </a:gsLst>
+            <a:lin ang="4800000" scaled="0"/>
+            <a:tileRect/>
+          </a:gradFill>
           <a:latin typeface="+mj-lt"/>
           <a:ea typeface="+mj-ea"/>
           <a:cs typeface="+mj-cs"/>
@@ -2699,12 +5467,31 @@
         <a:spcBef>
           <a:spcPts val="1000"/>
         </a:spcBef>
-        <a:buFont typeface="Arial"/>
+        <a:buFont typeface="Arial" panose="020B0604020202020204" pitchFamily="34" charset="0"/>
         <a:buChar char="•"/>
         <a:defRPr sz="2800" kern="1200">
-          <a:solidFill>
-            <a:schemeClr val="tx1"/>
-          </a:solidFill>
+          <a:gradFill>
+            <a:gsLst>
+              <a:gs pos="34000">
+                <a:schemeClr val="tx1">
+                  <a:lumMod val="93000"/>
+                </a:schemeClr>
+              </a:gs>
+              <a:gs pos="0">
+                <a:schemeClr val="bg1">
+                  <a:lumMod val="25000"/>
+                  <a:lumOff val="75000"/>
+                </a:schemeClr>
+              </a:gs>
+              <a:gs pos="100000">
+                <a:schemeClr val="tx2">
+                  <a:lumMod val="0"/>
+                  <a:lumOff val="100000"/>
+                </a:schemeClr>
+              </a:gs>
+            </a:gsLst>
+            <a:lin ang="4800000" scaled="0"/>
+          </a:gradFill>
           <a:latin typeface="+mn-lt"/>
           <a:ea typeface="+mn-ea"/>
           <a:cs typeface="+mn-cs"/>
@@ -2717,12 +5504,31 @@
         <a:spcBef>
           <a:spcPts val="500"/>
         </a:spcBef>
-        <a:buFont typeface="Arial"/>
+        <a:buFont typeface="Arial" panose="020B0604020202020204" pitchFamily="34" charset="0"/>
         <a:buChar char="•"/>
         <a:defRPr sz="2400" kern="1200">
-          <a:solidFill>
-            <a:schemeClr val="tx1"/>
-          </a:solidFill>
+          <a:gradFill>
+            <a:gsLst>
+              <a:gs pos="34000">
+                <a:schemeClr val="tx1">
+                  <a:lumMod val="93000"/>
+                </a:schemeClr>
+              </a:gs>
+              <a:gs pos="0">
+                <a:schemeClr val="bg1">
+                  <a:lumMod val="25000"/>
+                  <a:lumOff val="75000"/>
+                </a:schemeClr>
+              </a:gs>
+              <a:gs pos="100000">
+                <a:schemeClr val="tx2">
+                  <a:lumMod val="0"/>
+                  <a:lumOff val="100000"/>
+                </a:schemeClr>
+              </a:gs>
+            </a:gsLst>
+            <a:lin ang="4800000" scaled="0"/>
+          </a:gradFill>
           <a:latin typeface="+mn-lt"/>
           <a:ea typeface="+mn-ea"/>
           <a:cs typeface="+mn-cs"/>
@@ -2735,12 +5541,31 @@
         <a:spcBef>
           <a:spcPts val="500"/>
         </a:spcBef>
-        <a:buFont typeface="Arial"/>
+        <a:buFont typeface="Arial" panose="020B0604020202020204" pitchFamily="34" charset="0"/>
         <a:buChar char="•"/>
         <a:defRPr sz="2000" kern="1200">
-          <a:solidFill>
-            <a:schemeClr val="tx1"/>
-          </a:solidFill>
+          <a:gradFill>
+            <a:gsLst>
+              <a:gs pos="34000">
+                <a:schemeClr val="tx1">
+                  <a:lumMod val="93000"/>
+                </a:schemeClr>
+              </a:gs>
+              <a:gs pos="0">
+                <a:schemeClr val="bg1">
+                  <a:lumMod val="25000"/>
+                  <a:lumOff val="75000"/>
+                </a:schemeClr>
+              </a:gs>
+              <a:gs pos="100000">
+                <a:schemeClr val="tx2">
+                  <a:lumMod val="0"/>
+                  <a:lumOff val="100000"/>
+                </a:schemeClr>
+              </a:gs>
+            </a:gsLst>
+            <a:lin ang="4800000" scaled="0"/>
+          </a:gradFill>
           <a:latin typeface="+mn-lt"/>
           <a:ea typeface="+mn-ea"/>
           <a:cs typeface="+mn-cs"/>
@@ -2753,12 +5578,31 @@
         <a:spcBef>
           <a:spcPts val="500"/>
         </a:spcBef>
-        <a:buFont typeface="Arial"/>
+        <a:buFont typeface="Arial" panose="020B0604020202020204" pitchFamily="34" charset="0"/>
         <a:buChar char="•"/>
         <a:defRPr sz="1800" kern="1200">
-          <a:solidFill>
-            <a:schemeClr val="tx1"/>
-          </a:solidFill>
+          <a:gradFill>
+            <a:gsLst>
+              <a:gs pos="34000">
+                <a:schemeClr val="tx1">
+                  <a:lumMod val="93000"/>
+                </a:schemeClr>
+              </a:gs>
+              <a:gs pos="0">
+                <a:schemeClr val="bg1">
+                  <a:lumMod val="25000"/>
+                  <a:lumOff val="75000"/>
+                </a:schemeClr>
+              </a:gs>
+              <a:gs pos="100000">
+                <a:schemeClr val="tx2">
+                  <a:lumMod val="0"/>
+                  <a:lumOff val="100000"/>
+                </a:schemeClr>
+              </a:gs>
+            </a:gsLst>
+            <a:lin ang="4800000" scaled="0"/>
+          </a:gradFill>
           <a:latin typeface="+mn-lt"/>
           <a:ea typeface="+mn-ea"/>
           <a:cs typeface="+mn-cs"/>
@@ -2771,12 +5615,31 @@
         <a:spcBef>
           <a:spcPts val="500"/>
         </a:spcBef>
-        <a:buFont typeface="Arial"/>
+        <a:buFont typeface="Arial" panose="020B0604020202020204" pitchFamily="34" charset="0"/>
         <a:buChar char="•"/>
         <a:defRPr sz="1800" kern="1200">
-          <a:solidFill>
-            <a:schemeClr val="tx1"/>
-          </a:solidFill>
+          <a:gradFill>
+            <a:gsLst>
+              <a:gs pos="34000">
+                <a:schemeClr val="tx1">
+                  <a:lumMod val="93000"/>
+                </a:schemeClr>
+              </a:gs>
+              <a:gs pos="0">
+                <a:schemeClr val="bg1">
+                  <a:lumMod val="25000"/>
+                  <a:lumOff val="75000"/>
+                </a:schemeClr>
+              </a:gs>
+              <a:gs pos="100000">
+                <a:schemeClr val="tx2">
+                  <a:lumMod val="0"/>
+                  <a:lumOff val="100000"/>
+                </a:schemeClr>
+              </a:gs>
+            </a:gsLst>
+            <a:lin ang="4800000" scaled="0"/>
+          </a:gradFill>
           <a:latin typeface="+mn-lt"/>
           <a:ea typeface="+mn-ea"/>
           <a:cs typeface="+mn-cs"/>
@@ -2789,7 +5652,7 @@
         <a:spcBef>
           <a:spcPts val="500"/>
         </a:spcBef>
-        <a:buFont typeface="Arial"/>
+        <a:buFont typeface="Arial" panose="020B0604020202020204" pitchFamily="34" charset="0"/>
         <a:buChar char="•"/>
         <a:defRPr sz="1800" kern="1200">
           <a:solidFill>
@@ -2807,7 +5670,7 @@
         <a:spcBef>
           <a:spcPts val="500"/>
         </a:spcBef>
-        <a:buFont typeface="Arial"/>
+        <a:buFont typeface="Arial" panose="020B0604020202020204" pitchFamily="34" charset="0"/>
         <a:buChar char="•"/>
         <a:defRPr sz="1800" kern="1200">
           <a:solidFill>
@@ -2825,7 +5688,7 @@
         <a:spcBef>
           <a:spcPts val="500"/>
         </a:spcBef>
-        <a:buFont typeface="Arial"/>
+        <a:buFont typeface="Arial" panose="020B0604020202020204" pitchFamily="34" charset="0"/>
         <a:buChar char="•"/>
         <a:defRPr sz="1800" kern="1200">
           <a:solidFill>
@@ -2843,7 +5706,7 @@
         <a:spcBef>
           <a:spcPts val="500"/>
         </a:spcBef>
-        <a:buFont typeface="Arial"/>
+        <a:buFont typeface="Arial" panose="020B0604020202020204" pitchFamily="34" charset="0"/>
         <a:buChar char="•"/>
         <a:defRPr sz="1800" kern="1200">
           <a:solidFill>
@@ -2951,6 +5814,11 @@
       </a:lvl9pPr>
     </p:otherStyle>
   </p:txStyles>
+  <p:extLst>
+    <p:ext uri="{27BBF7A9-308A-43DC-89C8-2F10F3537804}">
+      <p15:sldGuideLst xmlns:p15="http://schemas.microsoft.com/office/powerpoint/2012/main"/>
+    </p:ext>
+  </p:extLst>
 </p:sldMaster>
 </file>
 
@@ -3034,8 +5902,8 @@
         </p:nvSpPr>
         <p:spPr bwMode="auto">
           <a:xfrm>
-            <a:off x="1853289" y="486379"/>
-            <a:ext cx="10139495" cy="1754326"/>
+            <a:off x="2586641" y="489239"/>
+            <a:ext cx="9204614" cy="1754326"/>
           </a:xfrm>
           <a:prstGeom prst="rect">
             <a:avLst/>
@@ -3220,13 +6088,40 @@
               <a:buNone/>
             </a:pPr>
             <a:r>
-              <a:rPr lang="en-US" altLang="en-US" sz="6000" dirty="0" smtClean="0">
+              <a:rPr lang="en-US" altLang="en-US" sz="6000" smtClean="0">
                 <a:solidFill>
                   <a:srgbClr val="FFFFFF"/>
                 </a:solidFill>
                 <a:latin typeface="Arial Rounded MT Bold" charset="0"/>
               </a:rPr>
-              <a:t>The making of a good sleep habit?</a:t>
+              <a:t>What Makes a </a:t>
+            </a:r>
+            <a:r>
+              <a:rPr lang="en-US" altLang="en-US" sz="6000" dirty="0" smtClean="0">
+                <a:solidFill>
+                  <a:srgbClr val="FFFFFF"/>
+                </a:solidFill>
+                <a:latin typeface="Arial Rounded MT Bold" charset="0"/>
+              </a:rPr>
+              <a:t>Good </a:t>
+            </a:r>
+            <a:r>
+              <a:rPr lang="en-US" altLang="en-US" sz="6000" dirty="0">
+                <a:solidFill>
+                  <a:srgbClr val="FFFFFF"/>
+                </a:solidFill>
+                <a:latin typeface="Arial Rounded MT Bold" charset="0"/>
+              </a:rPr>
+              <a:t>S</a:t>
+            </a:r>
+            <a:r>
+              <a:rPr lang="en-US" altLang="en-US" sz="6000" dirty="0" smtClean="0">
+                <a:solidFill>
+                  <a:srgbClr val="FFFFFF"/>
+                </a:solidFill>
+                <a:latin typeface="Arial Rounded MT Bold" charset="0"/>
+              </a:rPr>
+              <a:t>leep Habit</a:t>
             </a:r>
             <a:endParaRPr lang="en-US" altLang="en-US" sz="6000" dirty="0">
               <a:solidFill>
@@ -3301,8 +6196,8 @@
         </p:nvSpPr>
         <p:spPr bwMode="auto">
           <a:xfrm>
-            <a:off x="3125729" y="2382241"/>
-            <a:ext cx="8867055" cy="904863"/>
+            <a:off x="1250893" y="2419373"/>
+            <a:ext cx="5037611" cy="769441"/>
           </a:xfrm>
           <a:prstGeom prst="rect">
             <a:avLst/>
@@ -3487,15 +6382,15 @@
               <a:buNone/>
             </a:pPr>
             <a:r>
-              <a:rPr lang="en-US" altLang="en-US" sz="1600" b="1" dirty="0" smtClean="0">
+              <a:rPr lang="en-US" altLang="en-US" sz="2000" b="1" dirty="0" smtClean="0">
                 <a:solidFill>
                   <a:srgbClr val="FFFFFF"/>
                 </a:solidFill>
                 <a:latin typeface="Century Gothic" charset="0"/>
               </a:rPr>
-              <a:t>The NHS report showed that a poor night’s sleep can be associated with both intermediate mental problems (loss focus &amp; short temper) and long-term health problems (diabetes &amp; heart stroke) *</a:t>
+              <a:t>How much does alcohol consumption hurt our sleep?</a:t>
             </a:r>
-            <a:endParaRPr lang="en-US" altLang="en-US" sz="1600" b="1" dirty="0">
+            <a:endParaRPr lang="en-US" altLang="en-US" sz="2000" b="1" dirty="0">
               <a:solidFill>
                 <a:srgbClr val="FFFFFF"/>
               </a:solidFill>
@@ -8169,36 +11064,6 @@
       </p:sp>
       <p:pic>
         <p:nvPicPr>
-          <p:cNvPr id="69" name="Picture 68"/>
-          <p:cNvPicPr>
-            <a:picLocks noChangeAspect="1"/>
-          </p:cNvPicPr>
-          <p:nvPr/>
-        </p:nvPicPr>
-        <p:blipFill>
-          <a:blip r:embed="rId3">
-            <a:extLst>
-              <a:ext uri="{28A0092B-C50C-407E-A947-70E740481C1C}">
-                <a14:useLocalDpi xmlns:a14="http://schemas.microsoft.com/office/drawing/2010/main" val="0"/>
-              </a:ext>
-            </a:extLst>
-          </a:blip>
-          <a:stretch>
-            <a:fillRect/>
-          </a:stretch>
-        </p:blipFill>
-        <p:spPr>
-          <a:xfrm>
-            <a:off x="347441" y="964101"/>
-            <a:ext cx="1142922" cy="1080807"/>
-          </a:xfrm>
-          <a:prstGeom prst="rect">
-            <a:avLst/>
-          </a:prstGeom>
-        </p:spPr>
-      </p:pic>
-      <p:pic>
-        <p:nvPicPr>
           <p:cNvPr id="70" name="Picture 69"/>
           <p:cNvPicPr>
             <a:picLocks noChangeAspect="1"/>
@@ -8219,8 +11084,890 @@
         </p:blipFill>
         <p:spPr>
           <a:xfrm>
-            <a:off x="1239173" y="1516217"/>
-            <a:ext cx="1197262" cy="1132194"/>
+            <a:off x="394897" y="3175480"/>
+            <a:ext cx="621257" cy="587493"/>
+          </a:xfrm>
+          <a:prstGeom prst="rect">
+            <a:avLst/>
+          </a:prstGeom>
+        </p:spPr>
+      </p:pic>
+      <p:sp>
+        <p:nvSpPr>
+          <p:cNvPr id="73" name="TextBox 7"/>
+          <p:cNvSpPr txBox="1">
+            <a:spLocks noChangeArrowheads="1"/>
+          </p:cNvSpPr>
+          <p:nvPr/>
+        </p:nvSpPr>
+        <p:spPr bwMode="auto">
+          <a:xfrm>
+            <a:off x="1208701" y="3169775"/>
+            <a:ext cx="5011520" cy="769441"/>
+          </a:xfrm>
+          <a:prstGeom prst="rect">
+            <a:avLst/>
+          </a:prstGeom>
+          <a:noFill/>
+          <a:ln>
+            <a:noFill/>
+          </a:ln>
+          <a:extLst>
+            <a:ext uri="{909E8E84-426E-40DD-AFC4-6F175D3DCCD1}">
+              <a14:hiddenFill xmlns:a14="http://schemas.microsoft.com/office/drawing/2010/main">
+                <a:solidFill>
+                  <a:srgbClr val="FFFFFF"/>
+                </a:solidFill>
+              </a14:hiddenFill>
+            </a:ext>
+            <a:ext uri="{91240B29-F687-4F45-9708-019B960494DF}">
+              <a14:hiddenLine xmlns:a14="http://schemas.microsoft.com/office/drawing/2010/main" w="9525">
+                <a:solidFill>
+                  <a:srgbClr val="000000"/>
+                </a:solidFill>
+                <a:miter lim="800000"/>
+                <a:headEnd/>
+                <a:tailEnd/>
+              </a14:hiddenLine>
+            </a:ext>
+          </a:extLst>
+        </p:spPr>
+        <p:txBody>
+          <a:bodyPr wrap="square">
+            <a:spAutoFit/>
+          </a:bodyPr>
+          <a:lstStyle>
+            <a:lvl1pPr>
+              <a:spcBef>
+                <a:spcPct val="20000"/>
+              </a:spcBef>
+              <a:buFont typeface="Arial" charset="0"/>
+              <a:buChar char="•"/>
+              <a:defRPr sz="3200">
+                <a:solidFill>
+                  <a:schemeClr val="tx1"/>
+                </a:solidFill>
+                <a:latin typeface="Calibri" charset="0"/>
+                <a:ea typeface="ＭＳ Ｐゴシック" charset="-128"/>
+              </a:defRPr>
+            </a:lvl1pPr>
+            <a:lvl2pPr marL="742950" indent="-285750">
+              <a:spcBef>
+                <a:spcPct val="20000"/>
+              </a:spcBef>
+              <a:buFont typeface="Arial" charset="0"/>
+              <a:buChar char="–"/>
+              <a:defRPr sz="2800">
+                <a:solidFill>
+                  <a:schemeClr val="tx1"/>
+                </a:solidFill>
+                <a:latin typeface="Calibri" charset="0"/>
+                <a:ea typeface="ＭＳ Ｐゴシック" charset="-128"/>
+              </a:defRPr>
+            </a:lvl2pPr>
+            <a:lvl3pPr marL="1143000" indent="-228600">
+              <a:spcBef>
+                <a:spcPct val="20000"/>
+              </a:spcBef>
+              <a:buFont typeface="Arial" charset="0"/>
+              <a:buChar char="•"/>
+              <a:defRPr sz="2400">
+                <a:solidFill>
+                  <a:schemeClr val="tx1"/>
+                </a:solidFill>
+                <a:latin typeface="Calibri" charset="0"/>
+                <a:ea typeface="ＭＳ Ｐゴシック" charset="-128"/>
+              </a:defRPr>
+            </a:lvl3pPr>
+            <a:lvl4pPr marL="1600200" indent="-228600">
+              <a:spcBef>
+                <a:spcPct val="20000"/>
+              </a:spcBef>
+              <a:buFont typeface="Arial" charset="0"/>
+              <a:buChar char="–"/>
+              <a:defRPr sz="2000">
+                <a:solidFill>
+                  <a:schemeClr val="tx1"/>
+                </a:solidFill>
+                <a:latin typeface="Calibri" charset="0"/>
+                <a:ea typeface="ＭＳ Ｐゴシック" charset="-128"/>
+              </a:defRPr>
+            </a:lvl4pPr>
+            <a:lvl5pPr marL="2057400" indent="-228600">
+              <a:spcBef>
+                <a:spcPct val="20000"/>
+              </a:spcBef>
+              <a:buFont typeface="Arial" charset="0"/>
+              <a:buChar char="»"/>
+              <a:defRPr sz="2000">
+                <a:solidFill>
+                  <a:schemeClr val="tx1"/>
+                </a:solidFill>
+                <a:latin typeface="Calibri" charset="0"/>
+                <a:ea typeface="ＭＳ Ｐゴシック" charset="-128"/>
+              </a:defRPr>
+            </a:lvl5pPr>
+            <a:lvl6pPr marL="2514600" indent="-228600" defTabSz="457200" eaLnBrk="0" fontAlgn="base" hangingPunct="0">
+              <a:spcBef>
+                <a:spcPct val="20000"/>
+              </a:spcBef>
+              <a:spcAft>
+                <a:spcPct val="0"/>
+              </a:spcAft>
+              <a:buFont typeface="Arial" charset="0"/>
+              <a:buChar char="»"/>
+              <a:defRPr sz="2000">
+                <a:solidFill>
+                  <a:schemeClr val="tx1"/>
+                </a:solidFill>
+                <a:latin typeface="Calibri" charset="0"/>
+                <a:ea typeface="ＭＳ Ｐゴシック" charset="-128"/>
+              </a:defRPr>
+            </a:lvl6pPr>
+            <a:lvl7pPr marL="2971800" indent="-228600" defTabSz="457200" eaLnBrk="0" fontAlgn="base" hangingPunct="0">
+              <a:spcBef>
+                <a:spcPct val="20000"/>
+              </a:spcBef>
+              <a:spcAft>
+                <a:spcPct val="0"/>
+              </a:spcAft>
+              <a:buFont typeface="Arial" charset="0"/>
+              <a:buChar char="»"/>
+              <a:defRPr sz="2000">
+                <a:solidFill>
+                  <a:schemeClr val="tx1"/>
+                </a:solidFill>
+                <a:latin typeface="Calibri" charset="0"/>
+                <a:ea typeface="ＭＳ Ｐゴシック" charset="-128"/>
+              </a:defRPr>
+            </a:lvl7pPr>
+            <a:lvl8pPr marL="3429000" indent="-228600" defTabSz="457200" eaLnBrk="0" fontAlgn="base" hangingPunct="0">
+              <a:spcBef>
+                <a:spcPct val="20000"/>
+              </a:spcBef>
+              <a:spcAft>
+                <a:spcPct val="0"/>
+              </a:spcAft>
+              <a:buFont typeface="Arial" charset="0"/>
+              <a:buChar char="»"/>
+              <a:defRPr sz="2000">
+                <a:solidFill>
+                  <a:schemeClr val="tx1"/>
+                </a:solidFill>
+                <a:latin typeface="Calibri" charset="0"/>
+                <a:ea typeface="ＭＳ Ｐゴシック" charset="-128"/>
+              </a:defRPr>
+            </a:lvl8pPr>
+            <a:lvl9pPr marL="3886200" indent="-228600" defTabSz="457200" eaLnBrk="0" fontAlgn="base" hangingPunct="0">
+              <a:spcBef>
+                <a:spcPct val="20000"/>
+              </a:spcBef>
+              <a:spcAft>
+                <a:spcPct val="0"/>
+              </a:spcAft>
+              <a:buFont typeface="Arial" charset="0"/>
+              <a:buChar char="»"/>
+              <a:defRPr sz="2000">
+                <a:solidFill>
+                  <a:schemeClr val="tx1"/>
+                </a:solidFill>
+                <a:latin typeface="Calibri" charset="0"/>
+                <a:ea typeface="ＭＳ Ｐゴシック" charset="-128"/>
+              </a:defRPr>
+            </a:lvl9pPr>
+          </a:lstStyle>
+          <a:p>
+            <a:pPr algn="just" eaLnBrk="1" hangingPunct="1">
+              <a:lnSpc>
+                <a:spcPct val="110000"/>
+              </a:lnSpc>
+              <a:spcBef>
+                <a:spcPct val="0"/>
+              </a:spcBef>
+              <a:buFontTx/>
+              <a:buNone/>
+            </a:pPr>
+            <a:r>
+              <a:rPr lang="en-US" altLang="en-US" sz="2000" b="1" dirty="0" smtClean="0">
+                <a:solidFill>
+                  <a:srgbClr val="FFFFFF"/>
+                </a:solidFill>
+                <a:latin typeface="Century Gothic" charset="0"/>
+              </a:rPr>
+              <a:t>Does what we eat affecting the quality of our sleep?</a:t>
+            </a:r>
+            <a:endParaRPr lang="en-US" altLang="en-US" sz="2000" b="1" dirty="0">
+              <a:solidFill>
+                <a:srgbClr val="FFFFFF"/>
+              </a:solidFill>
+              <a:latin typeface="Century Gothic" charset="0"/>
+            </a:endParaRPr>
+          </a:p>
+        </p:txBody>
+      </p:sp>
+      <p:sp>
+        <p:nvSpPr>
+          <p:cNvPr id="74" name="TextBox 7"/>
+          <p:cNvSpPr txBox="1">
+            <a:spLocks noChangeArrowheads="1"/>
+          </p:cNvSpPr>
+          <p:nvPr/>
+        </p:nvSpPr>
+        <p:spPr bwMode="auto">
+          <a:xfrm>
+            <a:off x="1208701" y="3877475"/>
+            <a:ext cx="7146024" cy="769441"/>
+          </a:xfrm>
+          <a:prstGeom prst="rect">
+            <a:avLst/>
+          </a:prstGeom>
+          <a:noFill/>
+          <a:ln>
+            <a:noFill/>
+          </a:ln>
+          <a:extLst>
+            <a:ext uri="{909E8E84-426E-40DD-AFC4-6F175D3DCCD1}">
+              <a14:hiddenFill xmlns:a14="http://schemas.microsoft.com/office/drawing/2010/main">
+                <a:solidFill>
+                  <a:srgbClr val="FFFFFF"/>
+                </a:solidFill>
+              </a14:hiddenFill>
+            </a:ext>
+            <a:ext uri="{91240B29-F687-4F45-9708-019B960494DF}">
+              <a14:hiddenLine xmlns:a14="http://schemas.microsoft.com/office/drawing/2010/main" w="9525">
+                <a:solidFill>
+                  <a:srgbClr val="000000"/>
+                </a:solidFill>
+                <a:miter lim="800000"/>
+                <a:headEnd/>
+                <a:tailEnd/>
+              </a14:hiddenLine>
+            </a:ext>
+          </a:extLst>
+        </p:spPr>
+        <p:txBody>
+          <a:bodyPr wrap="square">
+            <a:spAutoFit/>
+          </a:bodyPr>
+          <a:lstStyle>
+            <a:lvl1pPr>
+              <a:spcBef>
+                <a:spcPct val="20000"/>
+              </a:spcBef>
+              <a:buFont typeface="Arial" charset="0"/>
+              <a:buChar char="•"/>
+              <a:defRPr sz="3200">
+                <a:solidFill>
+                  <a:schemeClr val="tx1"/>
+                </a:solidFill>
+                <a:latin typeface="Calibri" charset="0"/>
+                <a:ea typeface="ＭＳ Ｐゴシック" charset="-128"/>
+              </a:defRPr>
+            </a:lvl1pPr>
+            <a:lvl2pPr marL="742950" indent="-285750">
+              <a:spcBef>
+                <a:spcPct val="20000"/>
+              </a:spcBef>
+              <a:buFont typeface="Arial" charset="0"/>
+              <a:buChar char="–"/>
+              <a:defRPr sz="2800">
+                <a:solidFill>
+                  <a:schemeClr val="tx1"/>
+                </a:solidFill>
+                <a:latin typeface="Calibri" charset="0"/>
+                <a:ea typeface="ＭＳ Ｐゴシック" charset="-128"/>
+              </a:defRPr>
+            </a:lvl2pPr>
+            <a:lvl3pPr marL="1143000" indent="-228600">
+              <a:spcBef>
+                <a:spcPct val="20000"/>
+              </a:spcBef>
+              <a:buFont typeface="Arial" charset="0"/>
+              <a:buChar char="•"/>
+              <a:defRPr sz="2400">
+                <a:solidFill>
+                  <a:schemeClr val="tx1"/>
+                </a:solidFill>
+                <a:latin typeface="Calibri" charset="0"/>
+                <a:ea typeface="ＭＳ Ｐゴシック" charset="-128"/>
+              </a:defRPr>
+            </a:lvl3pPr>
+            <a:lvl4pPr marL="1600200" indent="-228600">
+              <a:spcBef>
+                <a:spcPct val="20000"/>
+              </a:spcBef>
+              <a:buFont typeface="Arial" charset="0"/>
+              <a:buChar char="–"/>
+              <a:defRPr sz="2000">
+                <a:solidFill>
+                  <a:schemeClr val="tx1"/>
+                </a:solidFill>
+                <a:latin typeface="Calibri" charset="0"/>
+                <a:ea typeface="ＭＳ Ｐゴシック" charset="-128"/>
+              </a:defRPr>
+            </a:lvl4pPr>
+            <a:lvl5pPr marL="2057400" indent="-228600">
+              <a:spcBef>
+                <a:spcPct val="20000"/>
+              </a:spcBef>
+              <a:buFont typeface="Arial" charset="0"/>
+              <a:buChar char="»"/>
+              <a:defRPr sz="2000">
+                <a:solidFill>
+                  <a:schemeClr val="tx1"/>
+                </a:solidFill>
+                <a:latin typeface="Calibri" charset="0"/>
+                <a:ea typeface="ＭＳ Ｐゴシック" charset="-128"/>
+              </a:defRPr>
+            </a:lvl5pPr>
+            <a:lvl6pPr marL="2514600" indent="-228600" defTabSz="457200" eaLnBrk="0" fontAlgn="base" hangingPunct="0">
+              <a:spcBef>
+                <a:spcPct val="20000"/>
+              </a:spcBef>
+              <a:spcAft>
+                <a:spcPct val="0"/>
+              </a:spcAft>
+              <a:buFont typeface="Arial" charset="0"/>
+              <a:buChar char="»"/>
+              <a:defRPr sz="2000">
+                <a:solidFill>
+                  <a:schemeClr val="tx1"/>
+                </a:solidFill>
+                <a:latin typeface="Calibri" charset="0"/>
+                <a:ea typeface="ＭＳ Ｐゴシック" charset="-128"/>
+              </a:defRPr>
+            </a:lvl6pPr>
+            <a:lvl7pPr marL="2971800" indent="-228600" defTabSz="457200" eaLnBrk="0" fontAlgn="base" hangingPunct="0">
+              <a:spcBef>
+                <a:spcPct val="20000"/>
+              </a:spcBef>
+              <a:spcAft>
+                <a:spcPct val="0"/>
+              </a:spcAft>
+              <a:buFont typeface="Arial" charset="0"/>
+              <a:buChar char="»"/>
+              <a:defRPr sz="2000">
+                <a:solidFill>
+                  <a:schemeClr val="tx1"/>
+                </a:solidFill>
+                <a:latin typeface="Calibri" charset="0"/>
+                <a:ea typeface="ＭＳ Ｐゴシック" charset="-128"/>
+              </a:defRPr>
+            </a:lvl7pPr>
+            <a:lvl8pPr marL="3429000" indent="-228600" defTabSz="457200" eaLnBrk="0" fontAlgn="base" hangingPunct="0">
+              <a:spcBef>
+                <a:spcPct val="20000"/>
+              </a:spcBef>
+              <a:spcAft>
+                <a:spcPct val="0"/>
+              </a:spcAft>
+              <a:buFont typeface="Arial" charset="0"/>
+              <a:buChar char="»"/>
+              <a:defRPr sz="2000">
+                <a:solidFill>
+                  <a:schemeClr val="tx1"/>
+                </a:solidFill>
+                <a:latin typeface="Calibri" charset="0"/>
+                <a:ea typeface="ＭＳ Ｐゴシック" charset="-128"/>
+              </a:defRPr>
+            </a:lvl8pPr>
+            <a:lvl9pPr marL="3886200" indent="-228600" defTabSz="457200" eaLnBrk="0" fontAlgn="base" hangingPunct="0">
+              <a:spcBef>
+                <a:spcPct val="20000"/>
+              </a:spcBef>
+              <a:spcAft>
+                <a:spcPct val="0"/>
+              </a:spcAft>
+              <a:buFont typeface="Arial" charset="0"/>
+              <a:buChar char="»"/>
+              <a:defRPr sz="2000">
+                <a:solidFill>
+                  <a:schemeClr val="tx1"/>
+                </a:solidFill>
+                <a:latin typeface="Calibri" charset="0"/>
+                <a:ea typeface="ＭＳ Ｐゴシック" charset="-128"/>
+              </a:defRPr>
+            </a:lvl9pPr>
+          </a:lstStyle>
+          <a:p>
+            <a:pPr algn="just" eaLnBrk="1" hangingPunct="1">
+              <a:lnSpc>
+                <a:spcPct val="110000"/>
+              </a:lnSpc>
+              <a:spcBef>
+                <a:spcPct val="0"/>
+              </a:spcBef>
+              <a:buFontTx/>
+              <a:buNone/>
+            </a:pPr>
+            <a:r>
+              <a:rPr lang="en-US" altLang="en-US" sz="2000" b="1" dirty="0" smtClean="0">
+                <a:solidFill>
+                  <a:srgbClr val="FFFFFF"/>
+                </a:solidFill>
+                <a:latin typeface="Century Gothic" charset="0"/>
+              </a:rPr>
+              <a:t>Is spending your time doing workout activities (hiking, running) help to improve the quality of our sleep?</a:t>
+            </a:r>
+            <a:endParaRPr lang="en-US" altLang="en-US" sz="2000" b="1" dirty="0">
+              <a:solidFill>
+                <a:srgbClr val="FFFFFF"/>
+              </a:solidFill>
+              <a:latin typeface="Century Gothic" charset="0"/>
+            </a:endParaRPr>
+          </a:p>
+        </p:txBody>
+      </p:sp>
+      <p:sp>
+        <p:nvSpPr>
+          <p:cNvPr id="75" name="TextBox 7"/>
+          <p:cNvSpPr txBox="1">
+            <a:spLocks noChangeArrowheads="1"/>
+          </p:cNvSpPr>
+          <p:nvPr/>
+        </p:nvSpPr>
+        <p:spPr bwMode="auto">
+          <a:xfrm>
+            <a:off x="1185359" y="4769388"/>
+            <a:ext cx="6754359" cy="430887"/>
+          </a:xfrm>
+          <a:prstGeom prst="rect">
+            <a:avLst/>
+          </a:prstGeom>
+          <a:noFill/>
+          <a:ln>
+            <a:noFill/>
+          </a:ln>
+          <a:extLst>
+            <a:ext uri="{909E8E84-426E-40DD-AFC4-6F175D3DCCD1}">
+              <a14:hiddenFill xmlns:a14="http://schemas.microsoft.com/office/drawing/2010/main">
+                <a:solidFill>
+                  <a:srgbClr val="FFFFFF"/>
+                </a:solidFill>
+              </a14:hiddenFill>
+            </a:ext>
+            <a:ext uri="{91240B29-F687-4F45-9708-019B960494DF}">
+              <a14:hiddenLine xmlns:a14="http://schemas.microsoft.com/office/drawing/2010/main" w="9525">
+                <a:solidFill>
+                  <a:srgbClr val="000000"/>
+                </a:solidFill>
+                <a:miter lim="800000"/>
+                <a:headEnd/>
+                <a:tailEnd/>
+              </a14:hiddenLine>
+            </a:ext>
+          </a:extLst>
+        </p:spPr>
+        <p:txBody>
+          <a:bodyPr wrap="square">
+            <a:spAutoFit/>
+          </a:bodyPr>
+          <a:lstStyle>
+            <a:lvl1pPr>
+              <a:spcBef>
+                <a:spcPct val="20000"/>
+              </a:spcBef>
+              <a:buFont typeface="Arial" charset="0"/>
+              <a:buChar char="•"/>
+              <a:defRPr sz="3200">
+                <a:solidFill>
+                  <a:schemeClr val="tx1"/>
+                </a:solidFill>
+                <a:latin typeface="Calibri" charset="0"/>
+                <a:ea typeface="ＭＳ Ｐゴシック" charset="-128"/>
+              </a:defRPr>
+            </a:lvl1pPr>
+            <a:lvl2pPr marL="742950" indent="-285750">
+              <a:spcBef>
+                <a:spcPct val="20000"/>
+              </a:spcBef>
+              <a:buFont typeface="Arial" charset="0"/>
+              <a:buChar char="–"/>
+              <a:defRPr sz="2800">
+                <a:solidFill>
+                  <a:schemeClr val="tx1"/>
+                </a:solidFill>
+                <a:latin typeface="Calibri" charset="0"/>
+                <a:ea typeface="ＭＳ Ｐゴシック" charset="-128"/>
+              </a:defRPr>
+            </a:lvl2pPr>
+            <a:lvl3pPr marL="1143000" indent="-228600">
+              <a:spcBef>
+                <a:spcPct val="20000"/>
+              </a:spcBef>
+              <a:buFont typeface="Arial" charset="0"/>
+              <a:buChar char="•"/>
+              <a:defRPr sz="2400">
+                <a:solidFill>
+                  <a:schemeClr val="tx1"/>
+                </a:solidFill>
+                <a:latin typeface="Calibri" charset="0"/>
+                <a:ea typeface="ＭＳ Ｐゴシック" charset="-128"/>
+              </a:defRPr>
+            </a:lvl3pPr>
+            <a:lvl4pPr marL="1600200" indent="-228600">
+              <a:spcBef>
+                <a:spcPct val="20000"/>
+              </a:spcBef>
+              <a:buFont typeface="Arial" charset="0"/>
+              <a:buChar char="–"/>
+              <a:defRPr sz="2000">
+                <a:solidFill>
+                  <a:schemeClr val="tx1"/>
+                </a:solidFill>
+                <a:latin typeface="Calibri" charset="0"/>
+                <a:ea typeface="ＭＳ Ｐゴシック" charset="-128"/>
+              </a:defRPr>
+            </a:lvl4pPr>
+            <a:lvl5pPr marL="2057400" indent="-228600">
+              <a:spcBef>
+                <a:spcPct val="20000"/>
+              </a:spcBef>
+              <a:buFont typeface="Arial" charset="0"/>
+              <a:buChar char="»"/>
+              <a:defRPr sz="2000">
+                <a:solidFill>
+                  <a:schemeClr val="tx1"/>
+                </a:solidFill>
+                <a:latin typeface="Calibri" charset="0"/>
+                <a:ea typeface="ＭＳ Ｐゴシック" charset="-128"/>
+              </a:defRPr>
+            </a:lvl5pPr>
+            <a:lvl6pPr marL="2514600" indent="-228600" defTabSz="457200" eaLnBrk="0" fontAlgn="base" hangingPunct="0">
+              <a:spcBef>
+                <a:spcPct val="20000"/>
+              </a:spcBef>
+              <a:spcAft>
+                <a:spcPct val="0"/>
+              </a:spcAft>
+              <a:buFont typeface="Arial" charset="0"/>
+              <a:buChar char="»"/>
+              <a:defRPr sz="2000">
+                <a:solidFill>
+                  <a:schemeClr val="tx1"/>
+                </a:solidFill>
+                <a:latin typeface="Calibri" charset="0"/>
+                <a:ea typeface="ＭＳ Ｐゴシック" charset="-128"/>
+              </a:defRPr>
+            </a:lvl6pPr>
+            <a:lvl7pPr marL="2971800" indent="-228600" defTabSz="457200" eaLnBrk="0" fontAlgn="base" hangingPunct="0">
+              <a:spcBef>
+                <a:spcPct val="20000"/>
+              </a:spcBef>
+              <a:spcAft>
+                <a:spcPct val="0"/>
+              </a:spcAft>
+              <a:buFont typeface="Arial" charset="0"/>
+              <a:buChar char="»"/>
+              <a:defRPr sz="2000">
+                <a:solidFill>
+                  <a:schemeClr val="tx1"/>
+                </a:solidFill>
+                <a:latin typeface="Calibri" charset="0"/>
+                <a:ea typeface="ＭＳ Ｐゴシック" charset="-128"/>
+              </a:defRPr>
+            </a:lvl7pPr>
+            <a:lvl8pPr marL="3429000" indent="-228600" defTabSz="457200" eaLnBrk="0" fontAlgn="base" hangingPunct="0">
+              <a:spcBef>
+                <a:spcPct val="20000"/>
+              </a:spcBef>
+              <a:spcAft>
+                <a:spcPct val="0"/>
+              </a:spcAft>
+              <a:buFont typeface="Arial" charset="0"/>
+              <a:buChar char="»"/>
+              <a:defRPr sz="2000">
+                <a:solidFill>
+                  <a:schemeClr val="tx1"/>
+                </a:solidFill>
+                <a:latin typeface="Calibri" charset="0"/>
+                <a:ea typeface="ＭＳ Ｐゴシック" charset="-128"/>
+              </a:defRPr>
+            </a:lvl8pPr>
+            <a:lvl9pPr marL="3886200" indent="-228600" defTabSz="457200" eaLnBrk="0" fontAlgn="base" hangingPunct="0">
+              <a:spcBef>
+                <a:spcPct val="20000"/>
+              </a:spcBef>
+              <a:spcAft>
+                <a:spcPct val="0"/>
+              </a:spcAft>
+              <a:buFont typeface="Arial" charset="0"/>
+              <a:buChar char="»"/>
+              <a:defRPr sz="2000">
+                <a:solidFill>
+                  <a:schemeClr val="tx1"/>
+                </a:solidFill>
+                <a:latin typeface="Calibri" charset="0"/>
+                <a:ea typeface="ＭＳ Ｐゴシック" charset="-128"/>
+              </a:defRPr>
+            </a:lvl9pPr>
+          </a:lstStyle>
+          <a:p>
+            <a:pPr algn="just" eaLnBrk="1" hangingPunct="1">
+              <a:lnSpc>
+                <a:spcPct val="110000"/>
+              </a:lnSpc>
+              <a:spcBef>
+                <a:spcPct val="0"/>
+              </a:spcBef>
+              <a:buFontTx/>
+              <a:buNone/>
+            </a:pPr>
+            <a:r>
+              <a:rPr lang="en-US" altLang="en-US" sz="2000" b="1" dirty="0" smtClean="0">
+                <a:solidFill>
+                  <a:srgbClr val="FFFFFF"/>
+                </a:solidFill>
+                <a:latin typeface="Century Gothic" charset="0"/>
+              </a:rPr>
+              <a:t>Does your social life affect your sleep quality?</a:t>
+            </a:r>
+            <a:endParaRPr lang="en-US" altLang="en-US" sz="2000" b="1" dirty="0">
+              <a:solidFill>
+                <a:srgbClr val="FFFFFF"/>
+              </a:solidFill>
+              <a:latin typeface="Century Gothic" charset="0"/>
+            </a:endParaRPr>
+          </a:p>
+        </p:txBody>
+      </p:sp>
+      <p:sp>
+        <p:nvSpPr>
+          <p:cNvPr id="76" name="TextBox 7"/>
+          <p:cNvSpPr txBox="1">
+            <a:spLocks noChangeArrowheads="1"/>
+          </p:cNvSpPr>
+          <p:nvPr/>
+        </p:nvSpPr>
+        <p:spPr bwMode="auto">
+          <a:xfrm>
+            <a:off x="1144694" y="5387925"/>
+            <a:ext cx="6134469" cy="430887"/>
+          </a:xfrm>
+          <a:prstGeom prst="rect">
+            <a:avLst/>
+          </a:prstGeom>
+          <a:noFill/>
+          <a:ln>
+            <a:noFill/>
+          </a:ln>
+          <a:extLst>
+            <a:ext uri="{909E8E84-426E-40DD-AFC4-6F175D3DCCD1}">
+              <a14:hiddenFill xmlns:a14="http://schemas.microsoft.com/office/drawing/2010/main">
+                <a:solidFill>
+                  <a:srgbClr val="FFFFFF"/>
+                </a:solidFill>
+              </a14:hiddenFill>
+            </a:ext>
+            <a:ext uri="{91240B29-F687-4F45-9708-019B960494DF}">
+              <a14:hiddenLine xmlns:a14="http://schemas.microsoft.com/office/drawing/2010/main" w="9525">
+                <a:solidFill>
+                  <a:srgbClr val="000000"/>
+                </a:solidFill>
+                <a:miter lim="800000"/>
+                <a:headEnd/>
+                <a:tailEnd/>
+              </a14:hiddenLine>
+            </a:ext>
+          </a:extLst>
+        </p:spPr>
+        <p:txBody>
+          <a:bodyPr wrap="square">
+            <a:spAutoFit/>
+          </a:bodyPr>
+          <a:lstStyle>
+            <a:lvl1pPr>
+              <a:spcBef>
+                <a:spcPct val="20000"/>
+              </a:spcBef>
+              <a:buFont typeface="Arial" charset="0"/>
+              <a:buChar char="•"/>
+              <a:defRPr sz="3200">
+                <a:solidFill>
+                  <a:schemeClr val="tx1"/>
+                </a:solidFill>
+                <a:latin typeface="Calibri" charset="0"/>
+                <a:ea typeface="ＭＳ Ｐゴシック" charset="-128"/>
+              </a:defRPr>
+            </a:lvl1pPr>
+            <a:lvl2pPr marL="742950" indent="-285750">
+              <a:spcBef>
+                <a:spcPct val="20000"/>
+              </a:spcBef>
+              <a:buFont typeface="Arial" charset="0"/>
+              <a:buChar char="–"/>
+              <a:defRPr sz="2800">
+                <a:solidFill>
+                  <a:schemeClr val="tx1"/>
+                </a:solidFill>
+                <a:latin typeface="Calibri" charset="0"/>
+                <a:ea typeface="ＭＳ Ｐゴシック" charset="-128"/>
+              </a:defRPr>
+            </a:lvl2pPr>
+            <a:lvl3pPr marL="1143000" indent="-228600">
+              <a:spcBef>
+                <a:spcPct val="20000"/>
+              </a:spcBef>
+              <a:buFont typeface="Arial" charset="0"/>
+              <a:buChar char="•"/>
+              <a:defRPr sz="2400">
+                <a:solidFill>
+                  <a:schemeClr val="tx1"/>
+                </a:solidFill>
+                <a:latin typeface="Calibri" charset="0"/>
+                <a:ea typeface="ＭＳ Ｐゴシック" charset="-128"/>
+              </a:defRPr>
+            </a:lvl3pPr>
+            <a:lvl4pPr marL="1600200" indent="-228600">
+              <a:spcBef>
+                <a:spcPct val="20000"/>
+              </a:spcBef>
+              <a:buFont typeface="Arial" charset="0"/>
+              <a:buChar char="–"/>
+              <a:defRPr sz="2000">
+                <a:solidFill>
+                  <a:schemeClr val="tx1"/>
+                </a:solidFill>
+                <a:latin typeface="Calibri" charset="0"/>
+                <a:ea typeface="ＭＳ Ｐゴシック" charset="-128"/>
+              </a:defRPr>
+            </a:lvl4pPr>
+            <a:lvl5pPr marL="2057400" indent="-228600">
+              <a:spcBef>
+                <a:spcPct val="20000"/>
+              </a:spcBef>
+              <a:buFont typeface="Arial" charset="0"/>
+              <a:buChar char="»"/>
+              <a:defRPr sz="2000">
+                <a:solidFill>
+                  <a:schemeClr val="tx1"/>
+                </a:solidFill>
+                <a:latin typeface="Calibri" charset="0"/>
+                <a:ea typeface="ＭＳ Ｐゴシック" charset="-128"/>
+              </a:defRPr>
+            </a:lvl5pPr>
+            <a:lvl6pPr marL="2514600" indent="-228600" defTabSz="457200" eaLnBrk="0" fontAlgn="base" hangingPunct="0">
+              <a:spcBef>
+                <a:spcPct val="20000"/>
+              </a:spcBef>
+              <a:spcAft>
+                <a:spcPct val="0"/>
+              </a:spcAft>
+              <a:buFont typeface="Arial" charset="0"/>
+              <a:buChar char="»"/>
+              <a:defRPr sz="2000">
+                <a:solidFill>
+                  <a:schemeClr val="tx1"/>
+                </a:solidFill>
+                <a:latin typeface="Calibri" charset="0"/>
+                <a:ea typeface="ＭＳ Ｐゴシック" charset="-128"/>
+              </a:defRPr>
+            </a:lvl6pPr>
+            <a:lvl7pPr marL="2971800" indent="-228600" defTabSz="457200" eaLnBrk="0" fontAlgn="base" hangingPunct="0">
+              <a:spcBef>
+                <a:spcPct val="20000"/>
+              </a:spcBef>
+              <a:spcAft>
+                <a:spcPct val="0"/>
+              </a:spcAft>
+              <a:buFont typeface="Arial" charset="0"/>
+              <a:buChar char="»"/>
+              <a:defRPr sz="2000">
+                <a:solidFill>
+                  <a:schemeClr val="tx1"/>
+                </a:solidFill>
+                <a:latin typeface="Calibri" charset="0"/>
+                <a:ea typeface="ＭＳ Ｐゴシック" charset="-128"/>
+              </a:defRPr>
+            </a:lvl7pPr>
+            <a:lvl8pPr marL="3429000" indent="-228600" defTabSz="457200" eaLnBrk="0" fontAlgn="base" hangingPunct="0">
+              <a:spcBef>
+                <a:spcPct val="20000"/>
+              </a:spcBef>
+              <a:spcAft>
+                <a:spcPct val="0"/>
+              </a:spcAft>
+              <a:buFont typeface="Arial" charset="0"/>
+              <a:buChar char="»"/>
+              <a:defRPr sz="2000">
+                <a:solidFill>
+                  <a:schemeClr val="tx1"/>
+                </a:solidFill>
+                <a:latin typeface="Calibri" charset="0"/>
+                <a:ea typeface="ＭＳ Ｐゴシック" charset="-128"/>
+              </a:defRPr>
+            </a:lvl8pPr>
+            <a:lvl9pPr marL="3886200" indent="-228600" defTabSz="457200" eaLnBrk="0" fontAlgn="base" hangingPunct="0">
+              <a:spcBef>
+                <a:spcPct val="20000"/>
+              </a:spcBef>
+              <a:spcAft>
+                <a:spcPct val="0"/>
+              </a:spcAft>
+              <a:buFont typeface="Arial" charset="0"/>
+              <a:buChar char="»"/>
+              <a:defRPr sz="2000">
+                <a:solidFill>
+                  <a:schemeClr val="tx1"/>
+                </a:solidFill>
+                <a:latin typeface="Calibri" charset="0"/>
+                <a:ea typeface="ＭＳ Ｐゴシック" charset="-128"/>
+              </a:defRPr>
+            </a:lvl9pPr>
+          </a:lstStyle>
+          <a:p>
+            <a:pPr algn="just" eaLnBrk="1" hangingPunct="1">
+              <a:lnSpc>
+                <a:spcPct val="110000"/>
+              </a:lnSpc>
+              <a:spcBef>
+                <a:spcPct val="0"/>
+              </a:spcBef>
+              <a:buFontTx/>
+              <a:buNone/>
+            </a:pPr>
+            <a:r>
+              <a:rPr lang="en-US" altLang="en-US" sz="2000" b="1" dirty="0" smtClean="0">
+                <a:solidFill>
+                  <a:srgbClr val="FFFFFF"/>
+                </a:solidFill>
+                <a:latin typeface="Century Gothic" charset="0"/>
+              </a:rPr>
+              <a:t>Does more sleep mean better sleep?</a:t>
+            </a:r>
+            <a:endParaRPr lang="en-US" altLang="en-US" sz="2000" b="1" dirty="0">
+              <a:solidFill>
+                <a:srgbClr val="FFFFFF"/>
+              </a:solidFill>
+              <a:latin typeface="Century Gothic" charset="0"/>
+            </a:endParaRPr>
+          </a:p>
+        </p:txBody>
+      </p:sp>
+      <p:pic>
+        <p:nvPicPr>
+          <p:cNvPr id="77" name="Picture 76"/>
+          <p:cNvPicPr>
+            <a:picLocks noChangeAspect="1"/>
+          </p:cNvPicPr>
+          <p:nvPr/>
+        </p:nvPicPr>
+        <p:blipFill>
+          <a:blip r:embed="rId3">
+            <a:extLst>
+              <a:ext uri="{28A0092B-C50C-407E-A947-70E740481C1C}">
+                <a14:useLocalDpi xmlns:a14="http://schemas.microsoft.com/office/drawing/2010/main" val="0"/>
+              </a:ext>
+            </a:extLst>
+          </a:blip>
+          <a:stretch>
+            <a:fillRect/>
+          </a:stretch>
+        </p:blipFill>
+        <p:spPr>
+          <a:xfrm>
+            <a:off x="394896" y="3909620"/>
+            <a:ext cx="621257" cy="587493"/>
           </a:xfrm>
           <a:prstGeom prst="rect">
             <a:avLst/>
@@ -8229,7 +11976,97 @@
       </p:pic>
       <p:pic>
         <p:nvPicPr>
-          <p:cNvPr id="2" name="Picture 1"/>
+          <p:cNvPr id="78" name="Picture 77"/>
+          <p:cNvPicPr>
+            <a:picLocks noChangeAspect="1"/>
+          </p:cNvPicPr>
+          <p:nvPr/>
+        </p:nvPicPr>
+        <p:blipFill>
+          <a:blip r:embed="rId3">
+            <a:extLst>
+              <a:ext uri="{28A0092B-C50C-407E-A947-70E740481C1C}">
+                <a14:useLocalDpi xmlns:a14="http://schemas.microsoft.com/office/drawing/2010/main" val="0"/>
+              </a:ext>
+            </a:extLst>
+          </a:blip>
+          <a:stretch>
+            <a:fillRect/>
+          </a:stretch>
+        </p:blipFill>
+        <p:spPr>
+          <a:xfrm>
+            <a:off x="394895" y="4630617"/>
+            <a:ext cx="621257" cy="587493"/>
+          </a:xfrm>
+          <a:prstGeom prst="rect">
+            <a:avLst/>
+          </a:prstGeom>
+        </p:spPr>
+      </p:pic>
+      <p:pic>
+        <p:nvPicPr>
+          <p:cNvPr id="79" name="Picture 78"/>
+          <p:cNvPicPr>
+            <a:picLocks noChangeAspect="1"/>
+          </p:cNvPicPr>
+          <p:nvPr/>
+        </p:nvPicPr>
+        <p:blipFill>
+          <a:blip r:embed="rId3">
+            <a:extLst>
+              <a:ext uri="{28A0092B-C50C-407E-A947-70E740481C1C}">
+                <a14:useLocalDpi xmlns:a14="http://schemas.microsoft.com/office/drawing/2010/main" val="0"/>
+              </a:ext>
+            </a:extLst>
+          </a:blip>
+          <a:stretch>
+            <a:fillRect/>
+          </a:stretch>
+        </p:blipFill>
+        <p:spPr>
+          <a:xfrm>
+            <a:off x="394896" y="5305416"/>
+            <a:ext cx="621257" cy="587493"/>
+          </a:xfrm>
+          <a:prstGeom prst="rect">
+            <a:avLst/>
+          </a:prstGeom>
+        </p:spPr>
+      </p:pic>
+      <p:pic>
+        <p:nvPicPr>
+          <p:cNvPr id="80" name="Picture 79"/>
+          <p:cNvPicPr>
+            <a:picLocks noChangeAspect="1"/>
+          </p:cNvPicPr>
+          <p:nvPr/>
+        </p:nvPicPr>
+        <p:blipFill>
+          <a:blip r:embed="rId3">
+            <a:extLst>
+              <a:ext uri="{28A0092B-C50C-407E-A947-70E740481C1C}">
+                <a14:useLocalDpi xmlns:a14="http://schemas.microsoft.com/office/drawing/2010/main" val="0"/>
+              </a:ext>
+            </a:extLst>
+          </a:blip>
+          <a:stretch>
+            <a:fillRect/>
+          </a:stretch>
+        </p:blipFill>
+        <p:spPr>
+          <a:xfrm>
+            <a:off x="404445" y="2465515"/>
+            <a:ext cx="621257" cy="587493"/>
+          </a:xfrm>
+          <a:prstGeom prst="rect">
+            <a:avLst/>
+          </a:prstGeom>
+        </p:spPr>
+      </p:pic>
+      <p:pic>
+        <p:nvPicPr>
+          <p:cNvPr id="81" name="Picture 80"/>
           <p:cNvPicPr>
             <a:picLocks noChangeAspect="1"/>
           </p:cNvPicPr>
@@ -8249,8 +12086,38 @@
         </p:blipFill>
         <p:spPr>
           <a:xfrm>
-            <a:off x="5031112" y="3626729"/>
-            <a:ext cx="2344146" cy="2057400"/>
+            <a:off x="146463" y="642983"/>
+            <a:ext cx="2949663" cy="1578932"/>
+          </a:xfrm>
+          <a:prstGeom prst="rect">
+            <a:avLst/>
+          </a:prstGeom>
+        </p:spPr>
+      </p:pic>
+      <p:pic>
+        <p:nvPicPr>
+          <p:cNvPr id="47" name="Picture 46"/>
+          <p:cNvPicPr>
+            <a:picLocks noChangeAspect="1"/>
+          </p:cNvPicPr>
+          <p:nvPr/>
+        </p:nvPicPr>
+        <p:blipFill>
+          <a:blip r:embed="rId5">
+            <a:extLst>
+              <a:ext uri="{28A0092B-C50C-407E-A947-70E740481C1C}">
+                <a14:useLocalDpi xmlns:a14="http://schemas.microsoft.com/office/drawing/2010/main" val="0"/>
+              </a:ext>
+            </a:extLst>
+          </a:blip>
+          <a:stretch>
+            <a:fillRect/>
+          </a:stretch>
+        </p:blipFill>
+        <p:spPr>
+          <a:xfrm>
+            <a:off x="8396917" y="3212721"/>
+            <a:ext cx="3187900" cy="2797942"/>
           </a:xfrm>
           <a:prstGeom prst="rect">
             <a:avLst/>
@@ -8260,17 +12127,1830 @@
     </p:spTree>
     <p:extLst>
       <p:ext uri="{BB962C8B-B14F-4D97-AF65-F5344CB8AC3E}">
-        <p14:creationId xmlns:p14="http://schemas.microsoft.com/office/powerpoint/2010/main" val="485389410"/>
+        <p14:creationId xmlns:p14="http://schemas.microsoft.com/office/powerpoint/2010/main" val="854155594"/>
       </p:ext>
     </p:extLst>
   </p:cSld>
   <p:clrMapOvr>
     <a:masterClrMapping/>
   </p:clrMapOvr>
+  <p:timing>
+    <p:tnLst>
+      <p:par>
+        <p:cTn id="1" dur="indefinite" restart="never" nodeType="tmRoot"/>
+      </p:par>
+    </p:tnLst>
+  </p:timing>
 </p:sld>
 </file>
 
 <file path=ppt/slides/slide2.xml><?xml version="1.0" encoding="utf-8"?>
+<p:sld xmlns:a="http://schemas.openxmlformats.org/drawingml/2006/main" xmlns:r="http://schemas.openxmlformats.org/officeDocument/2006/relationships" xmlns:p="http://schemas.openxmlformats.org/presentationml/2006/main">
+  <p:cSld>
+    <p:spTree>
+      <p:nvGrpSpPr>
+        <p:cNvPr id="1" name=""/>
+        <p:cNvGrpSpPr/>
+        <p:nvPr/>
+      </p:nvGrpSpPr>
+      <p:grpSpPr>
+        <a:xfrm>
+          <a:off x="0" y="0"/>
+          <a:ext cx="0" cy="0"/>
+          <a:chOff x="0" y="0"/>
+          <a:chExt cx="0" cy="0"/>
+        </a:xfrm>
+      </p:grpSpPr>
+      <p:sp>
+        <p:nvSpPr>
+          <p:cNvPr id="9" name="CasellaDiTesto 8"/>
+          <p:cNvSpPr txBox="1"/>
+          <p:nvPr/>
+        </p:nvSpPr>
+        <p:spPr>
+          <a:xfrm>
+            <a:off x="3183245" y="107945"/>
+            <a:ext cx="6275973" cy="769441"/>
+          </a:xfrm>
+          <a:prstGeom prst="rect">
+            <a:avLst/>
+          </a:prstGeom>
+          <a:noFill/>
+        </p:spPr>
+        <p:txBody>
+          <a:bodyPr wrap="square" rtlCol="0">
+            <a:spAutoFit/>
+          </a:bodyPr>
+          <a:lstStyle/>
+          <a:p>
+            <a:pPr algn="ctr"/>
+            <a:r>
+              <a:rPr lang="en-GB" sz="4400" b="1" dirty="0" smtClean="0"/>
+              <a:t>Modelling Process</a:t>
+            </a:r>
+            <a:endParaRPr lang="en-GB" sz="4400" b="1" dirty="0"/>
+          </a:p>
+        </p:txBody>
+      </p:sp>
+      <p:sp>
+        <p:nvSpPr>
+          <p:cNvPr id="2" name="Rectangle 1"/>
+          <p:cNvSpPr/>
+          <p:nvPr/>
+        </p:nvSpPr>
+        <p:spPr>
+          <a:xfrm>
+            <a:off x="6297338" y="1174703"/>
+            <a:ext cx="5748844" cy="5145709"/>
+          </a:xfrm>
+          <a:prstGeom prst="rect">
+            <a:avLst/>
+          </a:prstGeom>
+        </p:spPr>
+        <p:style>
+          <a:lnRef idx="2">
+            <a:schemeClr val="accent6"/>
+          </a:lnRef>
+          <a:fillRef idx="1">
+            <a:schemeClr val="lt1"/>
+          </a:fillRef>
+          <a:effectRef idx="0">
+            <a:schemeClr val="accent6"/>
+          </a:effectRef>
+          <a:fontRef idx="minor">
+            <a:schemeClr val="dk1"/>
+          </a:fontRef>
+        </p:style>
+        <p:txBody>
+          <a:bodyPr rtlCol="0" anchor="ctr"/>
+          <a:lstStyle/>
+          <a:p>
+            <a:pPr algn="ctr"/>
+            <a:endParaRPr lang="en-US"/>
+          </a:p>
+        </p:txBody>
+      </p:sp>
+      <p:pic>
+        <p:nvPicPr>
+          <p:cNvPr id="7" name="Immagine 6"/>
+          <p:cNvPicPr>
+            <a:picLocks noChangeAspect="1"/>
+          </p:cNvPicPr>
+          <p:nvPr/>
+        </p:nvPicPr>
+        <p:blipFill>
+          <a:blip r:embed="rId2"/>
+          <a:stretch>
+            <a:fillRect/>
+          </a:stretch>
+        </p:blipFill>
+        <p:spPr>
+          <a:xfrm>
+            <a:off x="6321232" y="1174703"/>
+            <a:ext cx="5724950" cy="4925845"/>
+          </a:xfrm>
+          <a:prstGeom prst="rect">
+            <a:avLst/>
+          </a:prstGeom>
+          <a:noFill/>
+          <a:ln>
+            <a:noFill/>
+          </a:ln>
+        </p:spPr>
+      </p:pic>
+      <p:sp>
+        <p:nvSpPr>
+          <p:cNvPr id="4" name="TextBox 3"/>
+          <p:cNvSpPr txBox="1"/>
+          <p:nvPr/>
+        </p:nvSpPr>
+        <p:spPr>
+          <a:xfrm>
+            <a:off x="874767" y="954824"/>
+            <a:ext cx="4326341" cy="1631216"/>
+          </a:xfrm>
+          <a:prstGeom prst="rect">
+            <a:avLst/>
+          </a:prstGeom>
+          <a:noFill/>
+        </p:spPr>
+        <p:txBody>
+          <a:bodyPr wrap="square" rtlCol="0">
+            <a:spAutoFit/>
+          </a:bodyPr>
+          <a:lstStyle/>
+          <a:p>
+            <a:r>
+              <a:rPr lang="en-US" sz="2800" b="1" u="sng" dirty="0" smtClean="0"/>
+              <a:t>Models Tested</a:t>
+            </a:r>
+          </a:p>
+          <a:p>
+            <a:pPr marL="285750" indent="-285750">
+              <a:buFont typeface="Wingdings" charset="2"/>
+              <a:buChar char="§"/>
+            </a:pPr>
+            <a:r>
+              <a:rPr lang="en-US" dirty="0" smtClean="0"/>
+              <a:t>Elastic net</a:t>
+            </a:r>
+          </a:p>
+          <a:p>
+            <a:pPr marL="285750" indent="-285750">
+              <a:buFont typeface="Wingdings" charset="2"/>
+              <a:buChar char="§"/>
+            </a:pPr>
+            <a:r>
+              <a:rPr lang="en-US" dirty="0" smtClean="0"/>
+              <a:t>Neural Network</a:t>
+            </a:r>
+          </a:p>
+          <a:p>
+            <a:pPr marL="285750" indent="-285750">
+              <a:buFont typeface="Wingdings" charset="2"/>
+              <a:buChar char="§"/>
+            </a:pPr>
+            <a:r>
+              <a:rPr lang="en-US" dirty="0" smtClean="0"/>
+              <a:t>Decision Forest</a:t>
+            </a:r>
+          </a:p>
+          <a:p>
+            <a:pPr marL="285750" indent="-285750">
+              <a:buFont typeface="Wingdings" charset="2"/>
+              <a:buChar char="§"/>
+            </a:pPr>
+            <a:r>
+              <a:rPr lang="en-US" dirty="0" smtClean="0"/>
+              <a:t>Boosted Decision Trees</a:t>
+            </a:r>
+          </a:p>
+        </p:txBody>
+      </p:sp>
+      <p:grpSp>
+        <p:nvGrpSpPr>
+          <p:cNvPr id="11" name="Group 10"/>
+          <p:cNvGrpSpPr/>
+          <p:nvPr/>
+        </p:nvGrpSpPr>
+        <p:grpSpPr>
+          <a:xfrm>
+            <a:off x="204716" y="1252997"/>
+            <a:ext cx="655093" cy="573206"/>
+            <a:chOff x="3875964" y="2279176"/>
+            <a:chExt cx="655093" cy="573206"/>
+          </a:xfrm>
+        </p:grpSpPr>
+        <p:sp>
+          <p:nvSpPr>
+            <p:cNvPr id="5" name="Oval 4"/>
+            <p:cNvSpPr/>
+            <p:nvPr/>
+          </p:nvSpPr>
+          <p:spPr>
+            <a:xfrm>
+              <a:off x="3875964" y="2279176"/>
+              <a:ext cx="655093" cy="573206"/>
+            </a:xfrm>
+            <a:prstGeom prst="ellipse">
+              <a:avLst/>
+            </a:prstGeom>
+            <a:solidFill>
+              <a:srgbClr val="002060"/>
+            </a:solidFill>
+          </p:spPr>
+          <p:style>
+            <a:lnRef idx="2">
+              <a:schemeClr val="accent1">
+                <a:shade val="50000"/>
+              </a:schemeClr>
+            </a:lnRef>
+            <a:fillRef idx="1">
+              <a:schemeClr val="accent1"/>
+            </a:fillRef>
+            <a:effectRef idx="0">
+              <a:schemeClr val="accent1"/>
+            </a:effectRef>
+            <a:fontRef idx="minor">
+              <a:schemeClr val="lt1"/>
+            </a:fontRef>
+          </p:style>
+          <p:txBody>
+            <a:bodyPr rtlCol="0" anchor="ctr"/>
+            <a:lstStyle/>
+            <a:p>
+              <a:pPr algn="ctr"/>
+              <a:endParaRPr lang="en-US"/>
+            </a:p>
+          </p:txBody>
+        </p:sp>
+        <p:sp>
+          <p:nvSpPr>
+            <p:cNvPr id="6" name="TextBox 5"/>
+            <p:cNvSpPr txBox="1"/>
+            <p:nvPr/>
+          </p:nvSpPr>
+          <p:spPr>
+            <a:xfrm>
+              <a:off x="3978322" y="2334946"/>
+              <a:ext cx="450376" cy="461665"/>
+            </a:xfrm>
+            <a:prstGeom prst="rect">
+              <a:avLst/>
+            </a:prstGeom>
+            <a:noFill/>
+          </p:spPr>
+          <p:txBody>
+            <a:bodyPr wrap="square" rtlCol="0">
+              <a:spAutoFit/>
+            </a:bodyPr>
+            <a:lstStyle/>
+            <a:p>
+              <a:pPr algn="ctr"/>
+              <a:r>
+                <a:rPr lang="en-US" sz="2400" b="1" dirty="0" smtClean="0">
+                  <a:latin typeface="Cambria Math" charset="0"/>
+                  <a:ea typeface="Cambria Math" charset="0"/>
+                  <a:cs typeface="Cambria Math" charset="0"/>
+                </a:rPr>
+                <a:t>1</a:t>
+              </a:r>
+              <a:endParaRPr lang="en-US" b="1" dirty="0">
+                <a:latin typeface="Cambria Math" charset="0"/>
+                <a:ea typeface="Cambria Math" charset="0"/>
+                <a:cs typeface="Cambria Math" charset="0"/>
+              </a:endParaRPr>
+            </a:p>
+          </p:txBody>
+        </p:sp>
+      </p:grpSp>
+      <p:sp>
+        <p:nvSpPr>
+          <p:cNvPr id="8" name="TextBox 7"/>
+          <p:cNvSpPr txBox="1"/>
+          <p:nvPr/>
+        </p:nvSpPr>
+        <p:spPr>
+          <a:xfrm>
+            <a:off x="1261429" y="2663478"/>
+            <a:ext cx="4338523" cy="1846659"/>
+          </a:xfrm>
+          <a:prstGeom prst="rect">
+            <a:avLst/>
+          </a:prstGeom>
+          <a:noFill/>
+        </p:spPr>
+        <p:txBody>
+          <a:bodyPr wrap="square" rtlCol="0">
+            <a:spAutoFit/>
+          </a:bodyPr>
+          <a:lstStyle/>
+          <a:p>
+            <a:r>
+              <a:rPr lang="en-US" sz="2400" b="1" u="sng" dirty="0"/>
+              <a:t>Training Process</a:t>
+            </a:r>
+            <a:endParaRPr lang="en-US" sz="2400" b="1" dirty="0"/>
+          </a:p>
+          <a:p>
+            <a:pPr marL="285750" indent="-285750">
+              <a:buFont typeface="Wingdings" charset="2"/>
+              <a:buChar char="§"/>
+            </a:pPr>
+            <a:r>
+              <a:rPr lang="en-US" dirty="0"/>
+              <a:t>- 10-fold cross validation on</a:t>
+            </a:r>
+          </a:p>
+          <a:p>
+            <a:pPr marL="285750" indent="-285750">
+              <a:buFont typeface="Wingdings" charset="2"/>
+              <a:buChar char="§"/>
+            </a:pPr>
+            <a:r>
+              <a:rPr lang="en-US" dirty="0"/>
+              <a:t>Azure for initial screening and</a:t>
+            </a:r>
+          </a:p>
+          <a:p>
+            <a:pPr marL="285750" indent="-285750">
+              <a:buFont typeface="Wingdings" charset="2"/>
+              <a:buChar char="§"/>
+            </a:pPr>
+            <a:r>
+              <a:rPr lang="en-US" dirty="0"/>
+              <a:t>parameter testing</a:t>
+            </a:r>
+          </a:p>
+          <a:p>
+            <a:pPr marL="285750" indent="-285750">
+              <a:buFont typeface="Wingdings" charset="2"/>
+              <a:buChar char="§"/>
+            </a:pPr>
+            <a:r>
+              <a:rPr lang="en-US" dirty="0"/>
+              <a:t>Linear models turned out to </a:t>
+            </a:r>
+          </a:p>
+          <a:p>
+            <a:pPr marL="285750" indent="-285750">
+              <a:buFont typeface="Wingdings" charset="2"/>
+              <a:buChar char="§"/>
+            </a:pPr>
+            <a:r>
+              <a:rPr lang="en-US" dirty="0"/>
+              <a:t>be the </a:t>
+            </a:r>
+            <a:r>
+              <a:rPr lang="en-US" dirty="0" smtClean="0"/>
+              <a:t>best</a:t>
+            </a:r>
+            <a:endParaRPr lang="en-US" dirty="0"/>
+          </a:p>
+        </p:txBody>
+      </p:sp>
+      <p:sp>
+        <p:nvSpPr>
+          <p:cNvPr id="10" name="TextBox 9"/>
+          <p:cNvSpPr txBox="1"/>
+          <p:nvPr/>
+        </p:nvSpPr>
+        <p:spPr>
+          <a:xfrm>
+            <a:off x="1793522" y="4587575"/>
+            <a:ext cx="5105776" cy="2123658"/>
+          </a:xfrm>
+          <a:prstGeom prst="rect">
+            <a:avLst/>
+          </a:prstGeom>
+          <a:noFill/>
+        </p:spPr>
+        <p:txBody>
+          <a:bodyPr wrap="square" rtlCol="0">
+            <a:spAutoFit/>
+          </a:bodyPr>
+          <a:lstStyle/>
+          <a:p>
+            <a:r>
+              <a:rPr lang="en-US" sz="2400" b="1" u="sng" dirty="0"/>
+              <a:t>Final Test</a:t>
+            </a:r>
+            <a:endParaRPr lang="en-US" sz="2400" b="1" dirty="0"/>
+          </a:p>
+          <a:p>
+            <a:pPr marL="285750" indent="-285750">
+              <a:buFont typeface="Wingdings" charset="2"/>
+              <a:buChar char="§"/>
+            </a:pPr>
+            <a:r>
+              <a:rPr lang="en-US" dirty="0"/>
+              <a:t>Trained linear models in R and </a:t>
+            </a:r>
+          </a:p>
+          <a:p>
+            <a:pPr marL="285750" indent="-285750">
+              <a:buFont typeface="Wingdings" charset="2"/>
+              <a:buChar char="§"/>
+            </a:pPr>
+            <a:r>
+              <a:rPr lang="en-US" dirty="0"/>
+              <a:t>on Azure with Q1 data and predicted</a:t>
+            </a:r>
+          </a:p>
+          <a:p>
+            <a:pPr marL="285750" indent="-285750">
+              <a:buFont typeface="Wingdings" charset="2"/>
+              <a:buChar char="§"/>
+            </a:pPr>
+            <a:r>
+              <a:rPr lang="en-US" dirty="0"/>
+              <a:t>Q2 results.</a:t>
+            </a:r>
+          </a:p>
+          <a:p>
+            <a:pPr marL="285750" indent="-285750">
+              <a:buFont typeface="Wingdings" charset="2"/>
+              <a:buChar char="§"/>
+            </a:pPr>
+            <a:r>
+              <a:rPr lang="en-US" dirty="0"/>
+              <a:t>0.3195427 Q2 MAE on Q2 data regression</a:t>
+            </a:r>
+          </a:p>
+          <a:p>
+            <a:pPr marL="285750" indent="-285750">
+              <a:buFont typeface="Wingdings" charset="2"/>
+              <a:buChar char="§"/>
+            </a:pPr>
+            <a:r>
+              <a:rPr lang="en-US" dirty="0"/>
+              <a:t>0.755113 Accuracy on binary classification</a:t>
+            </a:r>
+          </a:p>
+          <a:p>
+            <a:endParaRPr lang="en-US" dirty="0"/>
+          </a:p>
+        </p:txBody>
+      </p:sp>
+      <p:grpSp>
+        <p:nvGrpSpPr>
+          <p:cNvPr id="14" name="Group 13"/>
+          <p:cNvGrpSpPr/>
+          <p:nvPr/>
+        </p:nvGrpSpPr>
+        <p:grpSpPr>
+          <a:xfrm>
+            <a:off x="439909" y="3019439"/>
+            <a:ext cx="655093" cy="573206"/>
+            <a:chOff x="3875964" y="2279176"/>
+            <a:chExt cx="655093" cy="573206"/>
+          </a:xfrm>
+        </p:grpSpPr>
+        <p:sp>
+          <p:nvSpPr>
+            <p:cNvPr id="15" name="Oval 14"/>
+            <p:cNvSpPr/>
+            <p:nvPr/>
+          </p:nvSpPr>
+          <p:spPr>
+            <a:xfrm>
+              <a:off x="3875964" y="2279176"/>
+              <a:ext cx="655093" cy="573206"/>
+            </a:xfrm>
+            <a:prstGeom prst="ellipse">
+              <a:avLst/>
+            </a:prstGeom>
+            <a:solidFill>
+              <a:srgbClr val="002060"/>
+            </a:solidFill>
+          </p:spPr>
+          <p:style>
+            <a:lnRef idx="2">
+              <a:schemeClr val="accent1">
+                <a:shade val="50000"/>
+              </a:schemeClr>
+            </a:lnRef>
+            <a:fillRef idx="1">
+              <a:schemeClr val="accent1"/>
+            </a:fillRef>
+            <a:effectRef idx="0">
+              <a:schemeClr val="accent1"/>
+            </a:effectRef>
+            <a:fontRef idx="minor">
+              <a:schemeClr val="lt1"/>
+            </a:fontRef>
+          </p:style>
+          <p:txBody>
+            <a:bodyPr rtlCol="0" anchor="ctr"/>
+            <a:lstStyle/>
+            <a:p>
+              <a:pPr algn="ctr"/>
+              <a:endParaRPr lang="en-US"/>
+            </a:p>
+          </p:txBody>
+        </p:sp>
+        <p:sp>
+          <p:nvSpPr>
+            <p:cNvPr id="16" name="TextBox 15"/>
+            <p:cNvSpPr txBox="1"/>
+            <p:nvPr/>
+          </p:nvSpPr>
+          <p:spPr>
+            <a:xfrm>
+              <a:off x="3978322" y="2334946"/>
+              <a:ext cx="450376" cy="461665"/>
+            </a:xfrm>
+            <a:prstGeom prst="rect">
+              <a:avLst/>
+            </a:prstGeom>
+            <a:noFill/>
+          </p:spPr>
+          <p:txBody>
+            <a:bodyPr wrap="square" rtlCol="0">
+              <a:spAutoFit/>
+            </a:bodyPr>
+            <a:lstStyle/>
+            <a:p>
+              <a:pPr algn="ctr"/>
+              <a:r>
+                <a:rPr lang="en-US" sz="2400" b="1" dirty="0">
+                  <a:latin typeface="Cambria Math" charset="0"/>
+                  <a:ea typeface="Cambria Math" charset="0"/>
+                  <a:cs typeface="Cambria Math" charset="0"/>
+                </a:rPr>
+                <a:t>2</a:t>
+              </a:r>
+              <a:endParaRPr lang="en-US" b="1" dirty="0">
+                <a:latin typeface="Cambria Math" charset="0"/>
+                <a:ea typeface="Cambria Math" charset="0"/>
+                <a:cs typeface="Cambria Math" charset="0"/>
+              </a:endParaRPr>
+            </a:p>
+          </p:txBody>
+        </p:sp>
+      </p:grpSp>
+      <p:grpSp>
+        <p:nvGrpSpPr>
+          <p:cNvPr id="17" name="Group 16"/>
+          <p:cNvGrpSpPr/>
+          <p:nvPr/>
+        </p:nvGrpSpPr>
+        <p:grpSpPr>
+          <a:xfrm>
+            <a:off x="933883" y="4785881"/>
+            <a:ext cx="655093" cy="573206"/>
+            <a:chOff x="3875964" y="2279176"/>
+            <a:chExt cx="655093" cy="573206"/>
+          </a:xfrm>
+        </p:grpSpPr>
+        <p:sp>
+          <p:nvSpPr>
+            <p:cNvPr id="18" name="Oval 17"/>
+            <p:cNvSpPr/>
+            <p:nvPr/>
+          </p:nvSpPr>
+          <p:spPr>
+            <a:xfrm>
+              <a:off x="3875964" y="2279176"/>
+              <a:ext cx="655093" cy="573206"/>
+            </a:xfrm>
+            <a:prstGeom prst="ellipse">
+              <a:avLst/>
+            </a:prstGeom>
+            <a:solidFill>
+              <a:srgbClr val="002060"/>
+            </a:solidFill>
+          </p:spPr>
+          <p:style>
+            <a:lnRef idx="2">
+              <a:schemeClr val="accent1">
+                <a:shade val="50000"/>
+              </a:schemeClr>
+            </a:lnRef>
+            <a:fillRef idx="1">
+              <a:schemeClr val="accent1"/>
+            </a:fillRef>
+            <a:effectRef idx="0">
+              <a:schemeClr val="accent1"/>
+            </a:effectRef>
+            <a:fontRef idx="minor">
+              <a:schemeClr val="lt1"/>
+            </a:fontRef>
+          </p:style>
+          <p:txBody>
+            <a:bodyPr rtlCol="0" anchor="ctr"/>
+            <a:lstStyle/>
+            <a:p>
+              <a:pPr algn="ctr"/>
+              <a:endParaRPr lang="en-US"/>
+            </a:p>
+          </p:txBody>
+        </p:sp>
+        <p:sp>
+          <p:nvSpPr>
+            <p:cNvPr id="19" name="TextBox 18"/>
+            <p:cNvSpPr txBox="1"/>
+            <p:nvPr/>
+          </p:nvSpPr>
+          <p:spPr>
+            <a:xfrm>
+              <a:off x="3978322" y="2334946"/>
+              <a:ext cx="450376" cy="461665"/>
+            </a:xfrm>
+            <a:prstGeom prst="rect">
+              <a:avLst/>
+            </a:prstGeom>
+            <a:noFill/>
+          </p:spPr>
+          <p:txBody>
+            <a:bodyPr wrap="square" rtlCol="0">
+              <a:spAutoFit/>
+            </a:bodyPr>
+            <a:lstStyle/>
+            <a:p>
+              <a:pPr algn="ctr"/>
+              <a:r>
+                <a:rPr lang="en-US" sz="2400" b="1" dirty="0">
+                  <a:latin typeface="Cambria Math" charset="0"/>
+                  <a:ea typeface="Cambria Math" charset="0"/>
+                  <a:cs typeface="Cambria Math" charset="0"/>
+                </a:rPr>
+                <a:t>3</a:t>
+              </a:r>
+              <a:endParaRPr lang="en-US" b="1" dirty="0">
+                <a:latin typeface="Cambria Math" charset="0"/>
+                <a:ea typeface="Cambria Math" charset="0"/>
+                <a:cs typeface="Cambria Math" charset="0"/>
+              </a:endParaRPr>
+            </a:p>
+          </p:txBody>
+        </p:sp>
+      </p:grpSp>
+      <p:cxnSp>
+        <p:nvCxnSpPr>
+          <p:cNvPr id="20" name="Straight Connector 19"/>
+          <p:cNvCxnSpPr/>
+          <p:nvPr/>
+        </p:nvCxnSpPr>
+        <p:spPr>
+          <a:xfrm flipV="1">
+            <a:off x="2295502" y="822276"/>
+            <a:ext cx="7517238" cy="0"/>
+          </a:xfrm>
+          <a:prstGeom prst="line">
+            <a:avLst/>
+          </a:prstGeom>
+          <a:ln w="38100">
+            <a:solidFill>
+              <a:srgbClr val="56A2C3"/>
+            </a:solidFill>
+          </a:ln>
+          <a:effectLst/>
+        </p:spPr>
+        <p:style>
+          <a:lnRef idx="2">
+            <a:schemeClr val="accent1"/>
+          </a:lnRef>
+          <a:fillRef idx="0">
+            <a:schemeClr val="accent1"/>
+          </a:fillRef>
+          <a:effectRef idx="1">
+            <a:schemeClr val="accent1"/>
+          </a:effectRef>
+          <a:fontRef idx="minor">
+            <a:schemeClr val="tx1"/>
+          </a:fontRef>
+        </p:style>
+      </p:cxnSp>
+      <p:cxnSp>
+        <p:nvCxnSpPr>
+          <p:cNvPr id="22" name="Straight Connector 21"/>
+          <p:cNvCxnSpPr/>
+          <p:nvPr/>
+        </p:nvCxnSpPr>
+        <p:spPr>
+          <a:xfrm>
+            <a:off x="1095002" y="2642885"/>
+            <a:ext cx="4320000" cy="20593"/>
+          </a:xfrm>
+          <a:prstGeom prst="line">
+            <a:avLst/>
+          </a:prstGeom>
+          <a:ln w="28575">
+            <a:solidFill>
+              <a:schemeClr val="tx1"/>
+            </a:solidFill>
+            <a:prstDash val="sysDash"/>
+          </a:ln>
+        </p:spPr>
+        <p:style>
+          <a:lnRef idx="1">
+            <a:schemeClr val="accent1"/>
+          </a:lnRef>
+          <a:fillRef idx="0">
+            <a:schemeClr val="accent1"/>
+          </a:fillRef>
+          <a:effectRef idx="0">
+            <a:schemeClr val="accent1"/>
+          </a:effectRef>
+          <a:fontRef idx="minor">
+            <a:schemeClr val="tx1"/>
+          </a:fontRef>
+        </p:style>
+      </p:cxnSp>
+      <p:cxnSp>
+        <p:nvCxnSpPr>
+          <p:cNvPr id="24" name="Straight Connector 23"/>
+          <p:cNvCxnSpPr/>
+          <p:nvPr/>
+        </p:nvCxnSpPr>
+        <p:spPr>
+          <a:xfrm>
+            <a:off x="1369268" y="4539097"/>
+            <a:ext cx="4362792" cy="26810"/>
+          </a:xfrm>
+          <a:prstGeom prst="line">
+            <a:avLst/>
+          </a:prstGeom>
+          <a:ln w="28575">
+            <a:solidFill>
+              <a:schemeClr val="tx1"/>
+            </a:solidFill>
+            <a:prstDash val="sysDash"/>
+          </a:ln>
+        </p:spPr>
+        <p:style>
+          <a:lnRef idx="1">
+            <a:schemeClr val="accent1"/>
+          </a:lnRef>
+          <a:fillRef idx="0">
+            <a:schemeClr val="accent1"/>
+          </a:fillRef>
+          <a:effectRef idx="0">
+            <a:schemeClr val="accent1"/>
+          </a:effectRef>
+          <a:fontRef idx="minor">
+            <a:schemeClr val="tx1"/>
+          </a:fontRef>
+        </p:style>
+      </p:cxnSp>
+    </p:spTree>
+    <p:extLst>
+      <p:ext uri="{BB962C8B-B14F-4D97-AF65-F5344CB8AC3E}">
+        <p14:creationId xmlns:p14="http://schemas.microsoft.com/office/powerpoint/2010/main" val="917609663"/>
+      </p:ext>
+    </p:extLst>
+  </p:cSld>
+  <p:clrMapOvr>
+    <a:masterClrMapping/>
+  </p:clrMapOvr>
+  <p:timing>
+    <p:tnLst>
+      <p:par>
+        <p:cTn id="1" dur="indefinite" restart="never" nodeType="tmRoot"/>
+      </p:par>
+    </p:tnLst>
+  </p:timing>
+</p:sld>
+</file>
+
+<file path=ppt/slides/slide3.xml><?xml version="1.0" encoding="utf-8"?>
+<p:sld xmlns:a="http://schemas.openxmlformats.org/drawingml/2006/main" xmlns:r="http://schemas.openxmlformats.org/officeDocument/2006/relationships" xmlns:p="http://schemas.openxmlformats.org/presentationml/2006/main">
+  <p:cSld>
+    <p:spTree>
+      <p:nvGrpSpPr>
+        <p:cNvPr id="1" name=""/>
+        <p:cNvGrpSpPr/>
+        <p:nvPr/>
+      </p:nvGrpSpPr>
+      <p:grpSpPr>
+        <a:xfrm>
+          <a:off x="0" y="0"/>
+          <a:ext cx="0" cy="0"/>
+          <a:chOff x="0" y="0"/>
+          <a:chExt cx="0" cy="0"/>
+        </a:xfrm>
+      </p:grpSpPr>
+      <p:pic>
+        <p:nvPicPr>
+          <p:cNvPr id="4" name="Picture 3"/>
+          <p:cNvPicPr>
+            <a:picLocks noChangeAspect="1"/>
+          </p:cNvPicPr>
+          <p:nvPr/>
+        </p:nvPicPr>
+        <p:blipFill>
+          <a:blip r:embed="rId2">
+            <a:extLst>
+              <a:ext uri="{28A0092B-C50C-407E-A947-70E740481C1C}">
+                <a14:useLocalDpi xmlns:a14="http://schemas.microsoft.com/office/drawing/2010/main" val="0"/>
+              </a:ext>
+            </a:extLst>
+          </a:blip>
+          <a:stretch>
+            <a:fillRect/>
+          </a:stretch>
+        </p:blipFill>
+        <p:spPr>
+          <a:xfrm>
+            <a:off x="411506" y="313899"/>
+            <a:ext cx="7313127" cy="6196083"/>
+          </a:xfrm>
+          <a:prstGeom prst="rect">
+            <a:avLst/>
+          </a:prstGeom>
+        </p:spPr>
+      </p:pic>
+      <p:sp>
+        <p:nvSpPr>
+          <p:cNvPr id="6" name="TextBox 7"/>
+          <p:cNvSpPr txBox="1">
+            <a:spLocks noChangeArrowheads="1"/>
+          </p:cNvSpPr>
+          <p:nvPr/>
+        </p:nvSpPr>
+        <p:spPr bwMode="auto">
+          <a:xfrm>
+            <a:off x="8208927" y="3313291"/>
+            <a:ext cx="3623682" cy="904863"/>
+          </a:xfrm>
+          <a:prstGeom prst="rect">
+            <a:avLst/>
+          </a:prstGeom>
+          <a:noFill/>
+          <a:ln>
+            <a:noFill/>
+          </a:ln>
+          <a:extLst>
+            <a:ext uri="{909E8E84-426E-40DD-AFC4-6F175D3DCCD1}">
+              <a14:hiddenFill xmlns:a14="http://schemas.microsoft.com/office/drawing/2010/main">
+                <a:solidFill>
+                  <a:srgbClr val="FFFFFF"/>
+                </a:solidFill>
+              </a14:hiddenFill>
+            </a:ext>
+            <a:ext uri="{91240B29-F687-4F45-9708-019B960494DF}">
+              <a14:hiddenLine xmlns:a14="http://schemas.microsoft.com/office/drawing/2010/main" w="9525">
+                <a:solidFill>
+                  <a:srgbClr val="000000"/>
+                </a:solidFill>
+                <a:miter lim="800000"/>
+                <a:headEnd/>
+                <a:tailEnd/>
+              </a14:hiddenLine>
+            </a:ext>
+          </a:extLst>
+        </p:spPr>
+        <p:txBody>
+          <a:bodyPr wrap="square">
+            <a:spAutoFit/>
+          </a:bodyPr>
+          <a:lstStyle>
+            <a:lvl1pPr>
+              <a:spcBef>
+                <a:spcPct val="20000"/>
+              </a:spcBef>
+              <a:buFont typeface="Arial" charset="0"/>
+              <a:buChar char="•"/>
+              <a:defRPr sz="3200">
+                <a:solidFill>
+                  <a:schemeClr val="tx1"/>
+                </a:solidFill>
+                <a:latin typeface="Calibri" charset="0"/>
+                <a:ea typeface="ＭＳ Ｐゴシック" charset="-128"/>
+              </a:defRPr>
+            </a:lvl1pPr>
+            <a:lvl2pPr marL="742950" indent="-285750">
+              <a:spcBef>
+                <a:spcPct val="20000"/>
+              </a:spcBef>
+              <a:buFont typeface="Arial" charset="0"/>
+              <a:buChar char="–"/>
+              <a:defRPr sz="2800">
+                <a:solidFill>
+                  <a:schemeClr val="tx1"/>
+                </a:solidFill>
+                <a:latin typeface="Calibri" charset="0"/>
+                <a:ea typeface="ＭＳ Ｐゴシック" charset="-128"/>
+              </a:defRPr>
+            </a:lvl2pPr>
+            <a:lvl3pPr marL="1143000" indent="-228600">
+              <a:spcBef>
+                <a:spcPct val="20000"/>
+              </a:spcBef>
+              <a:buFont typeface="Arial" charset="0"/>
+              <a:buChar char="•"/>
+              <a:defRPr sz="2400">
+                <a:solidFill>
+                  <a:schemeClr val="tx1"/>
+                </a:solidFill>
+                <a:latin typeface="Calibri" charset="0"/>
+                <a:ea typeface="ＭＳ Ｐゴシック" charset="-128"/>
+              </a:defRPr>
+            </a:lvl3pPr>
+            <a:lvl4pPr marL="1600200" indent="-228600">
+              <a:spcBef>
+                <a:spcPct val="20000"/>
+              </a:spcBef>
+              <a:buFont typeface="Arial" charset="0"/>
+              <a:buChar char="–"/>
+              <a:defRPr sz="2000">
+                <a:solidFill>
+                  <a:schemeClr val="tx1"/>
+                </a:solidFill>
+                <a:latin typeface="Calibri" charset="0"/>
+                <a:ea typeface="ＭＳ Ｐゴシック" charset="-128"/>
+              </a:defRPr>
+            </a:lvl4pPr>
+            <a:lvl5pPr marL="2057400" indent="-228600">
+              <a:spcBef>
+                <a:spcPct val="20000"/>
+              </a:spcBef>
+              <a:buFont typeface="Arial" charset="0"/>
+              <a:buChar char="»"/>
+              <a:defRPr sz="2000">
+                <a:solidFill>
+                  <a:schemeClr val="tx1"/>
+                </a:solidFill>
+                <a:latin typeface="Calibri" charset="0"/>
+                <a:ea typeface="ＭＳ Ｐゴシック" charset="-128"/>
+              </a:defRPr>
+            </a:lvl5pPr>
+            <a:lvl6pPr marL="2514600" indent="-228600" defTabSz="457200" eaLnBrk="0" fontAlgn="base" hangingPunct="0">
+              <a:spcBef>
+                <a:spcPct val="20000"/>
+              </a:spcBef>
+              <a:spcAft>
+                <a:spcPct val="0"/>
+              </a:spcAft>
+              <a:buFont typeface="Arial" charset="0"/>
+              <a:buChar char="»"/>
+              <a:defRPr sz="2000">
+                <a:solidFill>
+                  <a:schemeClr val="tx1"/>
+                </a:solidFill>
+                <a:latin typeface="Calibri" charset="0"/>
+                <a:ea typeface="ＭＳ Ｐゴシック" charset="-128"/>
+              </a:defRPr>
+            </a:lvl6pPr>
+            <a:lvl7pPr marL="2971800" indent="-228600" defTabSz="457200" eaLnBrk="0" fontAlgn="base" hangingPunct="0">
+              <a:spcBef>
+                <a:spcPct val="20000"/>
+              </a:spcBef>
+              <a:spcAft>
+                <a:spcPct val="0"/>
+              </a:spcAft>
+              <a:buFont typeface="Arial" charset="0"/>
+              <a:buChar char="»"/>
+              <a:defRPr sz="2000">
+                <a:solidFill>
+                  <a:schemeClr val="tx1"/>
+                </a:solidFill>
+                <a:latin typeface="Calibri" charset="0"/>
+                <a:ea typeface="ＭＳ Ｐゴシック" charset="-128"/>
+              </a:defRPr>
+            </a:lvl7pPr>
+            <a:lvl8pPr marL="3429000" indent="-228600" defTabSz="457200" eaLnBrk="0" fontAlgn="base" hangingPunct="0">
+              <a:spcBef>
+                <a:spcPct val="20000"/>
+              </a:spcBef>
+              <a:spcAft>
+                <a:spcPct val="0"/>
+              </a:spcAft>
+              <a:buFont typeface="Arial" charset="0"/>
+              <a:buChar char="»"/>
+              <a:defRPr sz="2000">
+                <a:solidFill>
+                  <a:schemeClr val="tx1"/>
+                </a:solidFill>
+                <a:latin typeface="Calibri" charset="0"/>
+                <a:ea typeface="ＭＳ Ｐゴシック" charset="-128"/>
+              </a:defRPr>
+            </a:lvl8pPr>
+            <a:lvl9pPr marL="3886200" indent="-228600" defTabSz="457200" eaLnBrk="0" fontAlgn="base" hangingPunct="0">
+              <a:spcBef>
+                <a:spcPct val="20000"/>
+              </a:spcBef>
+              <a:spcAft>
+                <a:spcPct val="0"/>
+              </a:spcAft>
+              <a:buFont typeface="Arial" charset="0"/>
+              <a:buChar char="»"/>
+              <a:defRPr sz="2000">
+                <a:solidFill>
+                  <a:schemeClr val="tx1"/>
+                </a:solidFill>
+                <a:latin typeface="Calibri" charset="0"/>
+                <a:ea typeface="ＭＳ Ｐゴシック" charset="-128"/>
+              </a:defRPr>
+            </a:lvl9pPr>
+          </a:lstStyle>
+          <a:p>
+            <a:pPr algn="ctr" eaLnBrk="1" hangingPunct="1">
+              <a:lnSpc>
+                <a:spcPct val="110000"/>
+              </a:lnSpc>
+              <a:spcBef>
+                <a:spcPct val="0"/>
+              </a:spcBef>
+              <a:buFontTx/>
+              <a:buNone/>
+            </a:pPr>
+            <a:r>
+              <a:rPr lang="en-US" altLang="en-US" sz="1600" b="1" i="1" dirty="0" smtClean="0">
+                <a:latin typeface="Century Gothic" charset="0"/>
+              </a:rPr>
+              <a:t>Linear Regression, Boosted Decision Tree, Binary Logistics Regression (done in R and Azure)</a:t>
+            </a:r>
+            <a:endParaRPr lang="en-US" altLang="en-US" sz="1600" b="1" i="1" dirty="0">
+              <a:latin typeface="Century Gothic" charset="0"/>
+            </a:endParaRPr>
+          </a:p>
+        </p:txBody>
+      </p:sp>
+      <p:sp>
+        <p:nvSpPr>
+          <p:cNvPr id="2" name="Down Arrow 1"/>
+          <p:cNvSpPr/>
+          <p:nvPr/>
+        </p:nvSpPr>
+        <p:spPr>
+          <a:xfrm>
+            <a:off x="9317907" y="914229"/>
+            <a:ext cx="1160059" cy="887105"/>
+          </a:xfrm>
+          <a:prstGeom prst="downArrow">
+            <a:avLst/>
+          </a:prstGeom>
+          <a:solidFill>
+            <a:schemeClr val="tx1"/>
+          </a:solidFill>
+        </p:spPr>
+        <p:style>
+          <a:lnRef idx="2">
+            <a:schemeClr val="accent1">
+              <a:shade val="50000"/>
+            </a:schemeClr>
+          </a:lnRef>
+          <a:fillRef idx="1">
+            <a:schemeClr val="accent1"/>
+          </a:fillRef>
+          <a:effectRef idx="0">
+            <a:schemeClr val="accent1"/>
+          </a:effectRef>
+          <a:fontRef idx="minor">
+            <a:schemeClr val="lt1"/>
+          </a:fontRef>
+        </p:style>
+        <p:txBody>
+          <a:bodyPr rtlCol="0" anchor="ctr"/>
+          <a:lstStyle/>
+          <a:p>
+            <a:pPr algn="ctr"/>
+            <a:endParaRPr lang="en-US"/>
+          </a:p>
+        </p:txBody>
+      </p:sp>
+      <p:sp>
+        <p:nvSpPr>
+          <p:cNvPr id="7" name="TextBox 7"/>
+          <p:cNvSpPr txBox="1">
+            <a:spLocks noChangeArrowheads="1"/>
+          </p:cNvSpPr>
+          <p:nvPr/>
+        </p:nvSpPr>
+        <p:spPr bwMode="auto">
+          <a:xfrm>
+            <a:off x="8086097" y="17576"/>
+            <a:ext cx="3623682" cy="904863"/>
+          </a:xfrm>
+          <a:prstGeom prst="rect">
+            <a:avLst/>
+          </a:prstGeom>
+          <a:noFill/>
+          <a:ln>
+            <a:noFill/>
+          </a:ln>
+          <a:extLst>
+            <a:ext uri="{909E8E84-426E-40DD-AFC4-6F175D3DCCD1}">
+              <a14:hiddenFill xmlns:a14="http://schemas.microsoft.com/office/drawing/2010/main">
+                <a:solidFill>
+                  <a:srgbClr val="FFFFFF"/>
+                </a:solidFill>
+              </a14:hiddenFill>
+            </a:ext>
+            <a:ext uri="{91240B29-F687-4F45-9708-019B960494DF}">
+              <a14:hiddenLine xmlns:a14="http://schemas.microsoft.com/office/drawing/2010/main" w="9525">
+                <a:solidFill>
+                  <a:srgbClr val="000000"/>
+                </a:solidFill>
+                <a:miter lim="800000"/>
+                <a:headEnd/>
+                <a:tailEnd/>
+              </a14:hiddenLine>
+            </a:ext>
+          </a:extLst>
+        </p:spPr>
+        <p:txBody>
+          <a:bodyPr wrap="square">
+            <a:spAutoFit/>
+          </a:bodyPr>
+          <a:lstStyle>
+            <a:lvl1pPr>
+              <a:spcBef>
+                <a:spcPct val="20000"/>
+              </a:spcBef>
+              <a:buFont typeface="Arial" charset="0"/>
+              <a:buChar char="•"/>
+              <a:defRPr sz="3200">
+                <a:solidFill>
+                  <a:schemeClr val="tx1"/>
+                </a:solidFill>
+                <a:latin typeface="Calibri" charset="0"/>
+                <a:ea typeface="ＭＳ Ｐゴシック" charset="-128"/>
+              </a:defRPr>
+            </a:lvl1pPr>
+            <a:lvl2pPr marL="742950" indent="-285750">
+              <a:spcBef>
+                <a:spcPct val="20000"/>
+              </a:spcBef>
+              <a:buFont typeface="Arial" charset="0"/>
+              <a:buChar char="–"/>
+              <a:defRPr sz="2800">
+                <a:solidFill>
+                  <a:schemeClr val="tx1"/>
+                </a:solidFill>
+                <a:latin typeface="Calibri" charset="0"/>
+                <a:ea typeface="ＭＳ Ｐゴシック" charset="-128"/>
+              </a:defRPr>
+            </a:lvl2pPr>
+            <a:lvl3pPr marL="1143000" indent="-228600">
+              <a:spcBef>
+                <a:spcPct val="20000"/>
+              </a:spcBef>
+              <a:buFont typeface="Arial" charset="0"/>
+              <a:buChar char="•"/>
+              <a:defRPr sz="2400">
+                <a:solidFill>
+                  <a:schemeClr val="tx1"/>
+                </a:solidFill>
+                <a:latin typeface="Calibri" charset="0"/>
+                <a:ea typeface="ＭＳ Ｐゴシック" charset="-128"/>
+              </a:defRPr>
+            </a:lvl3pPr>
+            <a:lvl4pPr marL="1600200" indent="-228600">
+              <a:spcBef>
+                <a:spcPct val="20000"/>
+              </a:spcBef>
+              <a:buFont typeface="Arial" charset="0"/>
+              <a:buChar char="–"/>
+              <a:defRPr sz="2000">
+                <a:solidFill>
+                  <a:schemeClr val="tx1"/>
+                </a:solidFill>
+                <a:latin typeface="Calibri" charset="0"/>
+                <a:ea typeface="ＭＳ Ｐゴシック" charset="-128"/>
+              </a:defRPr>
+            </a:lvl4pPr>
+            <a:lvl5pPr marL="2057400" indent="-228600">
+              <a:spcBef>
+                <a:spcPct val="20000"/>
+              </a:spcBef>
+              <a:buFont typeface="Arial" charset="0"/>
+              <a:buChar char="»"/>
+              <a:defRPr sz="2000">
+                <a:solidFill>
+                  <a:schemeClr val="tx1"/>
+                </a:solidFill>
+                <a:latin typeface="Calibri" charset="0"/>
+                <a:ea typeface="ＭＳ Ｐゴシック" charset="-128"/>
+              </a:defRPr>
+            </a:lvl5pPr>
+            <a:lvl6pPr marL="2514600" indent="-228600" defTabSz="457200" eaLnBrk="0" fontAlgn="base" hangingPunct="0">
+              <a:spcBef>
+                <a:spcPct val="20000"/>
+              </a:spcBef>
+              <a:spcAft>
+                <a:spcPct val="0"/>
+              </a:spcAft>
+              <a:buFont typeface="Arial" charset="0"/>
+              <a:buChar char="»"/>
+              <a:defRPr sz="2000">
+                <a:solidFill>
+                  <a:schemeClr val="tx1"/>
+                </a:solidFill>
+                <a:latin typeface="Calibri" charset="0"/>
+                <a:ea typeface="ＭＳ Ｐゴシック" charset="-128"/>
+              </a:defRPr>
+            </a:lvl6pPr>
+            <a:lvl7pPr marL="2971800" indent="-228600" defTabSz="457200" eaLnBrk="0" fontAlgn="base" hangingPunct="0">
+              <a:spcBef>
+                <a:spcPct val="20000"/>
+              </a:spcBef>
+              <a:spcAft>
+                <a:spcPct val="0"/>
+              </a:spcAft>
+              <a:buFont typeface="Arial" charset="0"/>
+              <a:buChar char="»"/>
+              <a:defRPr sz="2000">
+                <a:solidFill>
+                  <a:schemeClr val="tx1"/>
+                </a:solidFill>
+                <a:latin typeface="Calibri" charset="0"/>
+                <a:ea typeface="ＭＳ Ｐゴシック" charset="-128"/>
+              </a:defRPr>
+            </a:lvl7pPr>
+            <a:lvl8pPr marL="3429000" indent="-228600" defTabSz="457200" eaLnBrk="0" fontAlgn="base" hangingPunct="0">
+              <a:spcBef>
+                <a:spcPct val="20000"/>
+              </a:spcBef>
+              <a:spcAft>
+                <a:spcPct val="0"/>
+              </a:spcAft>
+              <a:buFont typeface="Arial" charset="0"/>
+              <a:buChar char="»"/>
+              <a:defRPr sz="2000">
+                <a:solidFill>
+                  <a:schemeClr val="tx1"/>
+                </a:solidFill>
+                <a:latin typeface="Calibri" charset="0"/>
+                <a:ea typeface="ＭＳ Ｐゴシック" charset="-128"/>
+              </a:defRPr>
+            </a:lvl8pPr>
+            <a:lvl9pPr marL="3886200" indent="-228600" defTabSz="457200" eaLnBrk="0" fontAlgn="base" hangingPunct="0">
+              <a:spcBef>
+                <a:spcPct val="20000"/>
+              </a:spcBef>
+              <a:spcAft>
+                <a:spcPct val="0"/>
+              </a:spcAft>
+              <a:buFont typeface="Arial" charset="0"/>
+              <a:buChar char="»"/>
+              <a:defRPr sz="2000">
+                <a:solidFill>
+                  <a:schemeClr val="tx1"/>
+                </a:solidFill>
+                <a:latin typeface="Calibri" charset="0"/>
+                <a:ea typeface="ＭＳ Ｐゴシック" charset="-128"/>
+              </a:defRPr>
+            </a:lvl9pPr>
+          </a:lstStyle>
+          <a:p>
+            <a:pPr algn="ctr" eaLnBrk="1" hangingPunct="1">
+              <a:lnSpc>
+                <a:spcPct val="110000"/>
+              </a:lnSpc>
+              <a:spcBef>
+                <a:spcPct val="0"/>
+              </a:spcBef>
+              <a:buFontTx/>
+              <a:buNone/>
+            </a:pPr>
+            <a:r>
+              <a:rPr lang="en-US" altLang="en-US" sz="1600" b="1" i="1" dirty="0" smtClean="0">
+                <a:latin typeface="Century Gothic" charset="0"/>
+              </a:rPr>
+              <a:t>Data Manipulation and Data Organization (done </a:t>
+            </a:r>
+            <a:r>
+              <a:rPr lang="en-US" altLang="en-US" sz="1600" b="1" i="1" smtClean="0">
+                <a:latin typeface="Century Gothic" charset="0"/>
+              </a:rPr>
+              <a:t>in </a:t>
+            </a:r>
+            <a:r>
+              <a:rPr lang="en-US" altLang="en-US" sz="1600" b="1" i="1" smtClean="0">
+                <a:latin typeface="Century Gothic" charset="0"/>
+              </a:rPr>
+              <a:t>R and Azure)</a:t>
+            </a:r>
+            <a:endParaRPr lang="en-US" altLang="en-US" sz="1600" b="1" i="1" dirty="0">
+              <a:latin typeface="Century Gothic" charset="0"/>
+            </a:endParaRPr>
+          </a:p>
+        </p:txBody>
+      </p:sp>
+      <p:sp>
+        <p:nvSpPr>
+          <p:cNvPr id="8" name="TextBox 7"/>
+          <p:cNvSpPr txBox="1">
+            <a:spLocks noChangeArrowheads="1"/>
+          </p:cNvSpPr>
+          <p:nvPr/>
+        </p:nvSpPr>
+        <p:spPr bwMode="auto">
+          <a:xfrm>
+            <a:off x="8086097" y="1899952"/>
+            <a:ext cx="3623682" cy="363176"/>
+          </a:xfrm>
+          <a:prstGeom prst="rect">
+            <a:avLst/>
+          </a:prstGeom>
+          <a:noFill/>
+          <a:ln>
+            <a:noFill/>
+          </a:ln>
+          <a:extLst>
+            <a:ext uri="{909E8E84-426E-40DD-AFC4-6F175D3DCCD1}">
+              <a14:hiddenFill xmlns:a14="http://schemas.microsoft.com/office/drawing/2010/main">
+                <a:solidFill>
+                  <a:srgbClr val="FFFFFF"/>
+                </a:solidFill>
+              </a14:hiddenFill>
+            </a:ext>
+            <a:ext uri="{91240B29-F687-4F45-9708-019B960494DF}">
+              <a14:hiddenLine xmlns:a14="http://schemas.microsoft.com/office/drawing/2010/main" w="9525">
+                <a:solidFill>
+                  <a:srgbClr val="000000"/>
+                </a:solidFill>
+                <a:miter lim="800000"/>
+                <a:headEnd/>
+                <a:tailEnd/>
+              </a14:hiddenLine>
+            </a:ext>
+          </a:extLst>
+        </p:spPr>
+        <p:txBody>
+          <a:bodyPr wrap="square">
+            <a:spAutoFit/>
+          </a:bodyPr>
+          <a:lstStyle>
+            <a:lvl1pPr>
+              <a:spcBef>
+                <a:spcPct val="20000"/>
+              </a:spcBef>
+              <a:buFont typeface="Arial" charset="0"/>
+              <a:buChar char="•"/>
+              <a:defRPr sz="3200">
+                <a:solidFill>
+                  <a:schemeClr val="tx1"/>
+                </a:solidFill>
+                <a:latin typeface="Calibri" charset="0"/>
+                <a:ea typeface="ＭＳ Ｐゴシック" charset="-128"/>
+              </a:defRPr>
+            </a:lvl1pPr>
+            <a:lvl2pPr marL="742950" indent="-285750">
+              <a:spcBef>
+                <a:spcPct val="20000"/>
+              </a:spcBef>
+              <a:buFont typeface="Arial" charset="0"/>
+              <a:buChar char="–"/>
+              <a:defRPr sz="2800">
+                <a:solidFill>
+                  <a:schemeClr val="tx1"/>
+                </a:solidFill>
+                <a:latin typeface="Calibri" charset="0"/>
+                <a:ea typeface="ＭＳ Ｐゴシック" charset="-128"/>
+              </a:defRPr>
+            </a:lvl2pPr>
+            <a:lvl3pPr marL="1143000" indent="-228600">
+              <a:spcBef>
+                <a:spcPct val="20000"/>
+              </a:spcBef>
+              <a:buFont typeface="Arial" charset="0"/>
+              <a:buChar char="•"/>
+              <a:defRPr sz="2400">
+                <a:solidFill>
+                  <a:schemeClr val="tx1"/>
+                </a:solidFill>
+                <a:latin typeface="Calibri" charset="0"/>
+                <a:ea typeface="ＭＳ Ｐゴシック" charset="-128"/>
+              </a:defRPr>
+            </a:lvl3pPr>
+            <a:lvl4pPr marL="1600200" indent="-228600">
+              <a:spcBef>
+                <a:spcPct val="20000"/>
+              </a:spcBef>
+              <a:buFont typeface="Arial" charset="0"/>
+              <a:buChar char="–"/>
+              <a:defRPr sz="2000">
+                <a:solidFill>
+                  <a:schemeClr val="tx1"/>
+                </a:solidFill>
+                <a:latin typeface="Calibri" charset="0"/>
+                <a:ea typeface="ＭＳ Ｐゴシック" charset="-128"/>
+              </a:defRPr>
+            </a:lvl4pPr>
+            <a:lvl5pPr marL="2057400" indent="-228600">
+              <a:spcBef>
+                <a:spcPct val="20000"/>
+              </a:spcBef>
+              <a:buFont typeface="Arial" charset="0"/>
+              <a:buChar char="»"/>
+              <a:defRPr sz="2000">
+                <a:solidFill>
+                  <a:schemeClr val="tx1"/>
+                </a:solidFill>
+                <a:latin typeface="Calibri" charset="0"/>
+                <a:ea typeface="ＭＳ Ｐゴシック" charset="-128"/>
+              </a:defRPr>
+            </a:lvl5pPr>
+            <a:lvl6pPr marL="2514600" indent="-228600" defTabSz="457200" eaLnBrk="0" fontAlgn="base" hangingPunct="0">
+              <a:spcBef>
+                <a:spcPct val="20000"/>
+              </a:spcBef>
+              <a:spcAft>
+                <a:spcPct val="0"/>
+              </a:spcAft>
+              <a:buFont typeface="Arial" charset="0"/>
+              <a:buChar char="»"/>
+              <a:defRPr sz="2000">
+                <a:solidFill>
+                  <a:schemeClr val="tx1"/>
+                </a:solidFill>
+                <a:latin typeface="Calibri" charset="0"/>
+                <a:ea typeface="ＭＳ Ｐゴシック" charset="-128"/>
+              </a:defRPr>
+            </a:lvl6pPr>
+            <a:lvl7pPr marL="2971800" indent="-228600" defTabSz="457200" eaLnBrk="0" fontAlgn="base" hangingPunct="0">
+              <a:spcBef>
+                <a:spcPct val="20000"/>
+              </a:spcBef>
+              <a:spcAft>
+                <a:spcPct val="0"/>
+              </a:spcAft>
+              <a:buFont typeface="Arial" charset="0"/>
+              <a:buChar char="»"/>
+              <a:defRPr sz="2000">
+                <a:solidFill>
+                  <a:schemeClr val="tx1"/>
+                </a:solidFill>
+                <a:latin typeface="Calibri" charset="0"/>
+                <a:ea typeface="ＭＳ Ｐゴシック" charset="-128"/>
+              </a:defRPr>
+            </a:lvl7pPr>
+            <a:lvl8pPr marL="3429000" indent="-228600" defTabSz="457200" eaLnBrk="0" fontAlgn="base" hangingPunct="0">
+              <a:spcBef>
+                <a:spcPct val="20000"/>
+              </a:spcBef>
+              <a:spcAft>
+                <a:spcPct val="0"/>
+              </a:spcAft>
+              <a:buFont typeface="Arial" charset="0"/>
+              <a:buChar char="»"/>
+              <a:defRPr sz="2000">
+                <a:solidFill>
+                  <a:schemeClr val="tx1"/>
+                </a:solidFill>
+                <a:latin typeface="Calibri" charset="0"/>
+                <a:ea typeface="ＭＳ Ｐゴシック" charset="-128"/>
+              </a:defRPr>
+            </a:lvl8pPr>
+            <a:lvl9pPr marL="3886200" indent="-228600" defTabSz="457200" eaLnBrk="0" fontAlgn="base" hangingPunct="0">
+              <a:spcBef>
+                <a:spcPct val="20000"/>
+              </a:spcBef>
+              <a:spcAft>
+                <a:spcPct val="0"/>
+              </a:spcAft>
+              <a:buFont typeface="Arial" charset="0"/>
+              <a:buChar char="»"/>
+              <a:defRPr sz="2000">
+                <a:solidFill>
+                  <a:schemeClr val="tx1"/>
+                </a:solidFill>
+                <a:latin typeface="Calibri" charset="0"/>
+                <a:ea typeface="ＭＳ Ｐゴシック" charset="-128"/>
+              </a:defRPr>
+            </a:lvl9pPr>
+          </a:lstStyle>
+          <a:p>
+            <a:pPr algn="ctr" eaLnBrk="1" hangingPunct="1">
+              <a:lnSpc>
+                <a:spcPct val="110000"/>
+              </a:lnSpc>
+              <a:spcBef>
+                <a:spcPct val="0"/>
+              </a:spcBef>
+              <a:buFontTx/>
+              <a:buNone/>
+            </a:pPr>
+            <a:r>
+              <a:rPr lang="en-US" altLang="en-US" sz="1600" b="1" i="1" dirty="0" smtClean="0">
+                <a:latin typeface="Century Gothic" charset="0"/>
+              </a:rPr>
+              <a:t>Feature Selection (done in Azure)</a:t>
+            </a:r>
+            <a:endParaRPr lang="en-US" altLang="en-US" sz="1600" b="1" i="1" dirty="0">
+              <a:latin typeface="Century Gothic" charset="0"/>
+            </a:endParaRPr>
+          </a:p>
+        </p:txBody>
+      </p:sp>
+      <p:sp>
+        <p:nvSpPr>
+          <p:cNvPr id="9" name="Down Arrow 8"/>
+          <p:cNvSpPr/>
+          <p:nvPr/>
+        </p:nvSpPr>
+        <p:spPr>
+          <a:xfrm>
+            <a:off x="9317907" y="2344657"/>
+            <a:ext cx="1160059" cy="887105"/>
+          </a:xfrm>
+          <a:prstGeom prst="downArrow">
+            <a:avLst/>
+          </a:prstGeom>
+          <a:solidFill>
+            <a:schemeClr val="tx1"/>
+          </a:solidFill>
+        </p:spPr>
+        <p:style>
+          <a:lnRef idx="2">
+            <a:schemeClr val="accent1">
+              <a:shade val="50000"/>
+            </a:schemeClr>
+          </a:lnRef>
+          <a:fillRef idx="1">
+            <a:schemeClr val="accent1"/>
+          </a:fillRef>
+          <a:effectRef idx="0">
+            <a:schemeClr val="accent1"/>
+          </a:effectRef>
+          <a:fontRef idx="minor">
+            <a:schemeClr val="lt1"/>
+          </a:fontRef>
+        </p:style>
+        <p:txBody>
+          <a:bodyPr rtlCol="0" anchor="ctr"/>
+          <a:lstStyle/>
+          <a:p>
+            <a:pPr algn="ctr"/>
+            <a:endParaRPr lang="en-US"/>
+          </a:p>
+        </p:txBody>
+      </p:sp>
+      <p:sp>
+        <p:nvSpPr>
+          <p:cNvPr id="10" name="Down Arrow 9"/>
+          <p:cNvSpPr/>
+          <p:nvPr/>
+        </p:nvSpPr>
+        <p:spPr>
+          <a:xfrm>
+            <a:off x="9317907" y="4376705"/>
+            <a:ext cx="1160059" cy="887105"/>
+          </a:xfrm>
+          <a:prstGeom prst="downArrow">
+            <a:avLst/>
+          </a:prstGeom>
+          <a:solidFill>
+            <a:schemeClr val="tx1"/>
+          </a:solidFill>
+        </p:spPr>
+        <p:style>
+          <a:lnRef idx="2">
+            <a:schemeClr val="accent1">
+              <a:shade val="50000"/>
+            </a:schemeClr>
+          </a:lnRef>
+          <a:fillRef idx="1">
+            <a:schemeClr val="accent1"/>
+          </a:fillRef>
+          <a:effectRef idx="0">
+            <a:schemeClr val="accent1"/>
+          </a:effectRef>
+          <a:fontRef idx="minor">
+            <a:schemeClr val="lt1"/>
+          </a:fontRef>
+        </p:style>
+        <p:txBody>
+          <a:bodyPr rtlCol="0" anchor="ctr"/>
+          <a:lstStyle/>
+          <a:p>
+            <a:pPr algn="ctr"/>
+            <a:endParaRPr lang="en-US"/>
+          </a:p>
+        </p:txBody>
+      </p:sp>
+      <p:sp>
+        <p:nvSpPr>
+          <p:cNvPr id="11" name="TextBox 10"/>
+          <p:cNvSpPr txBox="1">
+            <a:spLocks noChangeArrowheads="1"/>
+          </p:cNvSpPr>
+          <p:nvPr/>
+        </p:nvSpPr>
+        <p:spPr bwMode="auto">
+          <a:xfrm>
+            <a:off x="8208927" y="5494559"/>
+            <a:ext cx="3623682" cy="634020"/>
+          </a:xfrm>
+          <a:prstGeom prst="rect">
+            <a:avLst/>
+          </a:prstGeom>
+          <a:noFill/>
+          <a:ln>
+            <a:noFill/>
+          </a:ln>
+          <a:extLst>
+            <a:ext uri="{909E8E84-426E-40DD-AFC4-6F175D3DCCD1}">
+              <a14:hiddenFill xmlns:a14="http://schemas.microsoft.com/office/drawing/2010/main">
+                <a:solidFill>
+                  <a:srgbClr val="FFFFFF"/>
+                </a:solidFill>
+              </a14:hiddenFill>
+            </a:ext>
+            <a:ext uri="{91240B29-F687-4F45-9708-019B960494DF}">
+              <a14:hiddenLine xmlns:a14="http://schemas.microsoft.com/office/drawing/2010/main" w="9525">
+                <a:solidFill>
+                  <a:srgbClr val="000000"/>
+                </a:solidFill>
+                <a:miter lim="800000"/>
+                <a:headEnd/>
+                <a:tailEnd/>
+              </a14:hiddenLine>
+            </a:ext>
+          </a:extLst>
+        </p:spPr>
+        <p:txBody>
+          <a:bodyPr wrap="square">
+            <a:spAutoFit/>
+          </a:bodyPr>
+          <a:lstStyle>
+            <a:lvl1pPr>
+              <a:spcBef>
+                <a:spcPct val="20000"/>
+              </a:spcBef>
+              <a:buFont typeface="Arial" charset="0"/>
+              <a:buChar char="•"/>
+              <a:defRPr sz="3200">
+                <a:solidFill>
+                  <a:schemeClr val="tx1"/>
+                </a:solidFill>
+                <a:latin typeface="Calibri" charset="0"/>
+                <a:ea typeface="ＭＳ Ｐゴシック" charset="-128"/>
+              </a:defRPr>
+            </a:lvl1pPr>
+            <a:lvl2pPr marL="742950" indent="-285750">
+              <a:spcBef>
+                <a:spcPct val="20000"/>
+              </a:spcBef>
+              <a:buFont typeface="Arial" charset="0"/>
+              <a:buChar char="–"/>
+              <a:defRPr sz="2800">
+                <a:solidFill>
+                  <a:schemeClr val="tx1"/>
+                </a:solidFill>
+                <a:latin typeface="Calibri" charset="0"/>
+                <a:ea typeface="ＭＳ Ｐゴシック" charset="-128"/>
+              </a:defRPr>
+            </a:lvl2pPr>
+            <a:lvl3pPr marL="1143000" indent="-228600">
+              <a:spcBef>
+                <a:spcPct val="20000"/>
+              </a:spcBef>
+              <a:buFont typeface="Arial" charset="0"/>
+              <a:buChar char="•"/>
+              <a:defRPr sz="2400">
+                <a:solidFill>
+                  <a:schemeClr val="tx1"/>
+                </a:solidFill>
+                <a:latin typeface="Calibri" charset="0"/>
+                <a:ea typeface="ＭＳ Ｐゴシック" charset="-128"/>
+              </a:defRPr>
+            </a:lvl3pPr>
+            <a:lvl4pPr marL="1600200" indent="-228600">
+              <a:spcBef>
+                <a:spcPct val="20000"/>
+              </a:spcBef>
+              <a:buFont typeface="Arial" charset="0"/>
+              <a:buChar char="–"/>
+              <a:defRPr sz="2000">
+                <a:solidFill>
+                  <a:schemeClr val="tx1"/>
+                </a:solidFill>
+                <a:latin typeface="Calibri" charset="0"/>
+                <a:ea typeface="ＭＳ Ｐゴシック" charset="-128"/>
+              </a:defRPr>
+            </a:lvl4pPr>
+            <a:lvl5pPr marL="2057400" indent="-228600">
+              <a:spcBef>
+                <a:spcPct val="20000"/>
+              </a:spcBef>
+              <a:buFont typeface="Arial" charset="0"/>
+              <a:buChar char="»"/>
+              <a:defRPr sz="2000">
+                <a:solidFill>
+                  <a:schemeClr val="tx1"/>
+                </a:solidFill>
+                <a:latin typeface="Calibri" charset="0"/>
+                <a:ea typeface="ＭＳ Ｐゴシック" charset="-128"/>
+              </a:defRPr>
+            </a:lvl5pPr>
+            <a:lvl6pPr marL="2514600" indent="-228600" defTabSz="457200" eaLnBrk="0" fontAlgn="base" hangingPunct="0">
+              <a:spcBef>
+                <a:spcPct val="20000"/>
+              </a:spcBef>
+              <a:spcAft>
+                <a:spcPct val="0"/>
+              </a:spcAft>
+              <a:buFont typeface="Arial" charset="0"/>
+              <a:buChar char="»"/>
+              <a:defRPr sz="2000">
+                <a:solidFill>
+                  <a:schemeClr val="tx1"/>
+                </a:solidFill>
+                <a:latin typeface="Calibri" charset="0"/>
+                <a:ea typeface="ＭＳ Ｐゴシック" charset="-128"/>
+              </a:defRPr>
+            </a:lvl6pPr>
+            <a:lvl7pPr marL="2971800" indent="-228600" defTabSz="457200" eaLnBrk="0" fontAlgn="base" hangingPunct="0">
+              <a:spcBef>
+                <a:spcPct val="20000"/>
+              </a:spcBef>
+              <a:spcAft>
+                <a:spcPct val="0"/>
+              </a:spcAft>
+              <a:buFont typeface="Arial" charset="0"/>
+              <a:buChar char="»"/>
+              <a:defRPr sz="2000">
+                <a:solidFill>
+                  <a:schemeClr val="tx1"/>
+                </a:solidFill>
+                <a:latin typeface="Calibri" charset="0"/>
+                <a:ea typeface="ＭＳ Ｐゴシック" charset="-128"/>
+              </a:defRPr>
+            </a:lvl7pPr>
+            <a:lvl8pPr marL="3429000" indent="-228600" defTabSz="457200" eaLnBrk="0" fontAlgn="base" hangingPunct="0">
+              <a:spcBef>
+                <a:spcPct val="20000"/>
+              </a:spcBef>
+              <a:spcAft>
+                <a:spcPct val="0"/>
+              </a:spcAft>
+              <a:buFont typeface="Arial" charset="0"/>
+              <a:buChar char="»"/>
+              <a:defRPr sz="2000">
+                <a:solidFill>
+                  <a:schemeClr val="tx1"/>
+                </a:solidFill>
+                <a:latin typeface="Calibri" charset="0"/>
+                <a:ea typeface="ＭＳ Ｐゴシック" charset="-128"/>
+              </a:defRPr>
+            </a:lvl8pPr>
+            <a:lvl9pPr marL="3886200" indent="-228600" defTabSz="457200" eaLnBrk="0" fontAlgn="base" hangingPunct="0">
+              <a:spcBef>
+                <a:spcPct val="20000"/>
+              </a:spcBef>
+              <a:spcAft>
+                <a:spcPct val="0"/>
+              </a:spcAft>
+              <a:buFont typeface="Arial" charset="0"/>
+              <a:buChar char="»"/>
+              <a:defRPr sz="2000">
+                <a:solidFill>
+                  <a:schemeClr val="tx1"/>
+                </a:solidFill>
+                <a:latin typeface="Calibri" charset="0"/>
+                <a:ea typeface="ＭＳ Ｐゴシック" charset="-128"/>
+              </a:defRPr>
+            </a:lvl9pPr>
+          </a:lstStyle>
+          <a:p>
+            <a:pPr algn="ctr" eaLnBrk="1" hangingPunct="1">
+              <a:lnSpc>
+                <a:spcPct val="110000"/>
+              </a:lnSpc>
+              <a:spcBef>
+                <a:spcPct val="0"/>
+              </a:spcBef>
+              <a:buFontTx/>
+              <a:buNone/>
+            </a:pPr>
+            <a:r>
+              <a:rPr lang="en-US" altLang="en-US" sz="1600" b="1" i="1" dirty="0" smtClean="0">
+                <a:latin typeface="Century Gothic" charset="0"/>
+              </a:rPr>
+              <a:t>10-Fold Cross Validation (done in Azure and validate with R)</a:t>
+            </a:r>
+            <a:endParaRPr lang="en-US" altLang="en-US" sz="1600" b="1" i="1" dirty="0">
+              <a:latin typeface="Century Gothic" charset="0"/>
+            </a:endParaRPr>
+          </a:p>
+        </p:txBody>
+      </p:sp>
+    </p:spTree>
+    <p:extLst>
+      <p:ext uri="{BB962C8B-B14F-4D97-AF65-F5344CB8AC3E}">
+        <p14:creationId xmlns:p14="http://schemas.microsoft.com/office/powerpoint/2010/main" val="186125413"/>
+      </p:ext>
+    </p:extLst>
+  </p:cSld>
+  <p:clrMapOvr>
+    <a:masterClrMapping/>
+  </p:clrMapOvr>
+  <p:timing>
+    <p:tnLst>
+      <p:par>
+        <p:cTn id="1" dur="indefinite" restart="never" nodeType="tmRoot"/>
+      </p:par>
+    </p:tnLst>
+  </p:timing>
+</p:sld>
+</file>
+
+<file path=ppt/slides/slide4.xml><?xml version="1.0" encoding="utf-8"?>
 <p:sld xmlns:a="http://schemas.openxmlformats.org/drawingml/2006/main" xmlns:r="http://schemas.openxmlformats.org/officeDocument/2006/relationships" xmlns:p="http://schemas.openxmlformats.org/presentationml/2006/main">
   <p:cSld>
     <p:spTree>
@@ -8296,7 +13976,7 @@
         <p:spPr>
           <a:xfrm>
             <a:off x="8804" y="-63604"/>
-            <a:ext cx="12183196" cy="6858000"/>
+            <a:ext cx="12183196" cy="6921604"/>
           </a:xfrm>
           <a:prstGeom prst="rect">
             <a:avLst/>
@@ -8760,8 +14440,8 @@
         </p:nvSpPr>
         <p:spPr bwMode="auto">
           <a:xfrm>
-            <a:off x="683419" y="4106818"/>
-            <a:ext cx="2668587" cy="1643527"/>
+            <a:off x="217086" y="4259909"/>
+            <a:ext cx="3080997" cy="2086725"/>
           </a:xfrm>
           <a:prstGeom prst="rect">
             <a:avLst/>
@@ -8791,7 +14471,7 @@
           </a:extLst>
         </p:spPr>
         <p:txBody>
-          <a:bodyPr>
+          <a:bodyPr wrap="square">
             <a:spAutoFit/>
           </a:bodyPr>
           <a:lstStyle>
@@ -8935,7 +14615,7 @@
             </a:lvl9pPr>
           </a:lstStyle>
           <a:p>
-            <a:pPr eaLnBrk="1" hangingPunct="1">
+            <a:pPr algn="just" eaLnBrk="1" hangingPunct="1">
               <a:lnSpc>
                 <a:spcPct val="120000"/>
               </a:lnSpc>
@@ -8946,14 +14626,14 @@
               <a:buNone/>
             </a:pPr>
             <a:r>
-              <a:rPr lang="en-US" altLang="en-US" sz="1400" dirty="0" smtClean="0">
+              <a:rPr lang="en-US" altLang="en-US" sz="1800" dirty="0" smtClean="0">
                 <a:solidFill>
                   <a:srgbClr val="FFFFFF"/>
                 </a:solidFill>
               </a:rPr>
               <a:t>We’ve all been told that drinking makes you have a worse nights sleep and it turns out that it’s true! Being an alcoholic is the very strongest predictor of a bad nights sleep.</a:t>
             </a:r>
-            <a:endParaRPr lang="en-US" altLang="en-US" sz="1400" dirty="0">
+            <a:endParaRPr lang="en-US" altLang="en-US" sz="1800" dirty="0">
               <a:solidFill>
                 <a:srgbClr val="FFFFFF"/>
               </a:solidFill>
@@ -9410,8 +15090,8 @@
           </p:nvSpPr>
           <p:spPr bwMode="auto">
             <a:xfrm>
-              <a:off x="4797957" y="8301652"/>
-              <a:ext cx="1975644" cy="1107996"/>
+              <a:off x="4796369" y="8084779"/>
+              <a:ext cx="1975644" cy="1717200"/>
             </a:xfrm>
             <a:prstGeom prst="rect">
               <a:avLst/>
@@ -9596,13 +15276,22 @@
                 <a:buNone/>
               </a:pPr>
               <a:r>
-                <a:rPr lang="en-US" altLang="en-US" sz="2000" b="1" i="1" dirty="0">
-                  <a:solidFill>
-                    <a:schemeClr val="bg1"/>
-                  </a:solidFill>
+                <a:rPr lang="en-US" altLang="en-US" sz="2400" b="1" i="1" dirty="0">
                   <a:latin typeface="Century Gothic" charset="0"/>
                 </a:rPr>
-                <a:t>Factors Contribute to Sleep Quality</a:t>
+                <a:t>Factors </a:t>
+              </a:r>
+              <a:r>
+                <a:rPr lang="en-US" altLang="en-US" sz="2400" b="1" i="1" dirty="0" smtClean="0">
+                  <a:latin typeface="Century Gothic" charset="0"/>
+                </a:rPr>
+                <a:t>that Contribute </a:t>
+              </a:r>
+              <a:r>
+                <a:rPr lang="en-US" altLang="en-US" sz="2400" b="1" i="1" dirty="0">
+                  <a:latin typeface="Century Gothic" charset="0"/>
+                </a:rPr>
+                <a:t>to Sleep Quality</a:t>
               </a:r>
             </a:p>
           </p:txBody>
@@ -9618,8 +15307,8 @@
         </p:nvSpPr>
         <p:spPr bwMode="auto">
           <a:xfrm>
-            <a:off x="427817" y="1936531"/>
-            <a:ext cx="3359256" cy="1384995"/>
+            <a:off x="252683" y="1865950"/>
+            <a:ext cx="3760536" cy="2086725"/>
           </a:xfrm>
           <a:prstGeom prst="rect">
             <a:avLst/>
@@ -9804,22 +15493,14 @@
               <a:buNone/>
             </a:pPr>
             <a:r>
-              <a:rPr lang="en-US" altLang="en-US" sz="1400" dirty="0" smtClean="0">
+              <a:rPr lang="en-US" altLang="en-US" sz="1800" dirty="0" smtClean="0">
                 <a:solidFill>
                   <a:srgbClr val="FFFFFF"/>
                 </a:solidFill>
               </a:rPr>
-              <a:t>Having a social life filled </a:t>
+              <a:t>Having a social life filled with outdoor habits such as hiking, skiing, and exercise greatly increases your chance of getting a good night’s sleep. In fact, it’s as good for your sleep as alcoholism is bad.</a:t>
             </a:r>
-            <a:r>
-              <a:rPr lang="en-US" altLang="en-US" sz="1400" dirty="0" smtClean="0">
-                <a:solidFill>
-                  <a:srgbClr val="FFFFFF"/>
-                </a:solidFill>
-              </a:rPr>
-              <a:t>with outdoor habits such as hiking, skiing, and exercise greatly increases your chance of getting a good night’s sleep. In fact, it’s as good for your sleep as alcoholism is bad.</a:t>
-            </a:r>
-            <a:endParaRPr lang="en-US" altLang="en-US" sz="1400" dirty="0">
+            <a:endParaRPr lang="en-US" altLang="en-US" sz="1800" dirty="0">
               <a:solidFill>
                 <a:srgbClr val="FFFFFF"/>
               </a:solidFill>
@@ -9835,7 +15516,7 @@
         </p:nvCxnSpPr>
         <p:spPr>
           <a:xfrm>
-            <a:off x="334540" y="1451207"/>
+            <a:off x="201211" y="1700100"/>
             <a:ext cx="15875" cy="2216150"/>
           </a:xfrm>
           <a:prstGeom prst="line">
@@ -9873,8 +15554,8 @@
         </p:nvSpPr>
         <p:spPr bwMode="auto">
           <a:xfrm>
-            <a:off x="8351611" y="1929155"/>
-            <a:ext cx="3332373" cy="867930"/>
+            <a:off x="8248544" y="1930349"/>
+            <a:ext cx="3332373" cy="1089529"/>
           </a:xfrm>
           <a:prstGeom prst="rect">
             <a:avLst/>
@@ -10059,7 +15740,7 @@
               <a:buNone/>
             </a:pPr>
             <a:r>
-              <a:rPr lang="en-US" altLang="en-US" sz="1400" dirty="0" smtClean="0">
+              <a:rPr lang="en-US" altLang="en-US" sz="1800" dirty="0" smtClean="0">
                 <a:solidFill>
                   <a:srgbClr val="FFFFFF"/>
                 </a:solidFill>
@@ -10077,7 +15758,7 @@
         </p:nvCxnSpPr>
         <p:spPr>
           <a:xfrm flipH="1">
-            <a:off x="7968554" y="4133011"/>
+            <a:off x="7831651" y="3878987"/>
             <a:ext cx="6350" cy="2401888"/>
           </a:xfrm>
           <a:prstGeom prst="line">
@@ -10113,7 +15794,7 @@
         </p:nvCxnSpPr>
         <p:spPr>
           <a:xfrm>
-            <a:off x="11903550" y="1648683"/>
+            <a:off x="11738768" y="1884766"/>
             <a:ext cx="0" cy="2351088"/>
           </a:xfrm>
           <a:prstGeom prst="line">
@@ -10151,8 +15832,8 @@
         </p:nvSpPr>
         <p:spPr bwMode="auto">
           <a:xfrm>
-            <a:off x="8325238" y="4301825"/>
-            <a:ext cx="3328809" cy="1384995"/>
+            <a:off x="7938765" y="4112196"/>
+            <a:ext cx="3328809" cy="2086725"/>
           </a:xfrm>
           <a:prstGeom prst="rect">
             <a:avLst/>
@@ -10337,14 +16018,14 @@
               <a:buNone/>
             </a:pPr>
             <a:r>
-              <a:rPr lang="en-US" altLang="en-US" sz="1400" dirty="0" smtClean="0">
+              <a:rPr lang="en-US" altLang="en-US" sz="1800" dirty="0" smtClean="0">
                 <a:solidFill>
                   <a:srgbClr val="FFFFFF"/>
                 </a:solidFill>
               </a:rPr>
               <a:t>Another chronic habit that many people have is smoking. It turns out that this habit isn’t only bad for your lungs. Smoking is the second best predictor for having a bad nights sleep.</a:t>
             </a:r>
-            <a:endParaRPr lang="en-US" altLang="en-US" sz="1400" dirty="0">
+            <a:endParaRPr lang="en-US" altLang="en-US" sz="1800" dirty="0">
               <a:solidFill>
                 <a:srgbClr val="FFFFFF"/>
               </a:solidFill>
@@ -10447,7 +16128,7 @@
         </p:blipFill>
         <p:spPr bwMode="auto">
           <a:xfrm>
-            <a:off x="10532719" y="807915"/>
+            <a:off x="10779076" y="796187"/>
             <a:ext cx="1239837" cy="1150937"/>
           </a:xfrm>
           <a:prstGeom prst="rect">
@@ -10782,9 +16463,12 @@
               <a:buNone/>
             </a:pPr>
             <a:r>
-              <a:rPr lang="en-US" altLang="en-US" sz="1600" b="1" i="1">
-                <a:solidFill>
-                  <a:schemeClr val="bg1"/>
+              <a:rPr lang="en-US" altLang="en-US" sz="1600" b="1" i="1" dirty="0">
+                <a:solidFill>
+                  <a:schemeClr val="tx2">
+                    <a:lumMod val="40000"/>
+                    <a:lumOff val="60000"/>
+                  </a:schemeClr>
                 </a:solidFill>
                 <a:latin typeface="Century Gothic" charset="0"/>
               </a:rPr>
@@ -10991,7 +16675,10 @@
             <a:r>
               <a:rPr lang="en-US" altLang="en-US" sz="1600" b="1" i="1" dirty="0">
                 <a:solidFill>
-                  <a:schemeClr val="bg1"/>
+                  <a:schemeClr val="tx2">
+                    <a:lumMod val="40000"/>
+                    <a:lumOff val="60000"/>
+                  </a:schemeClr>
                 </a:solidFill>
                 <a:latin typeface="Century Gothic" charset="0"/>
               </a:rPr>
@@ -11494,8 +17181,8 @@
         </p:nvSpPr>
         <p:spPr>
           <a:xfrm flipH="1">
-            <a:off x="1643405" y="1423947"/>
-            <a:ext cx="2831977" cy="54520"/>
+            <a:off x="1397048" y="1423947"/>
+            <a:ext cx="3078333" cy="45719"/>
           </a:xfrm>
           <a:custGeom>
             <a:avLst/>
@@ -11597,7 +17284,7 @@
         </p:blipFill>
         <p:spPr bwMode="auto">
           <a:xfrm>
-            <a:off x="946943" y="736290"/>
+            <a:off x="290516" y="721363"/>
             <a:ext cx="1212850" cy="1241425"/>
           </a:xfrm>
           <a:prstGeom prst="rect">
@@ -12652,18 +18339,12 @@
               <a:buNone/>
             </a:pPr>
             <a:r>
-              <a:rPr lang="en-US" altLang="en-US" sz="1600" b="1" i="1" smtClean="0">
-                <a:solidFill>
-                  <a:schemeClr val="bg1"/>
-                </a:solidFill>
+              <a:rPr lang="en-US" altLang="en-US" sz="1600" b="1" i="1" dirty="0" smtClean="0">
                 <a:latin typeface="Century Gothic" charset="0"/>
               </a:rPr>
               <a:t>Alcoholic Profile</a:t>
             </a:r>
             <a:endParaRPr lang="en-US" altLang="en-US" sz="1600" b="1" i="1" dirty="0">
-              <a:solidFill>
-                <a:schemeClr val="bg1"/>
-              </a:solidFill>
               <a:latin typeface="Century Gothic" charset="0"/>
             </a:endParaRPr>
           </a:p>
@@ -12866,22 +18547,278 @@
             </a:pPr>
             <a:r>
               <a:rPr lang="en-US" altLang="en-US" sz="1600" b="1" i="1" dirty="0" smtClean="0">
-                <a:solidFill>
-                  <a:schemeClr val="bg1"/>
-                </a:solidFill>
                 <a:latin typeface="Century Gothic" charset="0"/>
               </a:rPr>
               <a:t>Smoking Habits</a:t>
             </a:r>
             <a:endParaRPr lang="en-US" altLang="en-US" sz="1600" b="1" i="1" dirty="0">
-              <a:solidFill>
-                <a:schemeClr val="bg1"/>
-              </a:solidFill>
               <a:latin typeface="Century Gothic" charset="0"/>
             </a:endParaRPr>
           </a:p>
         </p:txBody>
       </p:sp>
+      <p:sp>
+        <p:nvSpPr>
+          <p:cNvPr id="2" name="TextBox 1"/>
+          <p:cNvSpPr txBox="1"/>
+          <p:nvPr/>
+        </p:nvSpPr>
+        <p:spPr>
+          <a:xfrm>
+            <a:off x="3782920" y="5387793"/>
+            <a:ext cx="1343209" cy="646331"/>
+          </a:xfrm>
+          <a:prstGeom prst="rect">
+            <a:avLst/>
+          </a:prstGeom>
+          <a:noFill/>
+        </p:spPr>
+        <p:txBody>
+          <a:bodyPr wrap="square" rtlCol="0">
+            <a:spAutoFit/>
+          </a:bodyPr>
+          <a:lstStyle/>
+          <a:p>
+            <a:r>
+              <a:rPr lang="en-US" dirty="0" smtClean="0"/>
+              <a:t>Coefficient: -</a:t>
+            </a:r>
+            <a:r>
+              <a:rPr lang="en-US" b="1" dirty="0" smtClean="0"/>
+              <a:t>0.48270</a:t>
+            </a:r>
+            <a:endParaRPr lang="en-US" b="1" dirty="0"/>
+          </a:p>
+        </p:txBody>
+      </p:sp>
+      <p:sp>
+        <p:nvSpPr>
+          <p:cNvPr id="45" name="TextBox 44"/>
+          <p:cNvSpPr txBox="1"/>
+          <p:nvPr/>
+        </p:nvSpPr>
+        <p:spPr>
+          <a:xfrm>
+            <a:off x="6372465" y="5458384"/>
+            <a:ext cx="1343209" cy="646331"/>
+          </a:xfrm>
+          <a:prstGeom prst="rect">
+            <a:avLst/>
+          </a:prstGeom>
+          <a:noFill/>
+        </p:spPr>
+        <p:txBody>
+          <a:bodyPr wrap="square" rtlCol="0">
+            <a:spAutoFit/>
+          </a:bodyPr>
+          <a:lstStyle/>
+          <a:p>
+            <a:r>
+              <a:rPr lang="en-US" dirty="0" smtClean="0"/>
+              <a:t>Coefficient: </a:t>
+            </a:r>
+            <a:r>
+              <a:rPr lang="en-US" b="1" dirty="0" smtClean="0"/>
+              <a:t>-0.24373</a:t>
+            </a:r>
+            <a:endParaRPr lang="en-US" b="1" dirty="0"/>
+          </a:p>
+        </p:txBody>
+      </p:sp>
+      <p:sp>
+        <p:nvSpPr>
+          <p:cNvPr id="46" name="TextBox 45"/>
+          <p:cNvSpPr txBox="1"/>
+          <p:nvPr/>
+        </p:nvSpPr>
+        <p:spPr>
+          <a:xfrm>
+            <a:off x="2061264" y="1515434"/>
+            <a:ext cx="2229695" cy="369332"/>
+          </a:xfrm>
+          <a:prstGeom prst="rect">
+            <a:avLst/>
+          </a:prstGeom>
+          <a:noFill/>
+        </p:spPr>
+        <p:txBody>
+          <a:bodyPr wrap="square" rtlCol="0">
+            <a:spAutoFit/>
+          </a:bodyPr>
+          <a:lstStyle/>
+          <a:p>
+            <a:r>
+              <a:rPr lang="en-US" dirty="0" smtClean="0"/>
+              <a:t>Coefficient: </a:t>
+            </a:r>
+            <a:r>
+              <a:rPr lang="en-US" b="1" dirty="0" smtClean="0"/>
+              <a:t>0.49024</a:t>
+            </a:r>
+            <a:endParaRPr lang="en-US" b="1" dirty="0"/>
+          </a:p>
+        </p:txBody>
+      </p:sp>
+      <p:sp>
+        <p:nvSpPr>
+          <p:cNvPr id="47" name="TextBox 46"/>
+          <p:cNvSpPr txBox="1"/>
+          <p:nvPr/>
+        </p:nvSpPr>
+        <p:spPr>
+          <a:xfrm>
+            <a:off x="8208566" y="1577792"/>
+            <a:ext cx="2372473" cy="369332"/>
+          </a:xfrm>
+          <a:prstGeom prst="rect">
+            <a:avLst/>
+          </a:prstGeom>
+          <a:noFill/>
+        </p:spPr>
+        <p:txBody>
+          <a:bodyPr wrap="square" rtlCol="0">
+            <a:spAutoFit/>
+          </a:bodyPr>
+          <a:lstStyle/>
+          <a:p>
+            <a:r>
+              <a:rPr lang="en-US" dirty="0" smtClean="0"/>
+              <a:t>Coefficient: </a:t>
+            </a:r>
+            <a:r>
+              <a:rPr lang="en-US" b="1" dirty="0" smtClean="0"/>
+              <a:t>0.24549</a:t>
+            </a:r>
+            <a:endParaRPr lang="en-US" b="1" dirty="0"/>
+          </a:p>
+        </p:txBody>
+      </p:sp>
+      <p:pic>
+        <p:nvPicPr>
+          <p:cNvPr id="44" name="Picture 43"/>
+          <p:cNvPicPr>
+            <a:picLocks noChangeAspect="1"/>
+          </p:cNvPicPr>
+          <p:nvPr/>
+        </p:nvPicPr>
+        <p:blipFill>
+          <a:blip r:embed="rId6">
+            <a:extLst>
+              <a:ext uri="{28A0092B-C50C-407E-A947-70E740481C1C}">
+                <a14:useLocalDpi xmlns:a14="http://schemas.microsoft.com/office/drawing/2010/main" val="0"/>
+              </a:ext>
+            </a:extLst>
+          </a:blip>
+          <a:srcRect/>
+          <a:stretch>
+            <a:fillRect/>
+          </a:stretch>
+        </p:blipFill>
+        <p:spPr bwMode="auto">
+          <a:xfrm>
+            <a:off x="-65088" y="20478750"/>
+            <a:ext cx="9161463" cy="266700"/>
+          </a:xfrm>
+          <a:prstGeom prst="rect">
+            <a:avLst/>
+          </a:prstGeom>
+          <a:noFill/>
+          <a:ln>
+            <a:noFill/>
+          </a:ln>
+          <a:extLst>
+            <a:ext uri="{909E8E84-426E-40DD-AFC4-6F175D3DCCD1}">
+              <a14:hiddenFill xmlns:a14="http://schemas.microsoft.com/office/drawing/2010/main">
+                <a:solidFill>
+                  <a:srgbClr val="FFFFFF"/>
+                </a:solidFill>
+              </a14:hiddenFill>
+            </a:ext>
+            <a:ext uri="{91240B29-F687-4F45-9708-019B960494DF}">
+              <a14:hiddenLine xmlns:a14="http://schemas.microsoft.com/office/drawing/2010/main" w="9525">
+                <a:solidFill>
+                  <a:srgbClr val="000000"/>
+                </a:solidFill>
+                <a:miter lim="800000"/>
+                <a:headEnd/>
+                <a:tailEnd/>
+              </a14:hiddenLine>
+            </a:ext>
+          </a:extLst>
+        </p:spPr>
+      </p:pic>
+      <p:cxnSp>
+        <p:nvCxnSpPr>
+          <p:cNvPr id="19" name="Straight Connector 18"/>
+          <p:cNvCxnSpPr/>
+          <p:nvPr/>
+        </p:nvCxnSpPr>
+        <p:spPr>
+          <a:xfrm>
+            <a:off x="398463" y="4046440"/>
+            <a:ext cx="2660930" cy="0"/>
+          </a:xfrm>
+          <a:prstGeom prst="line">
+            <a:avLst/>
+          </a:prstGeom>
+          <a:ln w="28575">
+            <a:solidFill>
+              <a:schemeClr val="tx1"/>
+            </a:solidFill>
+            <a:prstDash val="sysDash"/>
+          </a:ln>
+        </p:spPr>
+        <p:style>
+          <a:lnRef idx="1">
+            <a:schemeClr val="accent1"/>
+          </a:lnRef>
+          <a:fillRef idx="0">
+            <a:schemeClr val="accent1"/>
+          </a:fillRef>
+          <a:effectRef idx="0">
+            <a:schemeClr val="accent1"/>
+          </a:effectRef>
+          <a:fontRef idx="minor">
+            <a:schemeClr val="tx1"/>
+          </a:fontRef>
+        </p:style>
+      </p:cxnSp>
+      <p:cxnSp>
+        <p:nvCxnSpPr>
+          <p:cNvPr id="50" name="Straight Connector 49"/>
+          <p:cNvCxnSpPr/>
+          <p:nvPr/>
+        </p:nvCxnSpPr>
+        <p:spPr>
+          <a:xfrm>
+            <a:off x="8072273" y="3916250"/>
+            <a:ext cx="3452115" cy="0"/>
+          </a:xfrm>
+          <a:prstGeom prst="line">
+            <a:avLst/>
+          </a:prstGeom>
+          <a:ln w="28575">
+            <a:solidFill>
+              <a:schemeClr val="tx1"/>
+            </a:solidFill>
+            <a:prstDash val="sysDash"/>
+          </a:ln>
+        </p:spPr>
+        <p:style>
+          <a:lnRef idx="1">
+            <a:schemeClr val="accent1"/>
+          </a:lnRef>
+          <a:fillRef idx="0">
+            <a:schemeClr val="accent1"/>
+          </a:fillRef>
+          <a:effectRef idx="0">
+            <a:schemeClr val="accent1"/>
+          </a:effectRef>
+          <a:fontRef idx="minor">
+            <a:schemeClr val="tx1"/>
+          </a:fontRef>
+        </p:style>
+      </p:cxnSp>
     </p:spTree>
     <p:extLst>
       <p:ext uri="{BB962C8B-B14F-4D97-AF65-F5344CB8AC3E}">
@@ -12892,103 +18829,20 @@
   <p:clrMapOvr>
     <a:masterClrMapping/>
   </p:clrMapOvr>
-</p:sld>
-</file>
-
-<file path=ppt/slides/slide3.xml><?xml version="1.0" encoding="utf-8"?>
-<p:sld xmlns:a="http://schemas.openxmlformats.org/drawingml/2006/main" xmlns:r="http://schemas.openxmlformats.org/officeDocument/2006/relationships" xmlns:p="http://schemas.openxmlformats.org/presentationml/2006/main">
-  <p:cSld>
-    <p:spTree>
-      <p:nvGrpSpPr>
-        <p:cNvPr id="1" name=""/>
-        <p:cNvGrpSpPr/>
-        <p:nvPr/>
-      </p:nvGrpSpPr>
-      <p:grpSpPr>
-        <a:xfrm>
-          <a:off x="0" y="0"/>
-          <a:ext cx="0" cy="0"/>
-          <a:chOff x="0" y="0"/>
-          <a:chExt cx="0" cy="0"/>
-        </a:xfrm>
-      </p:grpSpPr>
-      <p:pic>
-        <p:nvPicPr>
-          <p:cNvPr id="4" name="Picture 3"/>
-          <p:cNvPicPr>
-            <a:picLocks noChangeAspect="1"/>
-          </p:cNvPicPr>
-          <p:nvPr/>
-        </p:nvPicPr>
-        <p:blipFill>
-          <a:blip r:embed="rId2">
-            <a:extLst>
-              <a:ext uri="{28A0092B-C50C-407E-A947-70E740481C1C}">
-                <a14:useLocalDpi xmlns:a14="http://schemas.microsoft.com/office/drawing/2010/main" val="0"/>
-              </a:ext>
-            </a:extLst>
-          </a:blip>
-          <a:stretch>
-            <a:fillRect/>
-          </a:stretch>
-        </p:blipFill>
-        <p:spPr>
-          <a:xfrm>
-            <a:off x="6612308" y="740776"/>
-            <a:ext cx="5579692" cy="4235188"/>
-          </a:xfrm>
-          <a:prstGeom prst="rect">
-            <a:avLst/>
-          </a:prstGeom>
-        </p:spPr>
-      </p:pic>
-      <p:pic>
-        <p:nvPicPr>
-          <p:cNvPr id="5" name="Picture 4"/>
-          <p:cNvPicPr>
-            <a:picLocks noChangeAspect="1"/>
-          </p:cNvPicPr>
-          <p:nvPr/>
-        </p:nvPicPr>
-        <p:blipFill>
-          <a:blip r:embed="rId3">
-            <a:extLst>
-              <a:ext uri="{28A0092B-C50C-407E-A947-70E740481C1C}">
-                <a14:useLocalDpi xmlns:a14="http://schemas.microsoft.com/office/drawing/2010/main" val="0"/>
-              </a:ext>
-            </a:extLst>
-          </a:blip>
-          <a:stretch>
-            <a:fillRect/>
-          </a:stretch>
-        </p:blipFill>
-        <p:spPr>
-          <a:xfrm>
-            <a:off x="205114" y="740776"/>
-            <a:ext cx="5947070" cy="3618282"/>
-          </a:xfrm>
-          <a:prstGeom prst="rect">
-            <a:avLst/>
-          </a:prstGeom>
-        </p:spPr>
-      </p:pic>
-    </p:spTree>
-    <p:extLst>
-      <p:ext uri="{BB962C8B-B14F-4D97-AF65-F5344CB8AC3E}">
-        <p14:creationId xmlns:p14="http://schemas.microsoft.com/office/powerpoint/2010/main" val="2115227667"/>
-      </p:ext>
-    </p:extLst>
-  </p:cSld>
-  <p:clrMapOvr>
-    <a:masterClrMapping/>
-  </p:clrMapOvr>
+  <p:timing>
+    <p:tnLst>
+      <p:par>
+        <p:cTn id="1" dur="indefinite" restart="never" nodeType="tmRoot"/>
+      </p:par>
+    </p:tnLst>
+  </p:timing>
 </p:sld>
 </file>
 
 <file path=ppt/theme/theme1.xml><?xml version="1.0" encoding="utf-8"?>
-<a:theme xmlns:a="http://schemas.openxmlformats.org/drawingml/2006/main" name="Office Theme">
+<a:theme xmlns:a="http://schemas.openxmlformats.org/drawingml/2006/main" name="Depth">
   <a:themeElements>
-    <a:clrScheme name="Office">
+    <a:clrScheme name="Depth">
       <a:dk1>
         <a:sysClr val="windowText" lastClr="000000"/>
       </a:dk1>
@@ -12996,52 +18850,52 @@
         <a:sysClr val="window" lastClr="FFFFFF"/>
       </a:lt1>
       <a:dk2>
-        <a:srgbClr val="44546A"/>
+        <a:srgbClr val="455F51"/>
       </a:dk2>
       <a:lt2>
-        <a:srgbClr val="E7E6E6"/>
+        <a:srgbClr val="94D7E4"/>
       </a:lt2>
       <a:accent1>
-        <a:srgbClr val="5B9BD5"/>
+        <a:srgbClr val="41AEBD"/>
       </a:accent1>
       <a:accent2>
-        <a:srgbClr val="ED7D31"/>
+        <a:srgbClr val="97E9D5"/>
       </a:accent2>
       <a:accent3>
-        <a:srgbClr val="A5A5A5"/>
+        <a:srgbClr val="A2CF49"/>
       </a:accent3>
       <a:accent4>
-        <a:srgbClr val="FFC000"/>
+        <a:srgbClr val="608F3D"/>
       </a:accent4>
       <a:accent5>
-        <a:srgbClr val="4472C4"/>
+        <a:srgbClr val="F4DE3A"/>
       </a:accent5>
       <a:accent6>
-        <a:srgbClr val="70AD47"/>
+        <a:srgbClr val="FCB11C"/>
       </a:accent6>
       <a:hlink>
-        <a:srgbClr val="0563C1"/>
+        <a:srgbClr val="FBCA98"/>
       </a:hlink>
       <a:folHlink>
-        <a:srgbClr val="954F72"/>
+        <a:srgbClr val="D3B86D"/>
       </a:folHlink>
     </a:clrScheme>
-    <a:fontScheme name="Office">
+    <a:fontScheme name="Depth">
       <a:majorFont>
-        <a:latin typeface="Calibri Light" panose="020F0302020204030204"/>
+        <a:latin typeface="Corbel" panose="020B0503020204020204"/>
         <a:ea typeface=""/>
         <a:cs typeface=""/>
-        <a:font script="Jpan" typeface="Yu Gothic Light"/>
-        <a:font script="Hang" typeface="맑은 고딕"/>
-        <a:font script="Hans" typeface="DengXian Light"/>
+        <a:font script="Jpan" typeface="HGｺﾞｼｯｸM"/>
+        <a:font script="Hang" typeface="HY엽서L"/>
+        <a:font script="Hans" typeface="华文楷体"/>
         <a:font script="Hant" typeface="新細明體"/>
-        <a:font script="Arab" typeface="Times New Roman"/>
-        <a:font script="Hebr" typeface="Times New Roman"/>
-        <a:font script="Thai" typeface="Angsana New"/>
+        <a:font script="Arab" typeface="Tahoma"/>
+        <a:font script="Hebr" typeface="Miriam"/>
+        <a:font script="Thai" typeface="DilleniaUPC"/>
         <a:font script="Ethi" typeface="Nyala"/>
         <a:font script="Beng" typeface="Vrinda"/>
         <a:font script="Gujr" typeface="Shruti"/>
-        <a:font script="Khmr" typeface="MoolBoran"/>
+        <a:font script="Khmr" typeface="DaunPenh"/>
         <a:font script="Knda" typeface="Tunga"/>
         <a:font script="Guru" typeface="Raavi"/>
         <a:font script="Cans" typeface="Euphemia"/>
@@ -13058,21 +18912,21 @@
         <a:font script="Laoo" typeface="DokChampa"/>
         <a:font script="Sinh" typeface="Iskoola Pota"/>
         <a:font script="Mong" typeface="Mongolian Baiti"/>
-        <a:font script="Viet" typeface="Times New Roman"/>
+        <a:font script="Viet" typeface="Arial"/>
         <a:font script="Uigh" typeface="Microsoft Uighur"/>
         <a:font script="Geor" typeface="Sylfaen"/>
       </a:majorFont>
       <a:minorFont>
-        <a:latin typeface="Calibri" panose="020F0502020204030204"/>
+        <a:latin typeface="Corbel" panose="020B0503020204020204"/>
         <a:ea typeface=""/>
         <a:cs typeface=""/>
-        <a:font script="Jpan" typeface="Yu Gothic"/>
-        <a:font script="Hang" typeface="맑은 고딕"/>
-        <a:font script="Hans" typeface="DengXian"/>
+        <a:font script="Jpan" typeface="HGｺﾞｼｯｸM"/>
+        <a:font script="Hang" typeface="HY엽서L"/>
+        <a:font script="Hans" typeface="华文楷体"/>
         <a:font script="Hant" typeface="新細明體"/>
-        <a:font script="Arab" typeface="Arial"/>
-        <a:font script="Hebr" typeface="Arial"/>
-        <a:font script="Thai" typeface="Cordia New"/>
+        <a:font script="Arab" typeface="Tahoma"/>
+        <a:font script="Hebr" typeface="Miriam"/>
+        <a:font script="Thai" typeface="DilleniaUPC"/>
         <a:font script="Ethi" typeface="Nyala"/>
         <a:font script="Beng" typeface="Vrinda"/>
         <a:font script="Gujr" typeface="Shruti"/>
@@ -13098,7 +18952,7 @@
         <a:font script="Geor" typeface="Sylfaen"/>
       </a:minorFont>
     </a:fontScheme>
-    <a:fmtScheme name="Office">
+    <a:fmtScheme name="Depth">
       <a:fillStyleLst>
         <a:solidFill>
           <a:schemeClr val="phClr"/>
@@ -13240,7 +19094,7 @@
   <a:extraClrSchemeLst/>
   <a:extLst>
     <a:ext uri="{05A4C25C-085E-4340-85A3-A5531E510DB2}">
-      <thm15:themeFamily xmlns:thm15="http://schemas.microsoft.com/office/thememl/2012/main" name="Office Theme" id="{62F939B6-93AF-4DB8-9C6B-D6C7DFDC589F}" vid="{4A3C46E8-61CC-4603-A589-7422A47A8E4A}"/>
+      <thm15:themeFamily xmlns:thm15="http://schemas.microsoft.com/office/thememl/2012/main" name="Depth" id="{7BEAFC2A-325C-49C4-AC08-2B765DA903F9}" vid="{1735E755-43E6-43AA-ABA2-C989ECC79AF5}"/>
     </a:ext>
   </a:extLst>
 </a:theme>
